--- a/3. Simple-Conditions/3. Simple-Conditions.pptx
+++ b/3. Simple-Conditions/3. Simple-Conditions.pptx
@@ -249,7 +249,7 @@
             <a:fld id="{FE5B4EDC-59C0-49C7-8ADA-5A781B329E02}" type="datetimeFigureOut">
               <a:rPr lang="en-US"/>
               <a:pPr/>
-              <a:t>2/6/2017</a:t>
+              <a:t>2/8/2017</a:t>
             </a:fld>
             <a:endParaRPr dirty="0"/>
           </a:p>
@@ -448,7 +448,7 @@
             <a:fld id="{F2D8D46A-B586-417D-BFBD-8C8FE0AAF762}" type="datetimeFigureOut">
               <a:rPr lang="en-US" smtClean="0"/>
               <a:pPr/>
-              <a:t>2/6/2017</a:t>
+              <a:t>2/8/2017</a:t>
             </a:fld>
             <a:endParaRPr lang="en-US"/>
           </a:p>
@@ -2198,7 +2198,7 @@
             <a:fld id="{055373AC-9AA7-423B-BA00-BA1C74164DBD}" type="datetime1">
               <a:rPr lang="en-US" smtClean="0"/>
               <a:pPr/>
-              <a:t>2/6/2017</a:t>
+              <a:t>2/8/2017</a:t>
             </a:fld>
             <a:endParaRPr lang="en-US" dirty="0"/>
           </a:p>
@@ -3365,7 +3365,7 @@
                 </a:solidFill>
               </a:rPr>
               <a:pPr/>
-              <a:t>2/6/2017</a:t>
+              <a:t>2/8/2017</a:t>
             </a:fld>
             <a:endParaRPr lang="en-US" dirty="0">
               <a:solidFill>
@@ -4647,7 +4647,7 @@
             <a:fld id="{055373AC-9AA7-423B-BA00-BA1C74164DBD}" type="datetime1">
               <a:rPr lang="en-US" smtClean="0"/>
               <a:pPr/>
-              <a:t>2/6/2017</a:t>
+              <a:t>2/8/2017</a:t>
             </a:fld>
             <a:endParaRPr lang="en-US" dirty="0"/>
           </a:p>
@@ -5280,7 +5280,7 @@
                 </a:solidFill>
               </a:rPr>
               <a:pPr/>
-              <a:t>2/6/2017</a:t>
+              <a:t>2/8/2017</a:t>
             </a:fld>
             <a:endParaRPr lang="en-US" dirty="0">
               <a:solidFill>
@@ -5936,15 +5936,7 @@
           <a:p>
             <a:r>
               <a:rPr lang="bg-BG" dirty="0" smtClean="0"/>
-              <a:t>Логически изрази </a:t>
-            </a:r>
-            <a:r>
-              <a:rPr lang="bg-BG" smtClean="0"/>
-              <a:t>и проверки </a:t>
-            </a:r>
-            <a:r>
-              <a:rPr lang="bg-BG" dirty="0" smtClean="0"/>
-              <a:t>Условна конструкция </a:t>
+              <a:t>Логически изрази и проверки Условна конструкция </a:t>
             </a:r>
             <a:r>
               <a:rPr lang="en-US" dirty="0" smtClean="0"/>
@@ -6555,8 +6547,73 @@
                 <a:latin typeface="Consolas" pitchFamily="49" charset="0"/>
                 <a:cs typeface="Consolas" pitchFamily="49" charset="0"/>
               </a:rPr>
-              <a:t>print("Enter two integers:")</a:t>
-            </a:r>
+              <a:t>print</a:t>
+            </a:r>
+            <a:r>
+              <a:rPr lang="it-IT" sz="2800" b="1" noProof="1" smtClean="0">
+                <a:solidFill>
+                  <a:srgbClr val="FBEEDC"/>
+                </a:solidFill>
+                <a:effectLst>
+                  <a:outerShdw blurRad="38100" dist="38100" dir="2700000" algn="tl">
+                    <a:srgbClr val="000000">
+                      <a:alpha val="43137"/>
+                    </a:srgbClr>
+                  </a:outerShdw>
+                </a:effectLst>
+                <a:latin typeface="Consolas" pitchFamily="49" charset="0"/>
+                <a:cs typeface="Consolas" pitchFamily="49" charset="0"/>
+              </a:rPr>
+              <a:t>('Enter </a:t>
+            </a:r>
+            <a:r>
+              <a:rPr lang="it-IT" sz="2800" b="1" noProof="1" smtClean="0">
+                <a:solidFill>
+                  <a:srgbClr val="FBEEDC"/>
+                </a:solidFill>
+                <a:effectLst>
+                  <a:outerShdw blurRad="38100" dist="38100" dir="2700000" algn="tl">
+                    <a:srgbClr val="000000">
+                      <a:alpha val="43137"/>
+                    </a:srgbClr>
+                  </a:outerShdw>
+                </a:effectLst>
+                <a:latin typeface="Consolas" pitchFamily="49" charset="0"/>
+                <a:cs typeface="Consolas" pitchFamily="49" charset="0"/>
+              </a:rPr>
+              <a:t>two integers</a:t>
+            </a:r>
+            <a:r>
+              <a:rPr lang="it-IT" sz="2800" b="1" noProof="1" smtClean="0">
+                <a:solidFill>
+                  <a:srgbClr val="FBEEDC"/>
+                </a:solidFill>
+                <a:effectLst>
+                  <a:outerShdw blurRad="38100" dist="38100" dir="2700000" algn="tl">
+                    <a:srgbClr val="000000">
+                      <a:alpha val="43137"/>
+                    </a:srgbClr>
+                  </a:outerShdw>
+                </a:effectLst>
+                <a:latin typeface="Consolas" pitchFamily="49" charset="0"/>
+                <a:cs typeface="Consolas" pitchFamily="49" charset="0"/>
+              </a:rPr>
+              <a:t>:')</a:t>
+            </a:r>
+            <a:endParaRPr lang="it-IT" sz="2800" b="1" noProof="1" smtClean="0">
+              <a:solidFill>
+                <a:srgbClr val="FBEEDC"/>
+              </a:solidFill>
+              <a:effectLst>
+                <a:outerShdw blurRad="38100" dist="38100" dir="2700000" algn="tl">
+                  <a:srgbClr val="000000">
+                    <a:alpha val="43137"/>
+                  </a:srgbClr>
+                </a:outerShdw>
+              </a:effectLst>
+              <a:latin typeface="Consolas" pitchFamily="49" charset="0"/>
+              <a:cs typeface="Consolas" pitchFamily="49" charset="0"/>
+            </a:endParaRPr>
           </a:p>
           <a:p>
             <a:pPr eaLnBrk="0" hangingPunct="0">
@@ -6812,7 +6869,75 @@
                 <a:latin typeface="Consolas" pitchFamily="49" charset="0"/>
                 <a:cs typeface="Consolas" pitchFamily="49" charset="0"/>
               </a:rPr>
-              <a:t>   print("Greater number: " + num1)</a:t>
+              <a:t>   print</a:t>
+            </a:r>
+            <a:r>
+              <a:rPr lang="it-IT" sz="2800" b="1" noProof="1" smtClean="0">
+                <a:solidFill>
+                  <a:srgbClr val="FBEEDC"/>
+                </a:solidFill>
+                <a:effectLst>
+                  <a:outerShdw blurRad="38100" dist="38100" dir="2700000" algn="tl">
+                    <a:srgbClr val="000000">
+                      <a:alpha val="43137"/>
+                    </a:srgbClr>
+                  </a:outerShdw>
+                </a:effectLst>
+                <a:latin typeface="Consolas" pitchFamily="49" charset="0"/>
+                <a:cs typeface="Consolas" pitchFamily="49" charset="0"/>
+              </a:rPr>
+              <a:t>('Greater </a:t>
+            </a:r>
+            <a:r>
+              <a:rPr lang="it-IT" sz="2800" b="1" noProof="1" smtClean="0">
+                <a:solidFill>
+                  <a:srgbClr val="FBEEDC"/>
+                </a:solidFill>
+                <a:effectLst>
+                  <a:outerShdw blurRad="38100" dist="38100" dir="2700000" algn="tl">
+                    <a:srgbClr val="000000">
+                      <a:alpha val="43137"/>
+                    </a:srgbClr>
+                  </a:outerShdw>
+                </a:effectLst>
+                <a:latin typeface="Consolas" pitchFamily="49" charset="0"/>
+                <a:cs typeface="Consolas" pitchFamily="49" charset="0"/>
+              </a:rPr>
+              <a:t>number: </a:t>
+            </a:r>
+            <a:r>
+              <a:rPr lang="it-IT" sz="2800" b="1" noProof="1" smtClean="0">
+                <a:solidFill>
+                  <a:srgbClr val="FBEEDC"/>
+                </a:solidFill>
+                <a:effectLst>
+                  <a:outerShdw blurRad="38100" dist="38100" dir="2700000" algn="tl">
+                    <a:srgbClr val="000000">
+                      <a:alpha val="43137"/>
+                    </a:srgbClr>
+                  </a:outerShdw>
+                </a:effectLst>
+                <a:latin typeface="Consolas" pitchFamily="49" charset="0"/>
+                <a:cs typeface="Consolas" pitchFamily="49" charset="0"/>
+              </a:rPr>
+              <a:t>' </a:t>
+            </a:r>
+            <a:r>
+              <a:rPr lang="it-IT" sz="2800" b="1" noProof="1" smtClean="0">
+                <a:solidFill>
+                  <a:srgbClr val="FBEEDC"/>
+                </a:solidFill>
+                <a:effectLst>
+                  <a:outerShdw blurRad="38100" dist="38100" dir="2700000" algn="tl">
+                    <a:srgbClr val="000000">
+                      <a:alpha val="43137"/>
+                    </a:srgbClr>
+                  </a:outerShdw>
+                </a:effectLst>
+                <a:latin typeface="Consolas" pitchFamily="49" charset="0"/>
+                <a:cs typeface="Consolas" pitchFamily="49" charset="0"/>
+              </a:rPr>
+              <a:t>+ num1)</a:t>
             </a:r>
           </a:p>
           <a:p>
@@ -6874,7 +6999,24 @@
                 <a:latin typeface="Consolas" pitchFamily="49" charset="0"/>
                 <a:cs typeface="Consolas" pitchFamily="49" charset="0"/>
               </a:rPr>
-              <a:t>    print("</a:t>
+              <a:t>    print</a:t>
+            </a:r>
+            <a:r>
+              <a:rPr lang="it-IT" sz="2800" b="1" noProof="1" smtClean="0">
+                <a:solidFill>
+                  <a:srgbClr val="FBEEDC"/>
+                </a:solidFill>
+                <a:effectLst>
+                  <a:outerShdw blurRad="38100" dist="38100" dir="2700000" algn="tl">
+                    <a:srgbClr val="000000">
+                      <a:alpha val="43137"/>
+                    </a:srgbClr>
+                  </a:outerShdw>
+                </a:effectLst>
+                <a:latin typeface="Consolas" pitchFamily="49" charset="0"/>
+                <a:cs typeface="Consolas" pitchFamily="49" charset="0"/>
+              </a:rPr>
+              <a:t>('Greater </a:t>
             </a:r>
             <a:r>
               <a:rPr lang="it-IT" sz="2800" b="1" noProof="1">
@@ -6891,7 +7033,41 @@
                 <a:latin typeface="Consolas" pitchFamily="49" charset="0"/>
                 <a:cs typeface="Consolas" pitchFamily="49" charset="0"/>
               </a:rPr>
-              <a:t>Greater number: " + </a:t>
+              <a:t>number: </a:t>
+            </a:r>
+            <a:r>
+              <a:rPr lang="it-IT" sz="2800" b="1" noProof="1" smtClean="0">
+                <a:solidFill>
+                  <a:srgbClr val="FBEEDC"/>
+                </a:solidFill>
+                <a:effectLst>
+                  <a:outerShdw blurRad="38100" dist="38100" dir="2700000" algn="tl">
+                    <a:srgbClr val="000000">
+                      <a:alpha val="43137"/>
+                    </a:srgbClr>
+                  </a:outerShdw>
+                </a:effectLst>
+                <a:latin typeface="Consolas" pitchFamily="49" charset="0"/>
+                <a:cs typeface="Consolas" pitchFamily="49" charset="0"/>
+              </a:rPr>
+              <a:t>' </a:t>
+            </a:r>
+            <a:r>
+              <a:rPr lang="it-IT" sz="2800" b="1" noProof="1">
+                <a:solidFill>
+                  <a:srgbClr val="FBEEDC"/>
+                </a:solidFill>
+                <a:effectLst>
+                  <a:outerShdw blurRad="38100" dist="38100" dir="2700000" algn="tl">
+                    <a:srgbClr val="000000">
+                      <a:alpha val="43137"/>
+                    </a:srgbClr>
+                  </a:outerShdw>
+                </a:effectLst>
+                <a:latin typeface="Consolas" pitchFamily="49" charset="0"/>
+                <a:cs typeface="Consolas" pitchFamily="49" charset="0"/>
+              </a:rPr>
+              <a:t>+ </a:t>
             </a:r>
             <a:r>
               <a:rPr lang="it-IT" sz="2800" b="1" noProof="1" smtClean="0">
@@ -7077,80 +7253,62 @@
       </p:sp>
       <p:pic>
         <p:nvPicPr>
-          <p:cNvPr id="4" name="Picture 3"/>
+          <p:cNvPr id="6" name="Картина 5"/>
           <p:cNvPicPr>
             <a:picLocks noChangeAspect="1"/>
           </p:cNvPicPr>
           <p:nvPr/>
         </p:nvPicPr>
         <p:blipFill>
-          <a:blip r:embed="rId2"/>
+          <a:blip r:embed="rId2">
+            <a:extLst>
+              <a:ext uri="{28A0092B-C50C-407E-A947-70E740481C1C}">
+                <a14:useLocalDpi xmlns:a14="http://schemas.microsoft.com/office/drawing/2010/main" val="0"/>
+              </a:ext>
+            </a:extLst>
+          </a:blip>
           <a:stretch>
             <a:fillRect/>
           </a:stretch>
         </p:blipFill>
         <p:spPr>
           <a:xfrm>
-            <a:off x="900112" y="2198241"/>
-            <a:ext cx="7937500" cy="2286000"/>
+            <a:off x="5042556" y="1600200"/>
+            <a:ext cx="6005016" cy="1676400"/>
           </a:xfrm>
           <a:prstGeom prst="rect">
             <a:avLst/>
           </a:prstGeom>
-          <a:ln>
-            <a:solidFill>
-              <a:schemeClr val="bg1">
-                <a:lumMod val="50000"/>
-                <a:lumOff val="50000"/>
-              </a:schemeClr>
-            </a:solidFill>
-          </a:ln>
-          <a:effectLst>
-            <a:outerShdw blurRad="63500" sx="102000" sy="102000" algn="ctr" rotWithShape="0">
-              <a:prstClr val="black">
-                <a:alpha val="40000"/>
-              </a:prstClr>
-            </a:outerShdw>
-          </a:effectLst>
         </p:spPr>
       </p:pic>
       <p:pic>
         <p:nvPicPr>
-          <p:cNvPr id="5" name="Picture 4"/>
+          <p:cNvPr id="7" name="Картина 6"/>
           <p:cNvPicPr>
             <a:picLocks noChangeAspect="1"/>
           </p:cNvPicPr>
           <p:nvPr/>
         </p:nvPicPr>
         <p:blipFill>
-          <a:blip r:embed="rId3"/>
+          <a:blip r:embed="rId3">
+            <a:extLst>
+              <a:ext uri="{28A0092B-C50C-407E-A947-70E740481C1C}">
+                <a14:useLocalDpi xmlns:a14="http://schemas.microsoft.com/office/drawing/2010/main" val="0"/>
+              </a:ext>
+            </a:extLst>
+          </a:blip>
           <a:stretch>
             <a:fillRect/>
           </a:stretch>
         </p:blipFill>
         <p:spPr>
           <a:xfrm>
-            <a:off x="3911908" y="1383358"/>
-            <a:ext cx="7391401" cy="2115970"/>
+            <a:off x="912813" y="2667000"/>
+            <a:ext cx="5588246" cy="1646329"/>
           </a:xfrm>
           <a:prstGeom prst="rect">
             <a:avLst/>
           </a:prstGeom>
-          <a:ln>
-            <a:solidFill>
-              <a:schemeClr val="bg1">
-                <a:lumMod val="50000"/>
-                <a:lumOff val="50000"/>
-              </a:schemeClr>
-            </a:solidFill>
-          </a:ln>
-          <a:effectLst>
-            <a:outerShdw blurRad="63500" sx="102000" sy="102000" algn="ctr" rotWithShape="0">
-              <a:prstClr val="black">
-                <a:alpha val="40000"/>
-              </a:prstClr>
-            </a:outerShdw>
-          </a:effectLst>
         </p:spPr>
       </p:pic>
     </p:spTree>
@@ -7589,8 +7747,39 @@
                 <a:latin typeface="Consolas" pitchFamily="49" charset="0"/>
                 <a:cs typeface="Consolas" pitchFamily="49" charset="0"/>
               </a:rPr>
-              <a:t>print("one")</a:t>
-            </a:r>
+              <a:t>print</a:t>
+            </a:r>
+            <a:r>
+              <a:rPr lang="it-IT" sz="2600" b="1" noProof="1" smtClean="0">
+                <a:solidFill>
+                  <a:srgbClr val="FBEEDC"/>
+                </a:solidFill>
+                <a:effectLst>
+                  <a:outerShdw blurRad="38100" dist="38100" dir="2700000" algn="tl">
+                    <a:srgbClr val="000000">
+                      <a:alpha val="43137"/>
+                    </a:srgbClr>
+                  </a:outerShdw>
+                </a:effectLst>
+                <a:latin typeface="Consolas" pitchFamily="49" charset="0"/>
+                <a:cs typeface="Consolas" pitchFamily="49" charset="0"/>
+              </a:rPr>
+              <a:t>('one')</a:t>
+            </a:r>
+            <a:endParaRPr lang="it-IT" sz="2600" b="1" noProof="1" smtClean="0">
+              <a:solidFill>
+                <a:srgbClr val="FBEEDC"/>
+              </a:solidFill>
+              <a:effectLst>
+                <a:outerShdw blurRad="38100" dist="38100" dir="2700000" algn="tl">
+                  <a:srgbClr val="000000">
+                    <a:alpha val="43137"/>
+                  </a:srgbClr>
+                </a:outerShdw>
+              </a:effectLst>
+              <a:latin typeface="Consolas" pitchFamily="49" charset="0"/>
+              <a:cs typeface="Consolas" pitchFamily="49" charset="0"/>
+            </a:endParaRPr>
           </a:p>
           <a:p>
             <a:pPr eaLnBrk="0" hangingPunct="0">
@@ -7758,7 +7947,24 @@
                 <a:latin typeface="Consolas" pitchFamily="49" charset="0"/>
                 <a:cs typeface="Consolas" pitchFamily="49" charset="0"/>
               </a:rPr>
-              <a:t>    print("two")</a:t>
+              <a:t>    print</a:t>
+            </a:r>
+            <a:r>
+              <a:rPr lang="it-IT" sz="2600" b="1" noProof="1" smtClean="0">
+                <a:solidFill>
+                  <a:srgbClr val="FBEEDC"/>
+                </a:solidFill>
+                <a:effectLst>
+                  <a:outerShdw blurRad="38100" dist="38100" dir="2700000" algn="tl">
+                    <a:srgbClr val="000000">
+                      <a:alpha val="43137"/>
+                    </a:srgbClr>
+                  </a:outerShdw>
+                </a:effectLst>
+                <a:latin typeface="Consolas" pitchFamily="49" charset="0"/>
+                <a:cs typeface="Consolas" pitchFamily="49" charset="0"/>
+              </a:rPr>
+              <a:t>('two')</a:t>
             </a:r>
             <a:endParaRPr lang="it-IT" sz="2600" b="1" noProof="1">
               <a:solidFill>
@@ -7958,7 +8164,24 @@
                 <a:latin typeface="Consolas" pitchFamily="49" charset="0"/>
                 <a:cs typeface="Consolas" pitchFamily="49" charset="0"/>
               </a:rPr>
-              <a:t>print("three")</a:t>
+              <a:t>print</a:t>
+            </a:r>
+            <a:r>
+              <a:rPr lang="it-IT" sz="2600" b="1" noProof="1" smtClean="0">
+                <a:solidFill>
+                  <a:srgbClr val="FBEEDC"/>
+                </a:solidFill>
+                <a:effectLst>
+                  <a:outerShdw blurRad="38100" dist="38100" dir="2700000" algn="tl">
+                    <a:srgbClr val="000000">
+                      <a:alpha val="43137"/>
+                    </a:srgbClr>
+                  </a:outerShdw>
+                </a:effectLst>
+                <a:latin typeface="Consolas" pitchFamily="49" charset="0"/>
+                <a:cs typeface="Consolas" pitchFamily="49" charset="0"/>
+              </a:rPr>
+              <a:t>('three')</a:t>
             </a:r>
             <a:r>
               <a:rPr lang="en-US" sz="2600" b="1" noProof="1" smtClean="0">
@@ -8123,8 +8346,73 @@
                 <a:latin typeface="Consolas" pitchFamily="49" charset="0"/>
                 <a:cs typeface="Consolas" pitchFamily="49" charset="0"/>
               </a:rPr>
-              <a:t>print("number too big")</a:t>
-            </a:r>
+              <a:t>print</a:t>
+            </a:r>
+            <a:r>
+              <a:rPr lang="it-IT" sz="2600" b="1" noProof="1" smtClean="0">
+                <a:solidFill>
+                  <a:srgbClr val="FBEEDC"/>
+                </a:solidFill>
+                <a:effectLst>
+                  <a:outerShdw blurRad="38100" dist="38100" dir="2700000" algn="tl">
+                    <a:srgbClr val="000000">
+                      <a:alpha val="43137"/>
+                    </a:srgbClr>
+                  </a:outerShdw>
+                </a:effectLst>
+                <a:latin typeface="Consolas" pitchFamily="49" charset="0"/>
+                <a:cs typeface="Consolas" pitchFamily="49" charset="0"/>
+              </a:rPr>
+              <a:t>('number </a:t>
+            </a:r>
+            <a:r>
+              <a:rPr lang="it-IT" sz="2600" b="1" noProof="1" smtClean="0">
+                <a:solidFill>
+                  <a:srgbClr val="FBEEDC"/>
+                </a:solidFill>
+                <a:effectLst>
+                  <a:outerShdw blurRad="38100" dist="38100" dir="2700000" algn="tl">
+                    <a:srgbClr val="000000">
+                      <a:alpha val="43137"/>
+                    </a:srgbClr>
+                  </a:outerShdw>
+                </a:effectLst>
+                <a:latin typeface="Consolas" pitchFamily="49" charset="0"/>
+                <a:cs typeface="Consolas" pitchFamily="49" charset="0"/>
+              </a:rPr>
+              <a:t>too </a:t>
+            </a:r>
+            <a:r>
+              <a:rPr lang="it-IT" sz="2600" b="1" noProof="1" smtClean="0">
+                <a:solidFill>
+                  <a:srgbClr val="FBEEDC"/>
+                </a:solidFill>
+                <a:effectLst>
+                  <a:outerShdw blurRad="38100" dist="38100" dir="2700000" algn="tl">
+                    <a:srgbClr val="000000">
+                      <a:alpha val="43137"/>
+                    </a:srgbClr>
+                  </a:outerShdw>
+                </a:effectLst>
+                <a:latin typeface="Consolas" pitchFamily="49" charset="0"/>
+                <a:cs typeface="Consolas" pitchFamily="49" charset="0"/>
+              </a:rPr>
+              <a:t>big')</a:t>
+            </a:r>
+            <a:endParaRPr lang="it-IT" sz="2600" b="1" noProof="1" smtClean="0">
+              <a:solidFill>
+                <a:srgbClr val="FBEEDC"/>
+              </a:solidFill>
+              <a:effectLst>
+                <a:outerShdw blurRad="38100" dist="38100" dir="2700000" algn="tl">
+                  <a:srgbClr val="000000">
+                    <a:alpha val="43137"/>
+                  </a:srgbClr>
+                </a:outerShdw>
+              </a:effectLst>
+              <a:latin typeface="Consolas" pitchFamily="49" charset="0"/>
+              <a:cs typeface="Consolas" pitchFamily="49" charset="0"/>
+            </a:endParaRPr>
           </a:p>
         </p:txBody>
       </p:sp>
@@ -8702,7 +8990,24 @@
                 <a:latin typeface="Consolas" pitchFamily="49" charset="0"/>
                 <a:cs typeface="Consolas" pitchFamily="49" charset="0"/>
               </a:rPr>
-              <a:t>print("</a:t>
+              <a:t>print</a:t>
+            </a:r>
+            <a:r>
+              <a:rPr lang="it-IT" sz="2600" b="1" noProof="1" smtClean="0">
+                <a:solidFill>
+                  <a:srgbClr val="FBEEDC"/>
+                </a:solidFill>
+                <a:effectLst>
+                  <a:outerShdw blurRad="38100" dist="38100" dir="2700000" algn="tl">
+                    <a:srgbClr val="000000">
+                      <a:alpha val="43137"/>
+                    </a:srgbClr>
+                  </a:outerShdw>
+                </a:effectLst>
+                <a:latin typeface="Consolas" pitchFamily="49" charset="0"/>
+                <a:cs typeface="Consolas" pitchFamily="49" charset="0"/>
+              </a:rPr>
+              <a:t>('Enter </a:t>
             </a:r>
             <a:r>
               <a:rPr lang="it-IT" sz="2600" b="1" noProof="1">
@@ -8719,7 +9024,7 @@
                 <a:latin typeface="Consolas" pitchFamily="49" charset="0"/>
                 <a:cs typeface="Consolas" pitchFamily="49" charset="0"/>
               </a:rPr>
-              <a:t>Enter score: </a:t>
+              <a:t>score: </a:t>
             </a:r>
             <a:r>
               <a:rPr lang="it-IT" sz="2600" b="1" noProof="1" smtClean="0">
@@ -8736,7 +9041,7 @@
                 <a:latin typeface="Consolas" pitchFamily="49" charset="0"/>
                 <a:cs typeface="Consolas" pitchFamily="49" charset="0"/>
               </a:rPr>
-              <a:t>")</a:t>
+              <a:t>')</a:t>
             </a:r>
             <a:endParaRPr lang="it-IT" sz="2600" b="1" noProof="1">
               <a:solidFill>
@@ -9571,7 +9876,24 @@
                 <a:latin typeface="Consolas" pitchFamily="49" charset="0"/>
                 <a:cs typeface="Consolas" pitchFamily="49" charset="0"/>
               </a:rPr>
-              <a:t>print("</a:t>
+              <a:t>print</a:t>
+            </a:r>
+            <a:r>
+              <a:rPr lang="it-IT" sz="2600" b="1" noProof="1" smtClean="0">
+                <a:solidFill>
+                  <a:srgbClr val="FBEEDC"/>
+                </a:solidFill>
+                <a:effectLst>
+                  <a:outerShdw blurRad="38100" dist="38100" dir="2700000" algn="tl">
+                    <a:srgbClr val="000000">
+                      <a:alpha val="43137"/>
+                    </a:srgbClr>
+                  </a:outerShdw>
+                </a:effectLst>
+                <a:latin typeface="Consolas" pitchFamily="49" charset="0"/>
+                <a:cs typeface="Consolas" pitchFamily="49" charset="0"/>
+              </a:rPr>
+              <a:t>('Bonus </a:t>
             </a:r>
             <a:r>
               <a:rPr lang="it-IT" sz="2600" b="1" noProof="1">
@@ -9588,7 +9910,7 @@
                 <a:latin typeface="Consolas" pitchFamily="49" charset="0"/>
                 <a:cs typeface="Consolas" pitchFamily="49" charset="0"/>
               </a:rPr>
-              <a:t>Bonus score: </a:t>
+              <a:t>score: </a:t>
             </a:r>
             <a:r>
               <a:rPr lang="it-IT" sz="2600" b="1" noProof="1" smtClean="0">
@@ -9605,7 +9927,7 @@
                 <a:latin typeface="Consolas" pitchFamily="49" charset="0"/>
                 <a:cs typeface="Consolas" pitchFamily="49" charset="0"/>
               </a:rPr>
-              <a:t>", </a:t>
+              <a:t>', </a:t>
             </a:r>
             <a:r>
               <a:rPr lang="it-IT" sz="2600" b="1" noProof="1">
@@ -9681,7 +10003,24 @@
                 <a:latin typeface="Consolas" pitchFamily="49" charset="0"/>
                 <a:cs typeface="Consolas" pitchFamily="49" charset="0"/>
               </a:rPr>
-              <a:t>print("</a:t>
+              <a:t>print</a:t>
+            </a:r>
+            <a:r>
+              <a:rPr lang="it-IT" sz="2600" b="1" noProof="1" smtClean="0">
+                <a:solidFill>
+                  <a:srgbClr val="FBEEDC"/>
+                </a:solidFill>
+                <a:effectLst>
+                  <a:outerShdw blurRad="38100" dist="38100" dir="2700000" algn="tl">
+                    <a:srgbClr val="000000">
+                      <a:alpha val="43137"/>
+                    </a:srgbClr>
+                  </a:outerShdw>
+                </a:effectLst>
+                <a:latin typeface="Consolas" pitchFamily="49" charset="0"/>
+                <a:cs typeface="Consolas" pitchFamily="49" charset="0"/>
+              </a:rPr>
+              <a:t>('Total </a:t>
             </a:r>
             <a:r>
               <a:rPr lang="it-IT" sz="2600" b="1" noProof="1">
@@ -9698,7 +10037,7 @@
                 <a:latin typeface="Consolas" pitchFamily="49" charset="0"/>
                 <a:cs typeface="Consolas" pitchFamily="49" charset="0"/>
               </a:rPr>
-              <a:t>Total score: </a:t>
+              <a:t>score: </a:t>
             </a:r>
             <a:r>
               <a:rPr lang="it-IT" sz="2600" b="1" noProof="1" smtClean="0">
@@ -9715,7 +10054,7 @@
                 <a:latin typeface="Consolas" pitchFamily="49" charset="0"/>
                 <a:cs typeface="Consolas" pitchFamily="49" charset="0"/>
               </a:rPr>
-              <a:t>", </a:t>
+              <a:t>', </a:t>
             </a:r>
             <a:r>
               <a:rPr lang="it-IT" sz="2600" b="1" noProof="1">
@@ -10572,7 +10911,11 @@
             </a:r>
             <a:r>
               <a:rPr lang="en-US" dirty="0" smtClean="0"/>
-              <a:t> "</a:t>
+              <a:t> </a:t>
+            </a:r>
+            <a:r>
+              <a:rPr lang="en-US" dirty="0" smtClean="0"/>
+              <a:t>'</a:t>
             </a:r>
             <a:r>
               <a:rPr lang="bg-BG" b="1" noProof="1" smtClean="0">
@@ -10586,12 +10929,16 @@
               <a:t>минути:секунди</a:t>
             </a:r>
             <a:r>
-              <a:rPr lang="en-US" dirty="0"/>
-              <a:t>"</a:t>
+              <a:rPr lang="en-US" dirty="0" smtClean="0"/>
+              <a:t>'</a:t>
             </a:r>
             <a:r>
               <a:rPr lang="bg-BG" dirty="0" smtClean="0"/>
-              <a:t>. Секундите да се изведат с </a:t>
+              <a:t>. </a:t>
+            </a:r>
+            <a:r>
+              <a:rPr lang="bg-BG" dirty="0" smtClean="0"/>
+              <a:t>Секундите да се изведат с </a:t>
             </a:r>
             <a:r>
               <a:rPr lang="bg-BG" dirty="0" smtClean="0">
@@ -10611,7 +10958,37 @@
               <a:rPr lang="bg-BG" dirty="0" smtClean="0">
                 <a:sym typeface="Wingdings" panose="05000000000000000000" pitchFamily="2" charset="2"/>
               </a:rPr>
-              <a:t> "02", 7  "07", 35  "35").</a:t>
+              <a:t> </a:t>
+            </a:r>
+            <a:r>
+              <a:rPr lang="bg-BG" dirty="0" smtClean="0">
+                <a:sym typeface="Wingdings" panose="05000000000000000000" pitchFamily="2" charset="2"/>
+              </a:rPr>
+              <a:t>'02', </a:t>
+            </a:r>
+            <a:r>
+              <a:rPr lang="bg-BG" dirty="0" smtClean="0">
+                <a:sym typeface="Wingdings" panose="05000000000000000000" pitchFamily="2" charset="2"/>
+              </a:rPr>
+              <a:t>7  </a:t>
+            </a:r>
+            <a:r>
+              <a:rPr lang="bg-BG" dirty="0" smtClean="0">
+                <a:sym typeface="Wingdings" panose="05000000000000000000" pitchFamily="2" charset="2"/>
+              </a:rPr>
+              <a:t>'07', </a:t>
+            </a:r>
+            <a:r>
+              <a:rPr lang="bg-BG" dirty="0" smtClean="0">
+                <a:sym typeface="Wingdings" panose="05000000000000000000" pitchFamily="2" charset="2"/>
+              </a:rPr>
+              <a:t>35  </a:t>
+            </a:r>
+            <a:r>
+              <a:rPr lang="bg-BG" dirty="0" smtClean="0">
+                <a:sym typeface="Wingdings" panose="05000000000000000000" pitchFamily="2" charset="2"/>
+              </a:rPr>
+              <a:t>'35').</a:t>
             </a:r>
             <a:endParaRPr lang="en-US" dirty="0" smtClean="0"/>
           </a:p>
@@ -12802,7 +13179,75 @@
                 <a:latin typeface="Consolas" pitchFamily="49" charset="0"/>
                 <a:cs typeface="Consolas" pitchFamily="49" charset="0"/>
               </a:rPr>
-              <a:t>+ ":" + "0" + secs</a:t>
+              <a:t>+ </a:t>
+            </a:r>
+            <a:r>
+              <a:rPr lang="it-IT" sz="2600" b="1" noProof="1" smtClean="0">
+                <a:solidFill>
+                  <a:srgbClr val="FBEEDC"/>
+                </a:solidFill>
+                <a:effectLst>
+                  <a:outerShdw blurRad="38100" dist="38100" dir="2700000" algn="tl">
+                    <a:srgbClr val="000000">
+                      <a:alpha val="43137"/>
+                    </a:srgbClr>
+                  </a:outerShdw>
+                </a:effectLst>
+                <a:latin typeface="Consolas" pitchFamily="49" charset="0"/>
+                <a:cs typeface="Consolas" pitchFamily="49" charset="0"/>
+              </a:rPr>
+              <a:t>':' </a:t>
+            </a:r>
+            <a:r>
+              <a:rPr lang="it-IT" sz="2600" b="1" noProof="1">
+                <a:solidFill>
+                  <a:srgbClr val="FBEEDC"/>
+                </a:solidFill>
+                <a:effectLst>
+                  <a:outerShdw blurRad="38100" dist="38100" dir="2700000" algn="tl">
+                    <a:srgbClr val="000000">
+                      <a:alpha val="43137"/>
+                    </a:srgbClr>
+                  </a:outerShdw>
+                </a:effectLst>
+                <a:latin typeface="Consolas" pitchFamily="49" charset="0"/>
+                <a:cs typeface="Consolas" pitchFamily="49" charset="0"/>
+              </a:rPr>
+              <a:t>+ </a:t>
+            </a:r>
+            <a:r>
+              <a:rPr lang="it-IT" sz="2600" b="1" noProof="1" smtClean="0">
+                <a:solidFill>
+                  <a:srgbClr val="FBEEDC"/>
+                </a:solidFill>
+                <a:effectLst>
+                  <a:outerShdw blurRad="38100" dist="38100" dir="2700000" algn="tl">
+                    <a:srgbClr val="000000">
+                      <a:alpha val="43137"/>
+                    </a:srgbClr>
+                  </a:outerShdw>
+                </a:effectLst>
+                <a:latin typeface="Consolas" pitchFamily="49" charset="0"/>
+                <a:cs typeface="Consolas" pitchFamily="49" charset="0"/>
+              </a:rPr>
+              <a:t>'0' </a:t>
+            </a:r>
+            <a:r>
+              <a:rPr lang="it-IT" sz="2600" b="1" noProof="1">
+                <a:solidFill>
+                  <a:srgbClr val="FBEEDC"/>
+                </a:solidFill>
+                <a:effectLst>
+                  <a:outerShdw blurRad="38100" dist="38100" dir="2700000" algn="tl">
+                    <a:srgbClr val="000000">
+                      <a:alpha val="43137"/>
+                    </a:srgbClr>
+                  </a:outerShdw>
+                </a:effectLst>
+                <a:latin typeface="Consolas" pitchFamily="49" charset="0"/>
+                <a:cs typeface="Consolas" pitchFamily="49" charset="0"/>
+              </a:rPr>
+              <a:t>+ secs</a:t>
             </a:r>
             <a:r>
               <a:rPr lang="it-IT" sz="2600" b="1" noProof="1" smtClean="0">
@@ -12977,7 +13422,41 @@
                 <a:latin typeface="Consolas" pitchFamily="49" charset="0"/>
                 <a:cs typeface="Consolas" pitchFamily="49" charset="0"/>
               </a:rPr>
-              <a:t>+ ":" + secs</a:t>
+              <a:t>+ </a:t>
+            </a:r>
+            <a:r>
+              <a:rPr lang="it-IT" sz="2600" b="1" noProof="1" smtClean="0">
+                <a:solidFill>
+                  <a:srgbClr val="FBEEDC"/>
+                </a:solidFill>
+                <a:effectLst>
+                  <a:outerShdw blurRad="38100" dist="38100" dir="2700000" algn="tl">
+                    <a:srgbClr val="000000">
+                      <a:alpha val="43137"/>
+                    </a:srgbClr>
+                  </a:outerShdw>
+                </a:effectLst>
+                <a:latin typeface="Consolas" pitchFamily="49" charset="0"/>
+                <a:cs typeface="Consolas" pitchFamily="49" charset="0"/>
+              </a:rPr>
+              <a:t>':' </a:t>
+            </a:r>
+            <a:r>
+              <a:rPr lang="it-IT" sz="2600" b="1" noProof="1">
+                <a:solidFill>
+                  <a:srgbClr val="FBEEDC"/>
+                </a:solidFill>
+                <a:effectLst>
+                  <a:outerShdw blurRad="38100" dist="38100" dir="2700000" algn="tl">
+                    <a:srgbClr val="000000">
+                      <a:alpha val="43137"/>
+                    </a:srgbClr>
+                  </a:outerShdw>
+                </a:effectLst>
+                <a:latin typeface="Consolas" pitchFamily="49" charset="0"/>
+                <a:cs typeface="Consolas" pitchFamily="49" charset="0"/>
+              </a:rPr>
+              <a:t>+ secs</a:t>
             </a:r>
             <a:r>
               <a:rPr lang="it-IT" sz="2600" b="1" noProof="1" smtClean="0">
@@ -14593,7 +15072,7 @@
                 <a:latin typeface="Consolas" pitchFamily="49" charset="0"/>
                 <a:cs typeface="Consolas" pitchFamily="49" charset="0"/>
               </a:rPr>
-              <a:t>== "</a:t>
+              <a:t>== </a:t>
             </a:r>
             <a:r>
               <a:rPr lang="it-IT" sz="2800" b="1" noProof="1" smtClean="0">
@@ -14610,7 +15089,7 @@
                 <a:latin typeface="Consolas" pitchFamily="49" charset="0"/>
                 <a:cs typeface="Consolas" pitchFamily="49" charset="0"/>
               </a:rPr>
-              <a:t>km":</a:t>
+              <a:t>'km':</a:t>
             </a:r>
             <a:endParaRPr lang="it-IT" sz="2800" b="1" noProof="1">
               <a:solidFill>
@@ -14874,7 +15353,7 @@
                 <a:latin typeface="Consolas" pitchFamily="49" charset="0"/>
                 <a:cs typeface="Consolas" pitchFamily="49" charset="0"/>
               </a:rPr>
-              <a:t>== "</a:t>
+              <a:t>== </a:t>
             </a:r>
             <a:r>
               <a:rPr lang="it-IT" sz="2800" b="1" noProof="1" smtClean="0">
@@ -14891,7 +15370,7 @@
                 <a:latin typeface="Consolas" pitchFamily="49" charset="0"/>
                 <a:cs typeface="Consolas" pitchFamily="49" charset="0"/>
               </a:rPr>
-              <a:t>ft":</a:t>
+              <a:t>'ft':</a:t>
             </a:r>
             <a:endParaRPr lang="it-IT" sz="2800" b="1" noProof="1">
               <a:solidFill>
@@ -15099,7 +15578,7 @@
                 <a:latin typeface="Consolas" pitchFamily="49" charset="0"/>
                 <a:cs typeface="Consolas" pitchFamily="49" charset="0"/>
               </a:rPr>
-              <a:t>print(str(size) </a:t>
+              <a:t>print(str(size) + </a:t>
             </a:r>
             <a:r>
               <a:rPr lang="it-IT" sz="2800" b="1" noProof="1" smtClean="0">
@@ -15116,7 +15595,24 @@
                 <a:latin typeface="Consolas" pitchFamily="49" charset="0"/>
                 <a:cs typeface="Consolas" pitchFamily="49" charset="0"/>
               </a:rPr>
-              <a:t>+ " " + destMetric)</a:t>
+              <a:t>' ' </a:t>
+            </a:r>
+            <a:r>
+              <a:rPr lang="it-IT" sz="2800" b="1" noProof="1" smtClean="0">
+                <a:solidFill>
+                  <a:srgbClr val="FBEEDC"/>
+                </a:solidFill>
+                <a:effectLst>
+                  <a:outerShdw blurRad="38100" dist="38100" dir="2700000" algn="tl">
+                    <a:srgbClr val="000000">
+                      <a:alpha val="43137"/>
+                    </a:srgbClr>
+                  </a:outerShdw>
+                </a:effectLst>
+                <a:latin typeface="Consolas" pitchFamily="49" charset="0"/>
+                <a:cs typeface="Consolas" pitchFamily="49" charset="0"/>
+              </a:rPr>
+              <a:t>+ destMetric)</a:t>
             </a:r>
             <a:endParaRPr lang="it-IT" sz="2800" b="1" noProof="1">
               <a:solidFill>
@@ -15488,8 +15984,8 @@
         </p:nvSpPr>
         <p:spPr>
           <a:xfrm>
-            <a:off x="190414" y="1191467"/>
-            <a:ext cx="8097481" cy="5530010"/>
+            <a:off x="188815" y="1548233"/>
+            <a:ext cx="8097481" cy="4828333"/>
           </a:xfrm>
         </p:spPr>
         <p:txBody>
@@ -15756,22 +16252,11 @@
             </a:pPr>
             <a:r>
               <a:rPr lang="bg-BG" dirty="0" smtClean="0"/>
-              <a:t>Задачи с прости проверки</a:t>
-            </a:r>
-            <a:endParaRPr lang="en-US" dirty="0" smtClean="0"/>
-          </a:p>
-          <a:p>
-            <a:pPr marL="514350" lvl="0" indent="-514350">
-              <a:buFont typeface="+mj-lt"/>
-              <a:buAutoNum type="arabicPeriod"/>
-            </a:pPr>
+              <a:t>Задачи с прости </a:t>
+            </a:r>
             <a:r>
               <a:rPr lang="bg-BG" dirty="0" smtClean="0"/>
-              <a:t>Конвертор за валути за </a:t>
-            </a:r>
-            <a:r>
-              <a:rPr lang="en-US" dirty="0" smtClean="0"/>
-              <a:t>Windows</a:t>
+              <a:t>проверки</a:t>
             </a:r>
             <a:endParaRPr lang="en-US" dirty="0"/>
           </a:p>
@@ -16203,24 +16688,7 @@
                 <a:latin typeface="Consolas" pitchFamily="49" charset="0"/>
                 <a:cs typeface="Consolas" pitchFamily="49" charset="0"/>
               </a:rPr>
-              <a:t> </a:t>
-            </a:r>
-            <a:r>
-              <a:rPr lang="en-US" sz="2800" b="1" noProof="1" smtClean="0">
-                <a:solidFill>
-                  <a:srgbClr val="FBEEDC"/>
-                </a:solidFill>
-                <a:effectLst>
-                  <a:outerShdw blurRad="38100" dist="38100" dir="2700000" algn="tl">
-                    <a:srgbClr val="000000">
-                      <a:alpha val="43137"/>
-                    </a:srgbClr>
-                  </a:outerShdw>
-                </a:effectLst>
-                <a:latin typeface="Consolas" pitchFamily="49" charset="0"/>
-                <a:cs typeface="Consolas" pitchFamily="49" charset="0"/>
-              </a:rPr>
-              <a:t>  </a:t>
+              <a:t>   </a:t>
             </a:r>
             <a:r>
               <a:rPr lang="bg-BG" sz="2800" b="1" i="1" noProof="1" smtClean="0">
@@ -16515,24 +16983,7 @@
                 <a:latin typeface="Consolas" pitchFamily="49" charset="0"/>
                 <a:cs typeface="Consolas" pitchFamily="49" charset="0"/>
               </a:rPr>
-              <a:t>  </a:t>
-            </a:r>
-            <a:r>
-              <a:rPr lang="en-US" sz="2800" b="1" noProof="1" smtClean="0">
-                <a:solidFill>
-                  <a:srgbClr val="FBEEDC"/>
-                </a:solidFill>
-                <a:effectLst>
-                  <a:outerShdw blurRad="38100" dist="38100" dir="2700000" algn="tl">
-                    <a:srgbClr val="000000">
-                      <a:alpha val="43137"/>
-                    </a:srgbClr>
-                  </a:outerShdw>
-                </a:effectLst>
-                <a:latin typeface="Consolas" pitchFamily="49" charset="0"/>
-                <a:cs typeface="Consolas" pitchFamily="49" charset="0"/>
-              </a:rPr>
-              <a:t>  </a:t>
+              <a:t>    </a:t>
             </a:r>
             <a:r>
               <a:rPr lang="bg-BG" sz="2800" b="1" i="1" noProof="1" smtClean="0">
@@ -17134,7 +17585,7 @@
             </a:r>
             <a:r>
               <a:rPr lang="en-US" dirty="0" smtClean="0"/>
-              <a:t>"</a:t>
+              <a:t>'</a:t>
             </a:r>
             <a:r>
               <a:rPr lang="en-US" dirty="0" smtClean="0">
@@ -17174,7 +17625,7 @@
             </a:r>
             <a:r>
               <a:rPr lang="en-US" dirty="0" smtClean="0"/>
-              <a:t>"</a:t>
+              <a:t>'</a:t>
             </a:r>
             <a:endParaRPr lang="bg-BG" dirty="0" smtClean="0"/>
           </a:p>
@@ -17218,23 +17669,39 @@
             </a:r>
             <a:r>
               <a:rPr lang="en-US" sz="2000" dirty="0" smtClean="0"/>
-              <a:t>"</a:t>
+              <a:t>'</a:t>
             </a:r>
             <a:r>
               <a:rPr lang="bg-BG" sz="2000" dirty="0" smtClean="0">
                 <a:hlinkClick r:id="rId4"/>
               </a:rPr>
-              <a:t>Основи на програмирането със </a:t>
+              <a:t>Основи </a:t>
+            </a:r>
+            <a:r>
+              <a:rPr lang="bg-BG" sz="2000" dirty="0" smtClean="0">
+                <a:hlinkClick r:id="rId4"/>
+              </a:rPr>
+              <a:t>на програмирането със </a:t>
             </a:r>
             <a:r>
               <a:rPr lang="en-US" sz="2000" dirty="0" smtClean="0">
                 <a:hlinkClick r:id="rId4"/>
               </a:rPr>
-              <a:t>C#"</a:t>
+              <a:t>C</a:t>
+            </a:r>
+            <a:r>
+              <a:rPr lang="en-US" sz="2000" dirty="0" smtClean="0">
+                <a:hlinkClick r:id="rId4"/>
+              </a:rPr>
+              <a:t>#'</a:t>
             </a:r>
             <a:r>
               <a:rPr lang="bg-BG" sz="2000" dirty="0" smtClean="0"/>
-              <a:t> от Светлин Наков и колектив с лиценз</a:t>
+              <a:t> </a:t>
+            </a:r>
+            <a:r>
+              <a:rPr lang="bg-BG" sz="2000" dirty="0" smtClean="0"/>
+              <a:t>от Светлин Наков и колектив с лиценз</a:t>
             </a:r>
             <a:r>
               <a:rPr lang="en-US" sz="2000" dirty="0" smtClean="0"/>
@@ -17435,7 +17902,11 @@
             </a:pPr>
             <a:r>
               <a:rPr lang="bg-BG" sz="3200" dirty="0" smtClean="0"/>
-              <a:t>Фондация "Софтуерен университет" </a:t>
+              <a:t>Фондация </a:t>
+            </a:r>
+            <a:r>
+              <a:rPr lang="bg-BG" sz="3200" dirty="0" smtClean="0"/>
+              <a:t>'Софтуерен университет' </a:t>
             </a:r>
             <a:r>
               <a:rPr lang="en-US" sz="3200" dirty="0" smtClean="0"/>
@@ -18060,10 +18531,10 @@
                 <a:latin typeface="Consolas" pitchFamily="49" charset="0"/>
                 <a:cs typeface="Consolas" pitchFamily="49" charset="0"/>
               </a:rPr>
-              <a:t> </a:t>
-            </a:r>
-            <a:r>
-              <a:rPr lang="en-US" sz="2500" b="1" noProof="1" smtClean="0">
+              <a:t> &lt; </a:t>
+            </a:r>
+            <a:r>
+              <a:rPr lang="en-US" sz="2500" b="1" noProof="1">
                 <a:solidFill>
                   <a:schemeClr val="tx2">
                     <a:lumMod val="75000"/>
@@ -18079,25 +18550,6 @@
                 <a:latin typeface="Consolas" pitchFamily="49" charset="0"/>
                 <a:cs typeface="Consolas" pitchFamily="49" charset="0"/>
               </a:rPr>
-              <a:t>&lt; </a:t>
-            </a:r>
-            <a:r>
-              <a:rPr lang="en-US" sz="2500" b="1" noProof="1">
-                <a:solidFill>
-                  <a:schemeClr val="tx2">
-                    <a:lumMod val="75000"/>
-                  </a:schemeClr>
-                </a:solidFill>
-                <a:effectLst>
-                  <a:outerShdw blurRad="38100" dist="38100" dir="2700000" algn="tl">
-                    <a:srgbClr val="000000">
-                      <a:alpha val="43137"/>
-                    </a:srgbClr>
-                  </a:outerShdw>
-                </a:effectLst>
-                <a:latin typeface="Consolas" pitchFamily="49" charset="0"/>
-                <a:cs typeface="Consolas" pitchFamily="49" charset="0"/>
-              </a:rPr>
               <a:t>5</a:t>
             </a:r>
             <a:r>
@@ -18115,24 +18567,7 @@
                 <a:latin typeface="Consolas" pitchFamily="49" charset="0"/>
                 <a:cs typeface="Consolas" pitchFamily="49" charset="0"/>
               </a:rPr>
-              <a:t>)      </a:t>
-            </a:r>
-            <a:r>
-              <a:rPr lang="en-US" sz="2500" b="1" noProof="1" smtClean="0">
-                <a:solidFill>
-                  <a:srgbClr val="FBEEDC"/>
-                </a:solidFill>
-                <a:effectLst>
-                  <a:outerShdw blurRad="38100" dist="38100" dir="2700000" algn="tl">
-                    <a:srgbClr val="000000">
-                      <a:alpha val="43137"/>
-                    </a:srgbClr>
-                  </a:outerShdw>
-                </a:effectLst>
-                <a:latin typeface="Consolas" pitchFamily="49" charset="0"/>
-                <a:cs typeface="Consolas" pitchFamily="49" charset="0"/>
-              </a:rPr>
-              <a:t># </a:t>
+              <a:t>)      # </a:t>
             </a:r>
             <a:r>
               <a:rPr lang="sv-SE" sz="2500" b="1" noProof="1" smtClean="0">
@@ -18821,24 +19256,7 @@
                 <a:latin typeface="Consolas" pitchFamily="49" charset="0"/>
                 <a:cs typeface="Consolas" pitchFamily="49" charset="0"/>
               </a:rPr>
-              <a:t>) </a:t>
-            </a:r>
-            <a:r>
-              <a:rPr lang="en-US" sz="2500" b="1" noProof="1" smtClean="0">
-                <a:solidFill>
-                  <a:srgbClr val="FBEEDC"/>
-                </a:solidFill>
-                <a:effectLst>
-                  <a:outerShdw blurRad="38100" dist="38100" dir="2700000" algn="tl">
-                    <a:srgbClr val="000000">
-                      <a:alpha val="43137"/>
-                    </a:srgbClr>
-                  </a:outerShdw>
-                </a:effectLst>
-                <a:latin typeface="Consolas" pitchFamily="49" charset="0"/>
-                <a:cs typeface="Consolas" pitchFamily="49" charset="0"/>
-              </a:rPr>
-              <a:t># </a:t>
+              <a:t>) # </a:t>
             </a:r>
             <a:r>
               <a:rPr lang="bg-BG" sz="2500" b="1" noProof="1" smtClean="0">
@@ -18904,24 +19322,7 @@
                 <a:latin typeface="Consolas" pitchFamily="49" charset="0"/>
                 <a:cs typeface="Consolas" pitchFamily="49" charset="0"/>
               </a:rPr>
-              <a:t>print</a:t>
-            </a:r>
-            <a:r>
-              <a:rPr lang="en-US" sz="2500" b="1" noProof="1" smtClean="0">
-                <a:solidFill>
-                  <a:srgbClr val="FBEEDC"/>
-                </a:solidFill>
-                <a:effectLst>
-                  <a:outerShdw blurRad="38100" dist="38100" dir="2700000" algn="tl">
-                    <a:srgbClr val="000000">
-                      <a:alpha val="43137"/>
-                    </a:srgbClr>
-                  </a:outerShdw>
-                </a:effectLst>
-                <a:latin typeface="Consolas" pitchFamily="49" charset="0"/>
-                <a:cs typeface="Consolas" pitchFamily="49" charset="0"/>
-              </a:rPr>
-              <a:t>(</a:t>
+              <a:t>print(</a:t>
             </a:r>
             <a:r>
               <a:rPr lang="bg-BG" sz="2500" b="1" noProof="1" smtClean="0">
@@ -19150,7 +19551,24 @@
                 <a:latin typeface="Consolas" pitchFamily="49" charset="0"/>
                 <a:cs typeface="Consolas" pitchFamily="49" charset="0"/>
               </a:rPr>
-              <a:t> Ако отговорът на въпроса е „Да“</a:t>
+              <a:t> Ако отговорът на въпроса е </a:t>
+            </a:r>
+            <a:r>
+              <a:rPr lang="bg-BG" sz="2500" b="1" noProof="1" smtClean="0">
+                <a:solidFill>
+                  <a:srgbClr val="FBEEDC"/>
+                </a:solidFill>
+                <a:effectLst>
+                  <a:outerShdw blurRad="38100" dist="38100" dir="2700000" algn="tl">
+                    <a:srgbClr val="000000">
+                      <a:alpha val="43137"/>
+                    </a:srgbClr>
+                  </a:outerShdw>
+                </a:effectLst>
+                <a:latin typeface="Consolas" pitchFamily="49" charset="0"/>
+                <a:cs typeface="Consolas" pitchFamily="49" charset="0"/>
+              </a:rPr>
+              <a:t>'Да'</a:t>
             </a:r>
             <a:r>
               <a:rPr lang="sv-SE" sz="2500" b="1" noProof="1" smtClean="0">
@@ -19184,7 +19602,24 @@
                 <a:latin typeface="Consolas" pitchFamily="49" charset="0"/>
                 <a:cs typeface="Consolas" pitchFamily="49" charset="0"/>
               </a:rPr>
-              <a:t> резултатът от провектата ще е </a:t>
+              <a:t> </a:t>
+            </a:r>
+            <a:r>
+              <a:rPr lang="bg-BG" sz="2500" b="1" noProof="1" smtClean="0">
+                <a:solidFill>
+                  <a:srgbClr val="FBEEDC"/>
+                </a:solidFill>
+                <a:effectLst>
+                  <a:outerShdw blurRad="38100" dist="38100" dir="2700000" algn="tl">
+                    <a:srgbClr val="000000">
+                      <a:alpha val="43137"/>
+                    </a:srgbClr>
+                  </a:outerShdw>
+                </a:effectLst>
+                <a:latin typeface="Consolas" pitchFamily="49" charset="0"/>
+                <a:cs typeface="Consolas" pitchFamily="49" charset="0"/>
+              </a:rPr>
+              <a:t>резултатът от провектата ще е </a:t>
             </a:r>
             <a:r>
               <a:rPr lang="sv-SE" sz="2500" b="1" noProof="1" smtClean="0">
@@ -19266,7 +19701,58 @@
                 <a:latin typeface="Consolas" pitchFamily="49" charset="0"/>
                 <a:cs typeface="Consolas" pitchFamily="49" charset="0"/>
               </a:rPr>
-              <a:t> Ако отговорът на въпроса </a:t>
+              <a:t> Ако отговорът на въпроса е </a:t>
+            </a:r>
+            <a:r>
+              <a:rPr lang="bg-BG" sz="2500" b="1" noProof="1" smtClean="0">
+                <a:solidFill>
+                  <a:srgbClr val="FBEEDC"/>
+                </a:solidFill>
+                <a:effectLst>
+                  <a:outerShdw blurRad="38100" dist="38100" dir="2700000" algn="tl">
+                    <a:srgbClr val="000000">
+                      <a:alpha val="43137"/>
+                    </a:srgbClr>
+                  </a:outerShdw>
+                </a:effectLst>
+                <a:latin typeface="Consolas" pitchFamily="49" charset="0"/>
+                <a:cs typeface="Consolas" pitchFamily="49" charset="0"/>
+              </a:rPr>
+              <a:t>'Не'</a:t>
+            </a:r>
+            <a:r>
+              <a:rPr lang="sv-SE" sz="2500" b="1" noProof="1" smtClean="0">
+                <a:solidFill>
+                  <a:srgbClr val="FBEEDC"/>
+                </a:solidFill>
+                <a:effectLst>
+                  <a:outerShdw blurRad="38100" dist="38100" dir="2700000" algn="tl">
+                    <a:srgbClr val="000000">
+                      <a:alpha val="43137"/>
+                    </a:srgbClr>
+                  </a:outerShdw>
+                </a:effectLst>
+                <a:latin typeface="Consolas" pitchFamily="49" charset="0"/>
+                <a:cs typeface="Consolas" pitchFamily="49" charset="0"/>
+              </a:rPr>
+              <a:t>,</a:t>
+            </a:r>
+            <a:r>
+              <a:rPr lang="bg-BG" sz="2500" b="1" noProof="1" smtClean="0">
+                <a:solidFill>
+                  <a:srgbClr val="FBEEDC"/>
+                </a:solidFill>
+                <a:effectLst>
+                  <a:outerShdw blurRad="38100" dist="38100" dir="2700000" algn="tl">
+                    <a:srgbClr val="000000">
+                      <a:alpha val="43137"/>
+                    </a:srgbClr>
+                  </a:outerShdw>
+                </a:effectLst>
+                <a:latin typeface="Consolas" pitchFamily="49" charset="0"/>
+                <a:cs typeface="Consolas" pitchFamily="49" charset="0"/>
+              </a:rPr>
+              <a:t> </a:t>
             </a:r>
             <a:r>
               <a:rPr lang="bg-BG" sz="2500" b="1" noProof="1">
@@ -19283,92 +19769,7 @@
                 <a:latin typeface="Consolas" pitchFamily="49" charset="0"/>
                 <a:cs typeface="Consolas" pitchFamily="49" charset="0"/>
               </a:rPr>
-              <a:t>е </a:t>
-            </a:r>
-            <a:r>
-              <a:rPr lang="bg-BG" sz="2500" b="1" noProof="1" smtClean="0">
-                <a:solidFill>
-                  <a:srgbClr val="FBEEDC"/>
-                </a:solidFill>
-                <a:effectLst>
-                  <a:outerShdw blurRad="38100" dist="38100" dir="2700000" algn="tl">
-                    <a:srgbClr val="000000">
-                      <a:alpha val="43137"/>
-                    </a:srgbClr>
-                  </a:outerShdw>
-                </a:effectLst>
-                <a:latin typeface="Consolas" pitchFamily="49" charset="0"/>
-                <a:cs typeface="Consolas" pitchFamily="49" charset="0"/>
-              </a:rPr>
-              <a:t>„Не“</a:t>
-            </a:r>
-            <a:r>
-              <a:rPr lang="sv-SE" sz="2500" b="1" noProof="1" smtClean="0">
-                <a:solidFill>
-                  <a:srgbClr val="FBEEDC"/>
-                </a:solidFill>
-                <a:effectLst>
-                  <a:outerShdw blurRad="38100" dist="38100" dir="2700000" algn="tl">
-                    <a:srgbClr val="000000">
-                      <a:alpha val="43137"/>
-                    </a:srgbClr>
-                  </a:outerShdw>
-                </a:effectLst>
-                <a:latin typeface="Consolas" pitchFamily="49" charset="0"/>
-                <a:cs typeface="Consolas" pitchFamily="49" charset="0"/>
-              </a:rPr>
-              <a:t>,</a:t>
-            </a:r>
-            <a:r>
-              <a:rPr lang="bg-BG" sz="2500" b="1" noProof="1" smtClean="0">
-                <a:solidFill>
-                  <a:srgbClr val="FBEEDC"/>
-                </a:solidFill>
-                <a:effectLst>
-                  <a:outerShdw blurRad="38100" dist="38100" dir="2700000" algn="tl">
-                    <a:srgbClr val="000000">
-                      <a:alpha val="43137"/>
-                    </a:srgbClr>
-                  </a:outerShdw>
-                </a:effectLst>
-                <a:latin typeface="Consolas" pitchFamily="49" charset="0"/>
-                <a:cs typeface="Consolas" pitchFamily="49" charset="0"/>
-              </a:rPr>
-              <a:t> </a:t>
-            </a:r>
-            <a:r>
-              <a:rPr lang="bg-BG" sz="2500" b="1" noProof="1">
-                <a:solidFill>
-                  <a:srgbClr val="FBEEDC"/>
-                </a:solidFill>
-                <a:effectLst>
-                  <a:outerShdw blurRad="38100" dist="38100" dir="2700000" algn="tl">
-                    <a:srgbClr val="000000">
-                      <a:alpha val="43137"/>
-                    </a:srgbClr>
-                  </a:outerShdw>
-                </a:effectLst>
-                <a:latin typeface="Consolas" pitchFamily="49" charset="0"/>
-                <a:cs typeface="Consolas" pitchFamily="49" charset="0"/>
-              </a:rPr>
-              <a:t>резултатът от провектата ще </a:t>
-            </a:r>
-            <a:r>
-              <a:rPr lang="bg-BG" sz="2500" b="1" noProof="1">
-                <a:solidFill>
-                  <a:srgbClr val="FBEEDC"/>
-                </a:solidFill>
-                <a:effectLst>
-                  <a:outerShdw blurRad="38100" dist="38100" dir="2700000" algn="tl">
-                    <a:srgbClr val="000000">
-                      <a:alpha val="43137"/>
-                    </a:srgbClr>
-                  </a:outerShdw>
-                </a:effectLst>
-                <a:latin typeface="Consolas" pitchFamily="49" charset="0"/>
-                <a:cs typeface="Consolas" pitchFamily="49" charset="0"/>
-              </a:rPr>
-              <a:t>е </a:t>
+              <a:t>резултатът от провектата ще е </a:t>
             </a:r>
             <a:r>
               <a:rPr lang="sv-SE" sz="2500" b="1" noProof="1" smtClean="0">
@@ -22025,7 +22426,24 @@
                 <a:latin typeface="Consolas" pitchFamily="49" charset="0"/>
                 <a:cs typeface="Consolas" pitchFamily="49" charset="0"/>
               </a:rPr>
-              <a:t>   print("Excellent!")</a:t>
+              <a:t>   print</a:t>
+            </a:r>
+            <a:r>
+              <a:rPr lang="it-IT" sz="2800" b="1" noProof="1" smtClean="0">
+                <a:solidFill>
+                  <a:srgbClr val="FBEEDC"/>
+                </a:solidFill>
+                <a:effectLst>
+                  <a:outerShdw blurRad="38100" dist="38100" dir="2700000" algn="tl">
+                    <a:srgbClr val="000000">
+                      <a:alpha val="43137"/>
+                    </a:srgbClr>
+                  </a:outerShdw>
+                </a:effectLst>
+                <a:latin typeface="Consolas" pitchFamily="49" charset="0"/>
+                <a:cs typeface="Consolas" pitchFamily="49" charset="0"/>
+              </a:rPr>
+              <a:t>('Excellent!')</a:t>
             </a:r>
             <a:endParaRPr lang="it-IT" sz="2800" b="1" noProof="1">
               <a:solidFill>
@@ -22500,7 +22918,24 @@
                 <a:latin typeface="Consolas" pitchFamily="49" charset="0"/>
                 <a:cs typeface="Consolas" pitchFamily="49" charset="0"/>
               </a:rPr>
-              <a:t>   print("Excellent!")</a:t>
+              <a:t>   print</a:t>
+            </a:r>
+            <a:r>
+              <a:rPr lang="it-IT" sz="2800" b="1" noProof="1" smtClean="0">
+                <a:solidFill>
+                  <a:srgbClr val="FBEEDC"/>
+                </a:solidFill>
+                <a:effectLst>
+                  <a:outerShdw blurRad="38100" dist="38100" dir="2700000" algn="tl">
+                    <a:srgbClr val="000000">
+                      <a:alpha val="43137"/>
+                    </a:srgbClr>
+                  </a:outerShdw>
+                </a:effectLst>
+                <a:latin typeface="Consolas" pitchFamily="49" charset="0"/>
+                <a:cs typeface="Consolas" pitchFamily="49" charset="0"/>
+              </a:rPr>
+              <a:t>('Excellent!')</a:t>
             </a:r>
             <a:endParaRPr lang="bg-BG" sz="2800" b="1" noProof="1" smtClean="0">
               <a:solidFill>
@@ -22578,8 +23013,73 @@
                 <a:latin typeface="Consolas" pitchFamily="49" charset="0"/>
                 <a:cs typeface="Consolas" pitchFamily="49" charset="0"/>
               </a:rPr>
-              <a:t>    print("Not excellent.")</a:t>
-            </a:r>
+              <a:t>    print</a:t>
+            </a:r>
+            <a:r>
+              <a:rPr lang="it-IT" sz="2800" b="1" noProof="1" smtClean="0">
+                <a:solidFill>
+                  <a:srgbClr val="FBEEDC"/>
+                </a:solidFill>
+                <a:effectLst>
+                  <a:outerShdw blurRad="38100" dist="38100" dir="2700000" algn="tl">
+                    <a:srgbClr val="000000">
+                      <a:alpha val="43137"/>
+                    </a:srgbClr>
+                  </a:outerShdw>
+                </a:effectLst>
+                <a:latin typeface="Consolas" pitchFamily="49" charset="0"/>
+                <a:cs typeface="Consolas" pitchFamily="49" charset="0"/>
+              </a:rPr>
+              <a:t>('Not </a:t>
+            </a:r>
+            <a:r>
+              <a:rPr lang="it-IT" sz="2800" b="1" noProof="1" smtClean="0">
+                <a:solidFill>
+                  <a:srgbClr val="FBEEDC"/>
+                </a:solidFill>
+                <a:effectLst>
+                  <a:outerShdw blurRad="38100" dist="38100" dir="2700000" algn="tl">
+                    <a:srgbClr val="000000">
+                      <a:alpha val="43137"/>
+                    </a:srgbClr>
+                  </a:outerShdw>
+                </a:effectLst>
+                <a:latin typeface="Consolas" pitchFamily="49" charset="0"/>
+                <a:cs typeface="Consolas" pitchFamily="49" charset="0"/>
+              </a:rPr>
+              <a:t>excellent</a:t>
+            </a:r>
+            <a:r>
+              <a:rPr lang="it-IT" sz="2800" b="1" noProof="1" smtClean="0">
+                <a:solidFill>
+                  <a:srgbClr val="FBEEDC"/>
+                </a:solidFill>
+                <a:effectLst>
+                  <a:outerShdw blurRad="38100" dist="38100" dir="2700000" algn="tl">
+                    <a:srgbClr val="000000">
+                      <a:alpha val="43137"/>
+                    </a:srgbClr>
+                  </a:outerShdw>
+                </a:effectLst>
+                <a:latin typeface="Consolas" pitchFamily="49" charset="0"/>
+                <a:cs typeface="Consolas" pitchFamily="49" charset="0"/>
+              </a:rPr>
+              <a:t>.')</a:t>
+            </a:r>
+            <a:endParaRPr lang="it-IT" sz="2800" b="1" noProof="1" smtClean="0">
+              <a:solidFill>
+                <a:srgbClr val="FBEEDC"/>
+              </a:solidFill>
+              <a:effectLst>
+                <a:outerShdw blurRad="38100" dist="38100" dir="2700000" algn="tl">
+                  <a:srgbClr val="000000">
+                    <a:alpha val="43137"/>
+                  </a:srgbClr>
+                </a:outerShdw>
+              </a:effectLst>
+              <a:latin typeface="Consolas" pitchFamily="49" charset="0"/>
+              <a:cs typeface="Consolas" pitchFamily="49" charset="0"/>
+            </a:endParaRPr>
           </a:p>
         </p:txBody>
       </p:sp>
@@ -23038,7 +23538,24 @@
                 <a:latin typeface="Consolas" pitchFamily="49" charset="0"/>
                 <a:cs typeface="Consolas" pitchFamily="49" charset="0"/>
               </a:rPr>
-              <a:t>   print("Excellent!")</a:t>
+              <a:t>   print</a:t>
+            </a:r>
+            <a:r>
+              <a:rPr lang="it-IT" sz="2800" b="1" noProof="1" smtClean="0">
+                <a:solidFill>
+                  <a:srgbClr val="FBEEDC"/>
+                </a:solidFill>
+                <a:effectLst>
+                  <a:outerShdw blurRad="38100" dist="38100" dir="2700000" algn="tl">
+                    <a:srgbClr val="000000">
+                      <a:alpha val="43137"/>
+                    </a:srgbClr>
+                  </a:outerShdw>
+                </a:effectLst>
+                <a:latin typeface="Consolas" pitchFamily="49" charset="0"/>
+                <a:cs typeface="Consolas" pitchFamily="49" charset="0"/>
+              </a:rPr>
+              <a:t>('Excellent!')</a:t>
             </a:r>
             <a:endParaRPr lang="bg-BG" sz="2800" b="1" noProof="1" smtClean="0">
               <a:solidFill>
@@ -23123,43 +23640,8 @@
                 <a:latin typeface="Consolas" pitchFamily="49" charset="0"/>
                 <a:cs typeface="Consolas" pitchFamily="49" charset="0"/>
               </a:rPr>
-              <a:t>&lt; 3</a:t>
-            </a:r>
-            <a:r>
-              <a:rPr lang="en-US" sz="2800" b="1" noProof="1" smtClean="0">
-                <a:solidFill>
-                  <a:schemeClr val="tx2">
-                    <a:lumMod val="75000"/>
-                  </a:schemeClr>
-                </a:solidFill>
-                <a:effectLst>
-                  <a:outerShdw blurRad="38100" dist="38100" dir="2700000" algn="tl">
-                    <a:srgbClr val="000000">
-                      <a:alpha val="43137"/>
-                    </a:srgbClr>
-                  </a:outerShdw>
-                </a:effectLst>
-                <a:latin typeface="Consolas" pitchFamily="49" charset="0"/>
-                <a:cs typeface="Consolas" pitchFamily="49" charset="0"/>
-              </a:rPr>
-              <a:t>:</a:t>
-            </a:r>
-            <a:endParaRPr lang="en-US" sz="2800" b="1" noProof="1" smtClean="0">
-              <a:solidFill>
-                <a:schemeClr val="tx2">
-                  <a:lumMod val="75000"/>
-                </a:schemeClr>
-              </a:solidFill>
-              <a:effectLst>
-                <a:outerShdw blurRad="38100" dist="38100" dir="2700000" algn="tl">
-                  <a:srgbClr val="000000">
-                    <a:alpha val="43137"/>
-                  </a:srgbClr>
-                </a:outerShdw>
-              </a:effectLst>
-              <a:latin typeface="Consolas" pitchFamily="49" charset="0"/>
-              <a:cs typeface="Consolas" pitchFamily="49" charset="0"/>
-            </a:endParaRPr>
+              <a:t>&lt; 3:</a:t>
+            </a:r>
           </a:p>
           <a:p>
             <a:pPr eaLnBrk="0" hangingPunct="0">
@@ -23206,7 +23688,7 @@
                 <a:latin typeface="Consolas" pitchFamily="49" charset="0"/>
                 <a:cs typeface="Consolas" pitchFamily="49" charset="0"/>
               </a:rPr>
-              <a:t>("</a:t>
+              <a:t>('Very </a:t>
             </a:r>
             <a:r>
               <a:rPr lang="it-IT" sz="2800" b="1" noProof="1" smtClean="0">
@@ -23223,24 +23705,7 @@
                 <a:latin typeface="Consolas" pitchFamily="49" charset="0"/>
                 <a:cs typeface="Consolas" pitchFamily="49" charset="0"/>
               </a:rPr>
-              <a:t>Very bad</a:t>
-            </a:r>
-            <a:r>
-              <a:rPr lang="it-IT" sz="2800" b="1" noProof="1">
-                <a:solidFill>
-                  <a:srgbClr val="FBEEDC"/>
-                </a:solidFill>
-                <a:effectLst>
-                  <a:outerShdw blurRad="38100" dist="38100" dir="2700000" algn="tl">
-                    <a:srgbClr val="000000">
-                      <a:alpha val="43137"/>
-                    </a:srgbClr>
-                  </a:outerShdw>
-                </a:effectLst>
-                <a:latin typeface="Consolas" pitchFamily="49" charset="0"/>
-                <a:cs typeface="Consolas" pitchFamily="49" charset="0"/>
-              </a:rPr>
-              <a:t>!</a:t>
+              <a:t>bad</a:t>
             </a:r>
             <a:r>
               <a:rPr lang="it-IT" sz="2800" b="1" noProof="1" smtClean="0">
@@ -23257,8 +23722,22 @@
                 <a:latin typeface="Consolas" pitchFamily="49" charset="0"/>
                 <a:cs typeface="Consolas" pitchFamily="49" charset="0"/>
               </a:rPr>
-              <a:t>")</a:t>
-            </a:r>
+              <a:t>!')</a:t>
+            </a:r>
+            <a:endParaRPr lang="it-IT" sz="2800" b="1" noProof="1" smtClean="0">
+              <a:solidFill>
+                <a:srgbClr val="FBEEDC"/>
+              </a:solidFill>
+              <a:effectLst>
+                <a:outerShdw blurRad="38100" dist="38100" dir="2700000" algn="tl">
+                  <a:srgbClr val="000000">
+                    <a:alpha val="43137"/>
+                  </a:srgbClr>
+                </a:outerShdw>
+              </a:effectLst>
+              <a:latin typeface="Consolas" pitchFamily="49" charset="0"/>
+              <a:cs typeface="Consolas" pitchFamily="49" charset="0"/>
+            </a:endParaRPr>
           </a:p>
           <a:p>
             <a:pPr eaLnBrk="0" hangingPunct="0">
@@ -23338,7 +23817,58 @@
                 <a:latin typeface="Consolas" pitchFamily="49" charset="0"/>
                 <a:cs typeface="Consolas" pitchFamily="49" charset="0"/>
               </a:rPr>
-              <a:t>print("Not excellent.")</a:t>
+              <a:t>print</a:t>
+            </a:r>
+            <a:r>
+              <a:rPr lang="it-IT" sz="2800" b="1" noProof="1" smtClean="0">
+                <a:solidFill>
+                  <a:srgbClr val="FBEEDC"/>
+                </a:solidFill>
+                <a:effectLst>
+                  <a:outerShdw blurRad="38100" dist="38100" dir="2700000" algn="tl">
+                    <a:srgbClr val="000000">
+                      <a:alpha val="43137"/>
+                    </a:srgbClr>
+                  </a:outerShdw>
+                </a:effectLst>
+                <a:latin typeface="Consolas" pitchFamily="49" charset="0"/>
+                <a:cs typeface="Consolas" pitchFamily="49" charset="0"/>
+              </a:rPr>
+              <a:t>('Not </a:t>
+            </a:r>
+            <a:r>
+              <a:rPr lang="it-IT" sz="2800" b="1" noProof="1">
+                <a:solidFill>
+                  <a:srgbClr val="FBEEDC"/>
+                </a:solidFill>
+                <a:effectLst>
+                  <a:outerShdw blurRad="38100" dist="38100" dir="2700000" algn="tl">
+                    <a:srgbClr val="000000">
+                      <a:alpha val="43137"/>
+                    </a:srgbClr>
+                  </a:outerShdw>
+                </a:effectLst>
+                <a:latin typeface="Consolas" pitchFamily="49" charset="0"/>
+                <a:cs typeface="Consolas" pitchFamily="49" charset="0"/>
+              </a:rPr>
+              <a:t>excellent</a:t>
+            </a:r>
+            <a:r>
+              <a:rPr lang="it-IT" sz="2800" b="1" noProof="1" smtClean="0">
+                <a:solidFill>
+                  <a:srgbClr val="FBEEDC"/>
+                </a:solidFill>
+                <a:effectLst>
+                  <a:outerShdw blurRad="38100" dist="38100" dir="2700000" algn="tl">
+                    <a:srgbClr val="000000">
+                      <a:alpha val="43137"/>
+                    </a:srgbClr>
+                  </a:outerShdw>
+                </a:effectLst>
+                <a:latin typeface="Consolas" pitchFamily="49" charset="0"/>
+                <a:cs typeface="Consolas" pitchFamily="49" charset="0"/>
+              </a:rPr>
+              <a:t>.')</a:t>
             </a:r>
             <a:endParaRPr lang="it-IT" sz="2800" b="1" noProof="1" smtClean="0">
               <a:solidFill>
@@ -23495,11 +24025,7 @@
             </a:r>
             <a:r>
               <a:rPr lang="bg-BG" sz="3000" dirty="0" smtClean="0"/>
-              <a:t>а </a:t>
-            </a:r>
-            <a:r>
-              <a:rPr lang="bg-BG" sz="3000" dirty="0" smtClean="0"/>
-              <a:t>се изпълнява кода по-навътре</a:t>
+              <a:t>а се изпълнява кода по-навътре</a:t>
             </a:r>
             <a:endParaRPr lang="en-US" sz="2600" b="1" dirty="0">
               <a:solidFill>
@@ -23721,7 +24247,7 @@
                 <a:latin typeface="Consolas" pitchFamily="49" charset="0"/>
                 <a:cs typeface="Consolas" pitchFamily="49" charset="0"/>
               </a:rPr>
-              <a:t>"red"</a:t>
+              <a:t>'red'</a:t>
             </a:r>
             <a:endParaRPr lang="it-IT" b="1" noProof="1">
               <a:solidFill>
@@ -23844,7 +24370,26 @@
                 <a:latin typeface="Consolas" pitchFamily="49" charset="0"/>
                 <a:cs typeface="Consolas" pitchFamily="49" charset="0"/>
               </a:rPr>
-              <a:t> "red"</a:t>
+              <a:t> </a:t>
+            </a:r>
+            <a:r>
+              <a:rPr lang="it-IT" b="1" noProof="1" smtClean="0">
+                <a:solidFill>
+                  <a:schemeClr val="tx2">
+                    <a:lumMod val="75000"/>
+                  </a:schemeClr>
+                </a:solidFill>
+                <a:effectLst>
+                  <a:outerShdw blurRad="38100" dist="38100" dir="2700000" algn="tl">
+                    <a:srgbClr val="000000">
+                      <a:alpha val="43137"/>
+                    </a:srgbClr>
+                  </a:outerShdw>
+                </a:effectLst>
+                <a:latin typeface="Consolas" pitchFamily="49" charset="0"/>
+                <a:cs typeface="Consolas" pitchFamily="49" charset="0"/>
+              </a:rPr>
+              <a:t>'red'</a:t>
             </a:r>
             <a:r>
               <a:rPr lang="bg-BG" b="1" noProof="1" smtClean="0">
@@ -23944,7 +24489,24 @@
                 <a:latin typeface="Consolas" pitchFamily="49" charset="0"/>
                 <a:cs typeface="Consolas" pitchFamily="49" charset="0"/>
               </a:rPr>
-              <a:t>print("</a:t>
+              <a:t>print</a:t>
+            </a:r>
+            <a:r>
+              <a:rPr lang="it-IT" b="1" noProof="1" smtClean="0">
+                <a:solidFill>
+                  <a:srgbClr val="FBEEDC"/>
+                </a:solidFill>
+                <a:effectLst>
+                  <a:outerShdw blurRad="38100" dist="38100" dir="2700000" algn="tl">
+                    <a:srgbClr val="000000">
+                      <a:alpha val="43137"/>
+                    </a:srgbClr>
+                  </a:outerShdw>
+                </a:effectLst>
+                <a:latin typeface="Consolas" pitchFamily="49" charset="0"/>
+                <a:cs typeface="Consolas" pitchFamily="49" charset="0"/>
+              </a:rPr>
+              <a:t>('</a:t>
             </a:r>
             <a:r>
               <a:rPr lang="en-US" b="1" noProof="1" smtClean="0">
@@ -23978,8 +24540,22 @@
                 <a:latin typeface="Consolas" pitchFamily="49" charset="0"/>
                 <a:cs typeface="Consolas" pitchFamily="49" charset="0"/>
               </a:rPr>
-              <a:t>")</a:t>
-            </a:r>
+              <a:t>')</a:t>
+            </a:r>
+            <a:endParaRPr lang="it-IT" b="1" noProof="1" smtClean="0">
+              <a:solidFill>
+                <a:srgbClr val="FBEEDC"/>
+              </a:solidFill>
+              <a:effectLst>
+                <a:outerShdw blurRad="38100" dist="38100" dir="2700000" algn="tl">
+                  <a:srgbClr val="000000">
+                    <a:alpha val="43137"/>
+                  </a:srgbClr>
+                </a:outerShdw>
+              </a:effectLst>
+              <a:latin typeface="Consolas" pitchFamily="49" charset="0"/>
+              <a:cs typeface="Consolas" pitchFamily="49" charset="0"/>
+            </a:endParaRPr>
           </a:p>
           <a:p>
             <a:pPr eaLnBrk="0" hangingPunct="0">
@@ -24125,7 +24701,7 @@
                 <a:latin typeface="Consolas" pitchFamily="49" charset="0"/>
                 <a:cs typeface="Consolas" pitchFamily="49" charset="0"/>
               </a:rPr>
-              <a:t>"yellow"</a:t>
+              <a:t>'yellow'</a:t>
             </a:r>
             <a:r>
               <a:rPr lang="bg-BG" b="1" noProof="1" smtClean="0">
@@ -24225,8 +24801,39 @@
                 <a:latin typeface="Consolas" pitchFamily="49" charset="0"/>
                 <a:cs typeface="Consolas" pitchFamily="49" charset="0"/>
               </a:rPr>
-              <a:t>print("banana")</a:t>
-            </a:r>
+              <a:t>print</a:t>
+            </a:r>
+            <a:r>
+              <a:rPr lang="it-IT" b="1" noProof="1" smtClean="0">
+                <a:solidFill>
+                  <a:srgbClr val="FBEEDC"/>
+                </a:solidFill>
+                <a:effectLst>
+                  <a:outerShdw blurRad="38100" dist="38100" dir="2700000" algn="tl">
+                    <a:srgbClr val="000000">
+                      <a:alpha val="43137"/>
+                    </a:srgbClr>
+                  </a:outerShdw>
+                </a:effectLst>
+                <a:latin typeface="Consolas" pitchFamily="49" charset="0"/>
+                <a:cs typeface="Consolas" pitchFamily="49" charset="0"/>
+              </a:rPr>
+              <a:t>('banana')</a:t>
+            </a:r>
+            <a:endParaRPr lang="it-IT" b="1" noProof="1" smtClean="0">
+              <a:solidFill>
+                <a:srgbClr val="FBEEDC"/>
+              </a:solidFill>
+              <a:effectLst>
+                <a:outerShdw blurRad="38100" dist="38100" dir="2700000" algn="tl">
+                  <a:srgbClr val="000000">
+                    <a:alpha val="43137"/>
+                  </a:srgbClr>
+                </a:outerShdw>
+              </a:effectLst>
+              <a:latin typeface="Consolas" pitchFamily="49" charset="0"/>
+              <a:cs typeface="Consolas" pitchFamily="49" charset="0"/>
+            </a:endParaRPr>
           </a:p>
           <a:p>
             <a:pPr eaLnBrk="0" hangingPunct="0">
@@ -24256,7 +24863,24 @@
                 <a:latin typeface="Consolas" pitchFamily="49" charset="0"/>
                 <a:cs typeface="Consolas" pitchFamily="49" charset="0"/>
               </a:rPr>
-              <a:t>print("bye")</a:t>
+              <a:t>print</a:t>
+            </a:r>
+            <a:r>
+              <a:rPr lang="en-US" b="1" noProof="1" smtClean="0">
+                <a:solidFill>
+                  <a:srgbClr val="FBEEDC"/>
+                </a:solidFill>
+                <a:effectLst>
+                  <a:outerShdw blurRad="38100" dist="38100" dir="2700000" algn="tl">
+                    <a:srgbClr val="000000">
+                      <a:alpha val="43137"/>
+                    </a:srgbClr>
+                  </a:outerShdw>
+                </a:effectLst>
+                <a:latin typeface="Consolas" pitchFamily="49" charset="0"/>
+                <a:cs typeface="Consolas" pitchFamily="49" charset="0"/>
+              </a:rPr>
+              <a:t>('bye')</a:t>
             </a:r>
             <a:endParaRPr lang="it-IT" b="1" noProof="1" smtClean="0">
               <a:solidFill>
@@ -24391,7 +25015,7 @@
                 <a:latin typeface="Consolas" pitchFamily="49" charset="0"/>
                 <a:cs typeface="Consolas" pitchFamily="49" charset="0"/>
               </a:rPr>
-              <a:t>"</a:t>
+              <a:t>'</a:t>
             </a:r>
             <a:r>
               <a:rPr lang="en-US" b="1" noProof="1" smtClean="0">
@@ -24425,7 +25049,7 @@
                 <a:latin typeface="Consolas" pitchFamily="49" charset="0"/>
                 <a:cs typeface="Consolas" pitchFamily="49" charset="0"/>
               </a:rPr>
-              <a:t>"</a:t>
+              <a:t>'</a:t>
             </a:r>
             <a:endParaRPr lang="bg-BG" b="1" noProof="1" smtClean="0">
               <a:solidFill>
@@ -24529,8 +25153,24 @@
                 <a:latin typeface="Consolas" pitchFamily="49" charset="0"/>
                 <a:cs typeface="Consolas" pitchFamily="49" charset="0"/>
               </a:rPr>
-              <a:t>"red":</a:t>
-            </a:r>
+              <a:t>'red':</a:t>
+            </a:r>
+            <a:endParaRPr lang="it-IT" b="1" noProof="1" smtClean="0">
+              <a:solidFill>
+                <a:schemeClr val="tx2">
+                  <a:lumMod val="75000"/>
+                </a:schemeClr>
+              </a:solidFill>
+              <a:effectLst>
+                <a:outerShdw blurRad="38100" dist="38100" dir="2700000" algn="tl">
+                  <a:srgbClr val="000000">
+                    <a:alpha val="43137"/>
+                  </a:srgbClr>
+                </a:outerShdw>
+              </a:effectLst>
+              <a:latin typeface="Consolas" pitchFamily="49" charset="0"/>
+              <a:cs typeface="Consolas" pitchFamily="49" charset="0"/>
+            </a:endParaRPr>
           </a:p>
           <a:p>
             <a:pPr eaLnBrk="0" hangingPunct="0">
@@ -24577,8 +25217,22 @@
                 <a:latin typeface="Consolas" pitchFamily="49" charset="0"/>
                 <a:cs typeface="Consolas" pitchFamily="49" charset="0"/>
               </a:rPr>
-              <a:t>("tomato")</a:t>
-            </a:r>
+              <a:t>('tomato')</a:t>
+            </a:r>
+            <a:endParaRPr lang="it-IT" b="1" noProof="1" smtClean="0">
+              <a:solidFill>
+                <a:srgbClr val="FBEEDC"/>
+              </a:solidFill>
+              <a:effectLst>
+                <a:outerShdw blurRad="38100" dist="38100" dir="2700000" algn="tl">
+                  <a:srgbClr val="000000">
+                    <a:alpha val="43137"/>
+                  </a:srgbClr>
+                </a:outerShdw>
+              </a:effectLst>
+              <a:latin typeface="Consolas" pitchFamily="49" charset="0"/>
+              <a:cs typeface="Consolas" pitchFamily="49" charset="0"/>
+            </a:endParaRPr>
           </a:p>
           <a:p>
             <a:pPr eaLnBrk="0" hangingPunct="0">
@@ -24648,8 +25302,43 @@
                 <a:latin typeface="Consolas" pitchFamily="49" charset="0"/>
                 <a:cs typeface="Consolas" pitchFamily="49" charset="0"/>
               </a:rPr>
-              <a:t>== "yellow":</a:t>
-            </a:r>
+              <a:t>== </a:t>
+            </a:r>
+            <a:r>
+              <a:rPr lang="it-IT" b="1" noProof="1" smtClean="0">
+                <a:solidFill>
+                  <a:schemeClr val="tx2">
+                    <a:lumMod val="75000"/>
+                  </a:schemeClr>
+                </a:solidFill>
+                <a:effectLst>
+                  <a:outerShdw blurRad="38100" dist="38100" dir="2700000" algn="tl">
+                    <a:srgbClr val="000000">
+                      <a:alpha val="43137"/>
+                    </a:srgbClr>
+                  </a:outerShdw>
+                </a:effectLst>
+                <a:latin typeface="Consolas" pitchFamily="49" charset="0"/>
+                <a:cs typeface="Consolas" pitchFamily="49" charset="0"/>
+              </a:rPr>
+              <a:t>'yellow':</a:t>
+            </a:r>
+            <a:endParaRPr lang="it-IT" b="1" noProof="1" smtClean="0">
+              <a:solidFill>
+                <a:schemeClr val="tx2">
+                  <a:lumMod val="75000"/>
+                </a:schemeClr>
+              </a:solidFill>
+              <a:effectLst>
+                <a:outerShdw blurRad="38100" dist="38100" dir="2700000" algn="tl">
+                  <a:srgbClr val="000000">
+                    <a:alpha val="43137"/>
+                  </a:srgbClr>
+                </a:outerShdw>
+              </a:effectLst>
+              <a:latin typeface="Consolas" pitchFamily="49" charset="0"/>
+              <a:cs typeface="Consolas" pitchFamily="49" charset="0"/>
+            </a:endParaRPr>
           </a:p>
           <a:p>
             <a:pPr eaLnBrk="0" hangingPunct="0">
@@ -24696,8 +25385,39 @@
                 <a:latin typeface="Consolas" pitchFamily="49" charset="0"/>
                 <a:cs typeface="Consolas" pitchFamily="49" charset="0"/>
               </a:rPr>
-              <a:t>print("banana")</a:t>
-            </a:r>
+              <a:t>print</a:t>
+            </a:r>
+            <a:r>
+              <a:rPr lang="it-IT" b="1" noProof="1" smtClean="0">
+                <a:solidFill>
+                  <a:srgbClr val="FBEEDC"/>
+                </a:solidFill>
+                <a:effectLst>
+                  <a:outerShdw blurRad="38100" dist="38100" dir="2700000" algn="tl">
+                    <a:srgbClr val="000000">
+                      <a:alpha val="43137"/>
+                    </a:srgbClr>
+                  </a:outerShdw>
+                </a:effectLst>
+                <a:latin typeface="Consolas" pitchFamily="49" charset="0"/>
+                <a:cs typeface="Consolas" pitchFamily="49" charset="0"/>
+              </a:rPr>
+              <a:t>('banana')</a:t>
+            </a:r>
+            <a:endParaRPr lang="it-IT" b="1" noProof="1" smtClean="0">
+              <a:solidFill>
+                <a:srgbClr val="FBEEDC"/>
+              </a:solidFill>
+              <a:effectLst>
+                <a:outerShdw blurRad="38100" dist="38100" dir="2700000" algn="tl">
+                  <a:srgbClr val="000000">
+                    <a:alpha val="43137"/>
+                  </a:srgbClr>
+                </a:outerShdw>
+              </a:effectLst>
+              <a:latin typeface="Consolas" pitchFamily="49" charset="0"/>
+              <a:cs typeface="Consolas" pitchFamily="49" charset="0"/>
+            </a:endParaRPr>
           </a:p>
           <a:p>
             <a:pPr eaLnBrk="0" hangingPunct="0">
@@ -24744,7 +25464,24 @@
                 <a:latin typeface="Consolas" pitchFamily="49" charset="0"/>
                 <a:cs typeface="Consolas" pitchFamily="49" charset="0"/>
               </a:rPr>
-              <a:t>print("bye")</a:t>
+              <a:t>print</a:t>
+            </a:r>
+            <a:r>
+              <a:rPr lang="it-IT" b="1" noProof="1" smtClean="0">
+                <a:solidFill>
+                  <a:srgbClr val="FBEEDC"/>
+                </a:solidFill>
+                <a:effectLst>
+                  <a:outerShdw blurRad="38100" dist="38100" dir="2700000" algn="tl">
+                    <a:srgbClr val="000000">
+                      <a:alpha val="43137"/>
+                    </a:srgbClr>
+                  </a:outerShdw>
+                </a:effectLst>
+                <a:latin typeface="Consolas" pitchFamily="49" charset="0"/>
+                <a:cs typeface="Consolas" pitchFamily="49" charset="0"/>
+              </a:rPr>
+              <a:t>('bye')</a:t>
             </a:r>
             <a:endParaRPr lang="it-IT" b="1" noProof="1">
               <a:solidFill>
@@ -25439,7 +26176,24 @@
                 <a:latin typeface="Consolas" pitchFamily="49" charset="0"/>
                 <a:cs typeface="Consolas" pitchFamily="49" charset="0"/>
               </a:rPr>
-              <a:t>   print("even")</a:t>
+              <a:t>   print</a:t>
+            </a:r>
+            <a:r>
+              <a:rPr lang="it-IT" sz="2800" b="1" noProof="1" smtClean="0">
+                <a:solidFill>
+                  <a:srgbClr val="FBEEDC"/>
+                </a:solidFill>
+                <a:effectLst>
+                  <a:outerShdw blurRad="38100" dist="38100" dir="2700000" algn="tl">
+                    <a:srgbClr val="000000">
+                      <a:alpha val="43137"/>
+                    </a:srgbClr>
+                  </a:outerShdw>
+                </a:effectLst>
+                <a:latin typeface="Consolas" pitchFamily="49" charset="0"/>
+                <a:cs typeface="Consolas" pitchFamily="49" charset="0"/>
+              </a:rPr>
+              <a:t>('even')</a:t>
             </a:r>
             <a:endParaRPr lang="bg-BG" sz="2800" b="1" noProof="1" smtClean="0">
               <a:solidFill>
@@ -25544,8 +26298,39 @@
                 <a:latin typeface="Consolas" pitchFamily="49" charset="0"/>
                 <a:cs typeface="Consolas" pitchFamily="49" charset="0"/>
               </a:rPr>
-              <a:t>   print("odd")</a:t>
-            </a:r>
+              <a:t>   print</a:t>
+            </a:r>
+            <a:r>
+              <a:rPr lang="it-IT" sz="2800" b="1" noProof="1" smtClean="0">
+                <a:solidFill>
+                  <a:srgbClr val="FBEEDC"/>
+                </a:solidFill>
+                <a:effectLst>
+                  <a:outerShdw blurRad="38100" dist="38100" dir="2700000" algn="tl">
+                    <a:srgbClr val="000000">
+                      <a:alpha val="43137"/>
+                    </a:srgbClr>
+                  </a:outerShdw>
+                </a:effectLst>
+                <a:latin typeface="Consolas" pitchFamily="49" charset="0"/>
+                <a:cs typeface="Consolas" pitchFamily="49" charset="0"/>
+              </a:rPr>
+              <a:t>('odd')</a:t>
+            </a:r>
+            <a:endParaRPr lang="it-IT" sz="2800" b="1" noProof="1" smtClean="0">
+              <a:solidFill>
+                <a:srgbClr val="FBEEDC"/>
+              </a:solidFill>
+              <a:effectLst>
+                <a:outerShdw blurRad="38100" dist="38100" dir="2700000" algn="tl">
+                  <a:srgbClr val="000000">
+                    <a:alpha val="43137"/>
+                  </a:srgbClr>
+                </a:outerShdw>
+              </a:effectLst>
+              <a:latin typeface="Consolas" pitchFamily="49" charset="0"/>
+              <a:cs typeface="Consolas" pitchFamily="49" charset="0"/>
+            </a:endParaRPr>
           </a:p>
         </p:txBody>
       </p:sp>

--- a/3. Simple-Conditions/3. Simple-Conditions.pptx
+++ b/3. Simple-Conditions/3. Simple-Conditions.pptx
@@ -249,7 +249,7 @@
             <a:fld id="{FE5B4EDC-59C0-49C7-8ADA-5A781B329E02}" type="datetimeFigureOut">
               <a:rPr lang="en-US"/>
               <a:pPr/>
-              <a:t>2/8/2017</a:t>
+              <a:t>2/14/2017</a:t>
             </a:fld>
             <a:endParaRPr dirty="0"/>
           </a:p>
@@ -448,7 +448,7 @@
             <a:fld id="{F2D8D46A-B586-417D-BFBD-8C8FE0AAF762}" type="datetimeFigureOut">
               <a:rPr lang="en-US" smtClean="0"/>
               <a:pPr/>
-              <a:t>2/8/2017</a:t>
+              <a:t>2/14/2017</a:t>
             </a:fld>
             <a:endParaRPr lang="en-US"/>
           </a:p>
@@ -2198,7 +2198,7 @@
             <a:fld id="{055373AC-9AA7-423B-BA00-BA1C74164DBD}" type="datetime1">
               <a:rPr lang="en-US" smtClean="0"/>
               <a:pPr/>
-              <a:t>2/8/2017</a:t>
+              <a:t>2/14/2017</a:t>
             </a:fld>
             <a:endParaRPr lang="en-US" dirty="0"/>
           </a:p>
@@ -3365,7 +3365,7 @@
                 </a:solidFill>
               </a:rPr>
               <a:pPr/>
-              <a:t>2/8/2017</a:t>
+              <a:t>2/14/2017</a:t>
             </a:fld>
             <a:endParaRPr lang="en-US" dirty="0">
               <a:solidFill>
@@ -4647,7 +4647,7 @@
             <a:fld id="{055373AC-9AA7-423B-BA00-BA1C74164DBD}" type="datetime1">
               <a:rPr lang="en-US" smtClean="0"/>
               <a:pPr/>
-              <a:t>2/8/2017</a:t>
+              <a:t>2/14/2017</a:t>
             </a:fld>
             <a:endParaRPr lang="en-US" dirty="0"/>
           </a:p>
@@ -5280,7 +5280,7 @@
                 </a:solidFill>
               </a:rPr>
               <a:pPr/>
-              <a:t>2/8/2017</a:t>
+              <a:t>2/14/2017</a:t>
             </a:fld>
             <a:endParaRPr lang="en-US" dirty="0">
               <a:solidFill>
@@ -6547,73 +6547,8 @@
                 <a:latin typeface="Consolas" pitchFamily="49" charset="0"/>
                 <a:cs typeface="Consolas" pitchFamily="49" charset="0"/>
               </a:rPr>
-              <a:t>print</a:t>
-            </a:r>
-            <a:r>
-              <a:rPr lang="it-IT" sz="2800" b="1" noProof="1" smtClean="0">
-                <a:solidFill>
-                  <a:srgbClr val="FBEEDC"/>
-                </a:solidFill>
-                <a:effectLst>
-                  <a:outerShdw blurRad="38100" dist="38100" dir="2700000" algn="tl">
-                    <a:srgbClr val="000000">
-                      <a:alpha val="43137"/>
-                    </a:srgbClr>
-                  </a:outerShdw>
-                </a:effectLst>
-                <a:latin typeface="Consolas" pitchFamily="49" charset="0"/>
-                <a:cs typeface="Consolas" pitchFamily="49" charset="0"/>
-              </a:rPr>
-              <a:t>('Enter </a:t>
-            </a:r>
-            <a:r>
-              <a:rPr lang="it-IT" sz="2800" b="1" noProof="1" smtClean="0">
-                <a:solidFill>
-                  <a:srgbClr val="FBEEDC"/>
-                </a:solidFill>
-                <a:effectLst>
-                  <a:outerShdw blurRad="38100" dist="38100" dir="2700000" algn="tl">
-                    <a:srgbClr val="000000">
-                      <a:alpha val="43137"/>
-                    </a:srgbClr>
-                  </a:outerShdw>
-                </a:effectLst>
-                <a:latin typeface="Consolas" pitchFamily="49" charset="0"/>
-                <a:cs typeface="Consolas" pitchFamily="49" charset="0"/>
-              </a:rPr>
-              <a:t>two integers</a:t>
-            </a:r>
-            <a:r>
-              <a:rPr lang="it-IT" sz="2800" b="1" noProof="1" smtClean="0">
-                <a:solidFill>
-                  <a:srgbClr val="FBEEDC"/>
-                </a:solidFill>
-                <a:effectLst>
-                  <a:outerShdw blurRad="38100" dist="38100" dir="2700000" algn="tl">
-                    <a:srgbClr val="000000">
-                      <a:alpha val="43137"/>
-                    </a:srgbClr>
-                  </a:outerShdw>
-                </a:effectLst>
-                <a:latin typeface="Consolas" pitchFamily="49" charset="0"/>
-                <a:cs typeface="Consolas" pitchFamily="49" charset="0"/>
-              </a:rPr>
-              <a:t>:')</a:t>
-            </a:r>
-            <a:endParaRPr lang="it-IT" sz="2800" b="1" noProof="1" smtClean="0">
-              <a:solidFill>
-                <a:srgbClr val="FBEEDC"/>
-              </a:solidFill>
-              <a:effectLst>
-                <a:outerShdw blurRad="38100" dist="38100" dir="2700000" algn="tl">
-                  <a:srgbClr val="000000">
-                    <a:alpha val="43137"/>
-                  </a:srgbClr>
-                </a:outerShdw>
-              </a:effectLst>
-              <a:latin typeface="Consolas" pitchFamily="49" charset="0"/>
-              <a:cs typeface="Consolas" pitchFamily="49" charset="0"/>
-            </a:endParaRPr>
+              <a:t>print('Enter two integers:')</a:t>
+            </a:r>
           </a:p>
           <a:p>
             <a:pPr eaLnBrk="0" hangingPunct="0">
@@ -6869,75 +6804,7 @@
                 <a:latin typeface="Consolas" pitchFamily="49" charset="0"/>
                 <a:cs typeface="Consolas" pitchFamily="49" charset="0"/>
               </a:rPr>
-              <a:t>   print</a:t>
-            </a:r>
-            <a:r>
-              <a:rPr lang="it-IT" sz="2800" b="1" noProof="1" smtClean="0">
-                <a:solidFill>
-                  <a:srgbClr val="FBEEDC"/>
-                </a:solidFill>
-                <a:effectLst>
-                  <a:outerShdw blurRad="38100" dist="38100" dir="2700000" algn="tl">
-                    <a:srgbClr val="000000">
-                      <a:alpha val="43137"/>
-                    </a:srgbClr>
-                  </a:outerShdw>
-                </a:effectLst>
-                <a:latin typeface="Consolas" pitchFamily="49" charset="0"/>
-                <a:cs typeface="Consolas" pitchFamily="49" charset="0"/>
-              </a:rPr>
-              <a:t>('Greater </a:t>
-            </a:r>
-            <a:r>
-              <a:rPr lang="it-IT" sz="2800" b="1" noProof="1" smtClean="0">
-                <a:solidFill>
-                  <a:srgbClr val="FBEEDC"/>
-                </a:solidFill>
-                <a:effectLst>
-                  <a:outerShdw blurRad="38100" dist="38100" dir="2700000" algn="tl">
-                    <a:srgbClr val="000000">
-                      <a:alpha val="43137"/>
-                    </a:srgbClr>
-                  </a:outerShdw>
-                </a:effectLst>
-                <a:latin typeface="Consolas" pitchFamily="49" charset="0"/>
-                <a:cs typeface="Consolas" pitchFamily="49" charset="0"/>
-              </a:rPr>
-              <a:t>number: </a:t>
-            </a:r>
-            <a:r>
-              <a:rPr lang="it-IT" sz="2800" b="1" noProof="1" smtClean="0">
-                <a:solidFill>
-                  <a:srgbClr val="FBEEDC"/>
-                </a:solidFill>
-                <a:effectLst>
-                  <a:outerShdw blurRad="38100" dist="38100" dir="2700000" algn="tl">
-                    <a:srgbClr val="000000">
-                      <a:alpha val="43137"/>
-                    </a:srgbClr>
-                  </a:outerShdw>
-                </a:effectLst>
-                <a:latin typeface="Consolas" pitchFamily="49" charset="0"/>
-                <a:cs typeface="Consolas" pitchFamily="49" charset="0"/>
-              </a:rPr>
-              <a:t>' </a:t>
-            </a:r>
-            <a:r>
-              <a:rPr lang="it-IT" sz="2800" b="1" noProof="1" smtClean="0">
-                <a:solidFill>
-                  <a:srgbClr val="FBEEDC"/>
-                </a:solidFill>
-                <a:effectLst>
-                  <a:outerShdw blurRad="38100" dist="38100" dir="2700000" algn="tl">
-                    <a:srgbClr val="000000">
-                      <a:alpha val="43137"/>
-                    </a:srgbClr>
-                  </a:outerShdw>
-                </a:effectLst>
-                <a:latin typeface="Consolas" pitchFamily="49" charset="0"/>
-                <a:cs typeface="Consolas" pitchFamily="49" charset="0"/>
-              </a:rPr>
-              <a:t>+ num1)</a:t>
+              <a:t>   print('Greater number: ' + num1)</a:t>
             </a:r>
           </a:p>
           <a:p>
@@ -6999,24 +6866,7 @@
                 <a:latin typeface="Consolas" pitchFamily="49" charset="0"/>
                 <a:cs typeface="Consolas" pitchFamily="49" charset="0"/>
               </a:rPr>
-              <a:t>    print</a:t>
-            </a:r>
-            <a:r>
-              <a:rPr lang="it-IT" sz="2800" b="1" noProof="1" smtClean="0">
-                <a:solidFill>
-                  <a:srgbClr val="FBEEDC"/>
-                </a:solidFill>
-                <a:effectLst>
-                  <a:outerShdw blurRad="38100" dist="38100" dir="2700000" algn="tl">
-                    <a:srgbClr val="000000">
-                      <a:alpha val="43137"/>
-                    </a:srgbClr>
-                  </a:outerShdw>
-                </a:effectLst>
-                <a:latin typeface="Consolas" pitchFamily="49" charset="0"/>
-                <a:cs typeface="Consolas" pitchFamily="49" charset="0"/>
-              </a:rPr>
-              <a:t>('Greater </a:t>
+              <a:t>    print('Greater </a:t>
             </a:r>
             <a:r>
               <a:rPr lang="it-IT" sz="2800" b="1" noProof="1">
@@ -7747,39 +7597,8 @@
                 <a:latin typeface="Consolas" pitchFamily="49" charset="0"/>
                 <a:cs typeface="Consolas" pitchFamily="49" charset="0"/>
               </a:rPr>
-              <a:t>print</a:t>
-            </a:r>
-            <a:r>
-              <a:rPr lang="it-IT" sz="2600" b="1" noProof="1" smtClean="0">
-                <a:solidFill>
-                  <a:srgbClr val="FBEEDC"/>
-                </a:solidFill>
-                <a:effectLst>
-                  <a:outerShdw blurRad="38100" dist="38100" dir="2700000" algn="tl">
-                    <a:srgbClr val="000000">
-                      <a:alpha val="43137"/>
-                    </a:srgbClr>
-                  </a:outerShdw>
-                </a:effectLst>
-                <a:latin typeface="Consolas" pitchFamily="49" charset="0"/>
-                <a:cs typeface="Consolas" pitchFamily="49" charset="0"/>
-              </a:rPr>
-              <a:t>('one')</a:t>
-            </a:r>
-            <a:endParaRPr lang="it-IT" sz="2600" b="1" noProof="1" smtClean="0">
-              <a:solidFill>
-                <a:srgbClr val="FBEEDC"/>
-              </a:solidFill>
-              <a:effectLst>
-                <a:outerShdw blurRad="38100" dist="38100" dir="2700000" algn="tl">
-                  <a:srgbClr val="000000">
-                    <a:alpha val="43137"/>
-                  </a:srgbClr>
-                </a:outerShdw>
-              </a:effectLst>
-              <a:latin typeface="Consolas" pitchFamily="49" charset="0"/>
-              <a:cs typeface="Consolas" pitchFamily="49" charset="0"/>
-            </a:endParaRPr>
+              <a:t>print('one')</a:t>
+            </a:r>
           </a:p>
           <a:p>
             <a:pPr eaLnBrk="0" hangingPunct="0">
@@ -7947,24 +7766,7 @@
                 <a:latin typeface="Consolas" pitchFamily="49" charset="0"/>
                 <a:cs typeface="Consolas" pitchFamily="49" charset="0"/>
               </a:rPr>
-              <a:t>    print</a:t>
-            </a:r>
-            <a:r>
-              <a:rPr lang="it-IT" sz="2600" b="1" noProof="1" smtClean="0">
-                <a:solidFill>
-                  <a:srgbClr val="FBEEDC"/>
-                </a:solidFill>
-                <a:effectLst>
-                  <a:outerShdw blurRad="38100" dist="38100" dir="2700000" algn="tl">
-                    <a:srgbClr val="000000">
-                      <a:alpha val="43137"/>
-                    </a:srgbClr>
-                  </a:outerShdw>
-                </a:effectLst>
-                <a:latin typeface="Consolas" pitchFamily="49" charset="0"/>
-                <a:cs typeface="Consolas" pitchFamily="49" charset="0"/>
-              </a:rPr>
-              <a:t>('two')</a:t>
+              <a:t>    print('two')</a:t>
             </a:r>
             <a:endParaRPr lang="it-IT" sz="2600" b="1" noProof="1">
               <a:solidFill>
@@ -8164,24 +7966,7 @@
                 <a:latin typeface="Consolas" pitchFamily="49" charset="0"/>
                 <a:cs typeface="Consolas" pitchFamily="49" charset="0"/>
               </a:rPr>
-              <a:t>print</a:t>
-            </a:r>
-            <a:r>
-              <a:rPr lang="it-IT" sz="2600" b="1" noProof="1" smtClean="0">
-                <a:solidFill>
-                  <a:srgbClr val="FBEEDC"/>
-                </a:solidFill>
-                <a:effectLst>
-                  <a:outerShdw blurRad="38100" dist="38100" dir="2700000" algn="tl">
-                    <a:srgbClr val="000000">
-                      <a:alpha val="43137"/>
-                    </a:srgbClr>
-                  </a:outerShdw>
-                </a:effectLst>
-                <a:latin typeface="Consolas" pitchFamily="49" charset="0"/>
-                <a:cs typeface="Consolas" pitchFamily="49" charset="0"/>
-              </a:rPr>
-              <a:t>('three')</a:t>
+              <a:t>print('three')</a:t>
             </a:r>
             <a:r>
               <a:rPr lang="en-US" sz="2600" b="1" noProof="1" smtClean="0">
@@ -8346,73 +8131,8 @@
                 <a:latin typeface="Consolas" pitchFamily="49" charset="0"/>
                 <a:cs typeface="Consolas" pitchFamily="49" charset="0"/>
               </a:rPr>
-              <a:t>print</a:t>
-            </a:r>
-            <a:r>
-              <a:rPr lang="it-IT" sz="2600" b="1" noProof="1" smtClean="0">
-                <a:solidFill>
-                  <a:srgbClr val="FBEEDC"/>
-                </a:solidFill>
-                <a:effectLst>
-                  <a:outerShdw blurRad="38100" dist="38100" dir="2700000" algn="tl">
-                    <a:srgbClr val="000000">
-                      <a:alpha val="43137"/>
-                    </a:srgbClr>
-                  </a:outerShdw>
-                </a:effectLst>
-                <a:latin typeface="Consolas" pitchFamily="49" charset="0"/>
-                <a:cs typeface="Consolas" pitchFamily="49" charset="0"/>
-              </a:rPr>
-              <a:t>('number </a:t>
-            </a:r>
-            <a:r>
-              <a:rPr lang="it-IT" sz="2600" b="1" noProof="1" smtClean="0">
-                <a:solidFill>
-                  <a:srgbClr val="FBEEDC"/>
-                </a:solidFill>
-                <a:effectLst>
-                  <a:outerShdw blurRad="38100" dist="38100" dir="2700000" algn="tl">
-                    <a:srgbClr val="000000">
-                      <a:alpha val="43137"/>
-                    </a:srgbClr>
-                  </a:outerShdw>
-                </a:effectLst>
-                <a:latin typeface="Consolas" pitchFamily="49" charset="0"/>
-                <a:cs typeface="Consolas" pitchFamily="49" charset="0"/>
-              </a:rPr>
-              <a:t>too </a:t>
-            </a:r>
-            <a:r>
-              <a:rPr lang="it-IT" sz="2600" b="1" noProof="1" smtClean="0">
-                <a:solidFill>
-                  <a:srgbClr val="FBEEDC"/>
-                </a:solidFill>
-                <a:effectLst>
-                  <a:outerShdw blurRad="38100" dist="38100" dir="2700000" algn="tl">
-                    <a:srgbClr val="000000">
-                      <a:alpha val="43137"/>
-                    </a:srgbClr>
-                  </a:outerShdw>
-                </a:effectLst>
-                <a:latin typeface="Consolas" pitchFamily="49" charset="0"/>
-                <a:cs typeface="Consolas" pitchFamily="49" charset="0"/>
-              </a:rPr>
-              <a:t>big')</a:t>
-            </a:r>
-            <a:endParaRPr lang="it-IT" sz="2600" b="1" noProof="1" smtClean="0">
-              <a:solidFill>
-                <a:srgbClr val="FBEEDC"/>
-              </a:solidFill>
-              <a:effectLst>
-                <a:outerShdw blurRad="38100" dist="38100" dir="2700000" algn="tl">
-                  <a:srgbClr val="000000">
-                    <a:alpha val="43137"/>
-                  </a:srgbClr>
-                </a:outerShdw>
-              </a:effectLst>
-              <a:latin typeface="Consolas" pitchFamily="49" charset="0"/>
-              <a:cs typeface="Consolas" pitchFamily="49" charset="0"/>
-            </a:endParaRPr>
+              <a:t>print('number too big')</a:t>
+            </a:r>
           </a:p>
         </p:txBody>
       </p:sp>
@@ -8939,7 +8659,7 @@
         <p:spPr bwMode="auto">
           <a:xfrm>
             <a:off x="833889" y="1143000"/>
-            <a:ext cx="10521048" cy="4955203"/>
+            <a:ext cx="10521048" cy="4555093"/>
           </a:xfrm>
           <a:prstGeom prst="rect">
             <a:avLst/>
@@ -8990,7 +8710,24 @@
                 <a:latin typeface="Consolas" pitchFamily="49" charset="0"/>
                 <a:cs typeface="Consolas" pitchFamily="49" charset="0"/>
               </a:rPr>
-              <a:t>print</a:t>
+              <a:t>num </a:t>
+            </a:r>
+            <a:r>
+              <a:rPr lang="it-IT" sz="2600" b="1" noProof="1">
+                <a:solidFill>
+                  <a:srgbClr val="FBEEDC"/>
+                </a:solidFill>
+                <a:effectLst>
+                  <a:outerShdw blurRad="38100" dist="38100" dir="2700000" algn="tl">
+                    <a:srgbClr val="000000">
+                      <a:alpha val="43137"/>
+                    </a:srgbClr>
+                  </a:outerShdw>
+                </a:effectLst>
+                <a:latin typeface="Consolas" pitchFamily="49" charset="0"/>
+                <a:cs typeface="Consolas" pitchFamily="49" charset="0"/>
+              </a:rPr>
+              <a:t>= </a:t>
             </a:r>
             <a:r>
               <a:rPr lang="it-IT" sz="2600" b="1" noProof="1" smtClean="0">
@@ -9007,7 +8744,7 @@
                 <a:latin typeface="Consolas" pitchFamily="49" charset="0"/>
                 <a:cs typeface="Consolas" pitchFamily="49" charset="0"/>
               </a:rPr>
-              <a:t>('Enter </a:t>
+              <a:t>int(input</a:t>
             </a:r>
             <a:r>
               <a:rPr lang="it-IT" sz="2600" b="1" noProof="1">
@@ -9024,100 +8761,7 @@
                 <a:latin typeface="Consolas" pitchFamily="49" charset="0"/>
                 <a:cs typeface="Consolas" pitchFamily="49" charset="0"/>
               </a:rPr>
-              <a:t>score: </a:t>
-            </a:r>
-            <a:r>
-              <a:rPr lang="it-IT" sz="2600" b="1" noProof="1" smtClean="0">
-                <a:solidFill>
-                  <a:srgbClr val="FBEEDC"/>
-                </a:solidFill>
-                <a:effectLst>
-                  <a:outerShdw blurRad="38100" dist="38100" dir="2700000" algn="tl">
-                    <a:srgbClr val="000000">
-                      <a:alpha val="43137"/>
-                    </a:srgbClr>
-                  </a:outerShdw>
-                </a:effectLst>
-                <a:latin typeface="Consolas" pitchFamily="49" charset="0"/>
-                <a:cs typeface="Consolas" pitchFamily="49" charset="0"/>
-              </a:rPr>
-              <a:t>')</a:t>
-            </a:r>
-            <a:endParaRPr lang="it-IT" sz="2600" b="1" noProof="1">
-              <a:solidFill>
-                <a:srgbClr val="FBEEDC"/>
-              </a:solidFill>
-              <a:effectLst>
-                <a:outerShdw blurRad="38100" dist="38100" dir="2700000" algn="tl">
-                  <a:srgbClr val="000000">
-                    <a:alpha val="43137"/>
-                  </a:srgbClr>
-                </a:outerShdw>
-              </a:effectLst>
-              <a:latin typeface="Consolas" pitchFamily="49" charset="0"/>
-              <a:cs typeface="Consolas" pitchFamily="49" charset="0"/>
-            </a:endParaRPr>
-          </a:p>
-          <a:p>
-            <a:pPr eaLnBrk="0" hangingPunct="0">
-              <a:buClr>
-                <a:schemeClr val="accent5">
-                  <a:lumMod val="40000"/>
-                  <a:lumOff val="60000"/>
-                </a:schemeClr>
-              </a:buClr>
-              <a:buSzPct val="70000"/>
-            </a:pPr>
-            <a:r>
-              <a:rPr lang="it-IT" sz="2600" b="1" noProof="1" smtClean="0">
-                <a:solidFill>
-                  <a:srgbClr val="FBEEDC"/>
-                </a:solidFill>
-                <a:effectLst>
-                  <a:outerShdw blurRad="38100" dist="38100" dir="2700000" algn="tl">
-                    <a:srgbClr val="000000">
-                      <a:alpha val="43137"/>
-                    </a:srgbClr>
-                  </a:outerShdw>
-                </a:effectLst>
-                <a:latin typeface="Consolas" pitchFamily="49" charset="0"/>
-                <a:cs typeface="Consolas" pitchFamily="49" charset="0"/>
-              </a:rPr>
-              <a:t>num </a:t>
-            </a:r>
-            <a:r>
-              <a:rPr lang="it-IT" sz="2600" b="1" noProof="1">
-                <a:solidFill>
-                  <a:srgbClr val="FBEEDC"/>
-                </a:solidFill>
-                <a:effectLst>
-                  <a:outerShdw blurRad="38100" dist="38100" dir="2700000" algn="tl">
-                    <a:srgbClr val="000000">
-                      <a:alpha val="43137"/>
-                    </a:srgbClr>
-                  </a:outerShdw>
-                </a:effectLst>
-                <a:latin typeface="Consolas" pitchFamily="49" charset="0"/>
-                <a:cs typeface="Consolas" pitchFamily="49" charset="0"/>
-              </a:rPr>
-              <a:t>= </a:t>
-            </a:r>
-            <a:r>
-              <a:rPr lang="it-IT" sz="2600" b="1" noProof="1" smtClean="0">
-                <a:solidFill>
-                  <a:srgbClr val="FBEEDC"/>
-                </a:solidFill>
-                <a:effectLst>
-                  <a:outerShdw blurRad="38100" dist="38100" dir="2700000" algn="tl">
-                    <a:srgbClr val="000000">
-                      <a:alpha val="43137"/>
-                    </a:srgbClr>
-                  </a:outerShdw>
-                </a:effectLst>
-                <a:latin typeface="Consolas" pitchFamily="49" charset="0"/>
-                <a:cs typeface="Consolas" pitchFamily="49" charset="0"/>
-              </a:rPr>
-              <a:t>int(input())</a:t>
+              <a:t>('Enter score: '))</a:t>
             </a:r>
             <a:endParaRPr lang="it-IT" sz="2600" b="1" noProof="1">
               <a:solidFill>
@@ -9876,24 +9520,7 @@
                 <a:latin typeface="Consolas" pitchFamily="49" charset="0"/>
                 <a:cs typeface="Consolas" pitchFamily="49" charset="0"/>
               </a:rPr>
-              <a:t>print</a:t>
-            </a:r>
-            <a:r>
-              <a:rPr lang="it-IT" sz="2600" b="1" noProof="1" smtClean="0">
-                <a:solidFill>
-                  <a:srgbClr val="FBEEDC"/>
-                </a:solidFill>
-                <a:effectLst>
-                  <a:outerShdw blurRad="38100" dist="38100" dir="2700000" algn="tl">
-                    <a:srgbClr val="000000">
-                      <a:alpha val="43137"/>
-                    </a:srgbClr>
-                  </a:outerShdw>
-                </a:effectLst>
-                <a:latin typeface="Consolas" pitchFamily="49" charset="0"/>
-                <a:cs typeface="Consolas" pitchFamily="49" charset="0"/>
-              </a:rPr>
-              <a:t>('Bonus </a:t>
+              <a:t>print('Bonus </a:t>
             </a:r>
             <a:r>
               <a:rPr lang="it-IT" sz="2600" b="1" noProof="1">
@@ -10003,24 +9630,7 @@
                 <a:latin typeface="Consolas" pitchFamily="49" charset="0"/>
                 <a:cs typeface="Consolas" pitchFamily="49" charset="0"/>
               </a:rPr>
-              <a:t>print</a:t>
-            </a:r>
-            <a:r>
-              <a:rPr lang="it-IT" sz="2600" b="1" noProof="1" smtClean="0">
-                <a:solidFill>
-                  <a:srgbClr val="FBEEDC"/>
-                </a:solidFill>
-                <a:effectLst>
-                  <a:outerShdw blurRad="38100" dist="38100" dir="2700000" algn="tl">
-                    <a:srgbClr val="000000">
-                      <a:alpha val="43137"/>
-                    </a:srgbClr>
-                  </a:outerShdw>
-                </a:effectLst>
-                <a:latin typeface="Consolas" pitchFamily="49" charset="0"/>
-                <a:cs typeface="Consolas" pitchFamily="49" charset="0"/>
-              </a:rPr>
-              <a:t>('Total </a:t>
+              <a:t>print('Total </a:t>
             </a:r>
             <a:r>
               <a:rPr lang="it-IT" sz="2600" b="1" noProof="1">
@@ -10911,11 +10521,7 @@
             </a:r>
             <a:r>
               <a:rPr lang="en-US" dirty="0" smtClean="0"/>
-              <a:t> </a:t>
-            </a:r>
-            <a:r>
-              <a:rPr lang="en-US" dirty="0" smtClean="0"/>
-              <a:t>'</a:t>
+              <a:t> '</a:t>
             </a:r>
             <a:r>
               <a:rPr lang="bg-BG" b="1" noProof="1" smtClean="0">
@@ -10934,11 +10540,7 @@
             </a:r>
             <a:r>
               <a:rPr lang="bg-BG" dirty="0" smtClean="0"/>
-              <a:t>. </a:t>
-            </a:r>
-            <a:r>
-              <a:rPr lang="bg-BG" dirty="0" smtClean="0"/>
-              <a:t>Секундите да се изведат с </a:t>
+              <a:t>. Секундите да се изведат с </a:t>
             </a:r>
             <a:r>
               <a:rPr lang="bg-BG" dirty="0" smtClean="0">
@@ -10958,37 +10560,7 @@
               <a:rPr lang="bg-BG" dirty="0" smtClean="0">
                 <a:sym typeface="Wingdings" panose="05000000000000000000" pitchFamily="2" charset="2"/>
               </a:rPr>
-              <a:t> </a:t>
-            </a:r>
-            <a:r>
-              <a:rPr lang="bg-BG" dirty="0" smtClean="0">
-                <a:sym typeface="Wingdings" panose="05000000000000000000" pitchFamily="2" charset="2"/>
-              </a:rPr>
-              <a:t>'02', </a:t>
-            </a:r>
-            <a:r>
-              <a:rPr lang="bg-BG" dirty="0" smtClean="0">
-                <a:sym typeface="Wingdings" panose="05000000000000000000" pitchFamily="2" charset="2"/>
-              </a:rPr>
-              <a:t>7  </a:t>
-            </a:r>
-            <a:r>
-              <a:rPr lang="bg-BG" dirty="0" smtClean="0">
-                <a:sym typeface="Wingdings" panose="05000000000000000000" pitchFamily="2" charset="2"/>
-              </a:rPr>
-              <a:t>'07', </a:t>
-            </a:r>
-            <a:r>
-              <a:rPr lang="bg-BG" dirty="0" smtClean="0">
-                <a:sym typeface="Wingdings" panose="05000000000000000000" pitchFamily="2" charset="2"/>
-              </a:rPr>
-              <a:t>35  </a:t>
-            </a:r>
-            <a:r>
-              <a:rPr lang="bg-BG" dirty="0" smtClean="0">
-                <a:sym typeface="Wingdings" panose="05000000000000000000" pitchFamily="2" charset="2"/>
-              </a:rPr>
-              <a:t>'35').</a:t>
+              <a:t> '02', 7  '07', 35  '35').</a:t>
             </a:r>
             <a:endParaRPr lang="en-US" dirty="0" smtClean="0"/>
           </a:p>
@@ -15578,41 +15150,7 @@
                 <a:latin typeface="Consolas" pitchFamily="49" charset="0"/>
                 <a:cs typeface="Consolas" pitchFamily="49" charset="0"/>
               </a:rPr>
-              <a:t>print(str(size) + </a:t>
-            </a:r>
-            <a:r>
-              <a:rPr lang="it-IT" sz="2800" b="1" noProof="1" smtClean="0">
-                <a:solidFill>
-                  <a:srgbClr val="FBEEDC"/>
-                </a:solidFill>
-                <a:effectLst>
-                  <a:outerShdw blurRad="38100" dist="38100" dir="2700000" algn="tl">
-                    <a:srgbClr val="000000">
-                      <a:alpha val="43137"/>
-                    </a:srgbClr>
-                  </a:outerShdw>
-                </a:effectLst>
-                <a:latin typeface="Consolas" pitchFamily="49" charset="0"/>
-                <a:cs typeface="Consolas" pitchFamily="49" charset="0"/>
-              </a:rPr>
-              <a:t>' ' </a:t>
-            </a:r>
-            <a:r>
-              <a:rPr lang="it-IT" sz="2800" b="1" noProof="1" smtClean="0">
-                <a:solidFill>
-                  <a:srgbClr val="FBEEDC"/>
-                </a:solidFill>
-                <a:effectLst>
-                  <a:outerShdw blurRad="38100" dist="38100" dir="2700000" algn="tl">
-                    <a:srgbClr val="000000">
-                      <a:alpha val="43137"/>
-                    </a:srgbClr>
-                  </a:outerShdw>
-                </a:effectLst>
-                <a:latin typeface="Consolas" pitchFamily="49" charset="0"/>
-                <a:cs typeface="Consolas" pitchFamily="49" charset="0"/>
-              </a:rPr>
-              <a:t>+ destMetric)</a:t>
+              <a:t>print(str(size) + ' ' + destMetric)</a:t>
             </a:r>
             <a:endParaRPr lang="it-IT" sz="2800" b="1" noProof="1">
               <a:solidFill>
@@ -16252,11 +15790,7 @@
             </a:pPr>
             <a:r>
               <a:rPr lang="bg-BG" dirty="0" smtClean="0"/>
-              <a:t>Задачи с прости </a:t>
-            </a:r>
-            <a:r>
-              <a:rPr lang="bg-BG" dirty="0" smtClean="0"/>
-              <a:t>проверки</a:t>
+              <a:t>Задачи с прости проверки</a:t>
             </a:r>
             <a:endParaRPr lang="en-US" dirty="0"/>
           </a:p>
@@ -17675,33 +17209,17 @@
               <a:rPr lang="bg-BG" sz="2000" dirty="0" smtClean="0">
                 <a:hlinkClick r:id="rId4"/>
               </a:rPr>
-              <a:t>Основи </a:t>
-            </a:r>
-            <a:r>
-              <a:rPr lang="bg-BG" sz="2000" dirty="0" smtClean="0">
-                <a:hlinkClick r:id="rId4"/>
-              </a:rPr>
-              <a:t>на програмирането със </a:t>
+              <a:t>Основи на програмирането със </a:t>
             </a:r>
             <a:r>
               <a:rPr lang="en-US" sz="2000" dirty="0" smtClean="0">
                 <a:hlinkClick r:id="rId4"/>
               </a:rPr>
-              <a:t>C</a:t>
-            </a:r>
-            <a:r>
-              <a:rPr lang="en-US" sz="2000" dirty="0" smtClean="0">
-                <a:hlinkClick r:id="rId4"/>
-              </a:rPr>
-              <a:t>#'</a:t>
+              <a:t>C#'</a:t>
             </a:r>
             <a:r>
               <a:rPr lang="bg-BG" sz="2000" dirty="0" smtClean="0"/>
-              <a:t> </a:t>
-            </a:r>
-            <a:r>
-              <a:rPr lang="bg-BG" sz="2000" dirty="0" smtClean="0"/>
-              <a:t>от Светлин Наков и колектив с лиценз</a:t>
+              <a:t> от Светлин Наков и колектив с лиценз</a:t>
             </a:r>
             <a:r>
               <a:rPr lang="en-US" sz="2000" dirty="0" smtClean="0"/>
@@ -17902,11 +17420,7 @@
             </a:pPr>
             <a:r>
               <a:rPr lang="bg-BG" sz="3200" dirty="0" smtClean="0"/>
-              <a:t>Фондация </a:t>
-            </a:r>
-            <a:r>
-              <a:rPr lang="bg-BG" sz="3200" dirty="0" smtClean="0"/>
-              <a:t>'Софтуерен университет' </a:t>
+              <a:t>Фондация 'Софтуерен университет' </a:t>
             </a:r>
             <a:r>
               <a:rPr lang="en-US" sz="3200" dirty="0" smtClean="0"/>
@@ -19551,7 +19065,24 @@
                 <a:latin typeface="Consolas" pitchFamily="49" charset="0"/>
                 <a:cs typeface="Consolas" pitchFamily="49" charset="0"/>
               </a:rPr>
-              <a:t> Ако отговорът на въпроса е </a:t>
+              <a:t> Ако отговорът на въпроса е 'Да'</a:t>
+            </a:r>
+            <a:r>
+              <a:rPr lang="sv-SE" sz="2500" b="1" noProof="1" smtClean="0">
+                <a:solidFill>
+                  <a:srgbClr val="FBEEDC"/>
+                </a:solidFill>
+                <a:effectLst>
+                  <a:outerShdw blurRad="38100" dist="38100" dir="2700000" algn="tl">
+                    <a:srgbClr val="000000">
+                      <a:alpha val="43137"/>
+                    </a:srgbClr>
+                  </a:outerShdw>
+                </a:effectLst>
+                <a:latin typeface="Consolas" pitchFamily="49" charset="0"/>
+                <a:cs typeface="Consolas" pitchFamily="49" charset="0"/>
+              </a:rPr>
+              <a:t>,</a:t>
             </a:r>
             <a:r>
               <a:rPr lang="bg-BG" sz="2500" b="1" noProof="1" smtClean="0">
@@ -19568,58 +19099,7 @@
                 <a:latin typeface="Consolas" pitchFamily="49" charset="0"/>
                 <a:cs typeface="Consolas" pitchFamily="49" charset="0"/>
               </a:rPr>
-              <a:t>'Да'</a:t>
-            </a:r>
-            <a:r>
-              <a:rPr lang="sv-SE" sz="2500" b="1" noProof="1" smtClean="0">
-                <a:solidFill>
-                  <a:srgbClr val="FBEEDC"/>
-                </a:solidFill>
-                <a:effectLst>
-                  <a:outerShdw blurRad="38100" dist="38100" dir="2700000" algn="tl">
-                    <a:srgbClr val="000000">
-                      <a:alpha val="43137"/>
-                    </a:srgbClr>
-                  </a:outerShdw>
-                </a:effectLst>
-                <a:latin typeface="Consolas" pitchFamily="49" charset="0"/>
-                <a:cs typeface="Consolas" pitchFamily="49" charset="0"/>
-              </a:rPr>
-              <a:t>,</a:t>
-            </a:r>
-            <a:r>
-              <a:rPr lang="bg-BG" sz="2500" b="1" noProof="1" smtClean="0">
-                <a:solidFill>
-                  <a:srgbClr val="FBEEDC"/>
-                </a:solidFill>
-                <a:effectLst>
-                  <a:outerShdw blurRad="38100" dist="38100" dir="2700000" algn="tl">
-                    <a:srgbClr val="000000">
-                      <a:alpha val="43137"/>
-                    </a:srgbClr>
-                  </a:outerShdw>
-                </a:effectLst>
-                <a:latin typeface="Consolas" pitchFamily="49" charset="0"/>
-                <a:cs typeface="Consolas" pitchFamily="49" charset="0"/>
-              </a:rPr>
-              <a:t> </a:t>
-            </a:r>
-            <a:r>
-              <a:rPr lang="bg-BG" sz="2500" b="1" noProof="1" smtClean="0">
-                <a:solidFill>
-                  <a:srgbClr val="FBEEDC"/>
-                </a:solidFill>
-                <a:effectLst>
-                  <a:outerShdw blurRad="38100" dist="38100" dir="2700000" algn="tl">
-                    <a:srgbClr val="000000">
-                      <a:alpha val="43137"/>
-                    </a:srgbClr>
-                  </a:outerShdw>
-                </a:effectLst>
-                <a:latin typeface="Consolas" pitchFamily="49" charset="0"/>
-                <a:cs typeface="Consolas" pitchFamily="49" charset="0"/>
-              </a:rPr>
-              <a:t>резултатът от провектата ще е </a:t>
+              <a:t> резултатът от провектата ще е </a:t>
             </a:r>
             <a:r>
               <a:rPr lang="sv-SE" sz="2500" b="1" noProof="1" smtClean="0">
@@ -22426,24 +21906,7 @@
                 <a:latin typeface="Consolas" pitchFamily="49" charset="0"/>
                 <a:cs typeface="Consolas" pitchFamily="49" charset="0"/>
               </a:rPr>
-              <a:t>   print</a:t>
-            </a:r>
-            <a:r>
-              <a:rPr lang="it-IT" sz="2800" b="1" noProof="1" smtClean="0">
-                <a:solidFill>
-                  <a:srgbClr val="FBEEDC"/>
-                </a:solidFill>
-                <a:effectLst>
-                  <a:outerShdw blurRad="38100" dist="38100" dir="2700000" algn="tl">
-                    <a:srgbClr val="000000">
-                      <a:alpha val="43137"/>
-                    </a:srgbClr>
-                  </a:outerShdw>
-                </a:effectLst>
-                <a:latin typeface="Consolas" pitchFamily="49" charset="0"/>
-                <a:cs typeface="Consolas" pitchFamily="49" charset="0"/>
-              </a:rPr>
-              <a:t>('Excellent!')</a:t>
+              <a:t>   print('Excellent!')</a:t>
             </a:r>
             <a:endParaRPr lang="it-IT" sz="2800" b="1" noProof="1">
               <a:solidFill>
@@ -22918,24 +22381,7 @@
                 <a:latin typeface="Consolas" pitchFamily="49" charset="0"/>
                 <a:cs typeface="Consolas" pitchFamily="49" charset="0"/>
               </a:rPr>
-              <a:t>   print</a:t>
-            </a:r>
-            <a:r>
-              <a:rPr lang="it-IT" sz="2800" b="1" noProof="1" smtClean="0">
-                <a:solidFill>
-                  <a:srgbClr val="FBEEDC"/>
-                </a:solidFill>
-                <a:effectLst>
-                  <a:outerShdw blurRad="38100" dist="38100" dir="2700000" algn="tl">
-                    <a:srgbClr val="000000">
-                      <a:alpha val="43137"/>
-                    </a:srgbClr>
-                  </a:outerShdw>
-                </a:effectLst>
-                <a:latin typeface="Consolas" pitchFamily="49" charset="0"/>
-                <a:cs typeface="Consolas" pitchFamily="49" charset="0"/>
-              </a:rPr>
-              <a:t>('Excellent!')</a:t>
+              <a:t>   print('Excellent!')</a:t>
             </a:r>
             <a:endParaRPr lang="bg-BG" sz="2800" b="1" noProof="1" smtClean="0">
               <a:solidFill>
@@ -23013,73 +22459,8 @@
                 <a:latin typeface="Consolas" pitchFamily="49" charset="0"/>
                 <a:cs typeface="Consolas" pitchFamily="49" charset="0"/>
               </a:rPr>
-              <a:t>    print</a:t>
-            </a:r>
-            <a:r>
-              <a:rPr lang="it-IT" sz="2800" b="1" noProof="1" smtClean="0">
-                <a:solidFill>
-                  <a:srgbClr val="FBEEDC"/>
-                </a:solidFill>
-                <a:effectLst>
-                  <a:outerShdw blurRad="38100" dist="38100" dir="2700000" algn="tl">
-                    <a:srgbClr val="000000">
-                      <a:alpha val="43137"/>
-                    </a:srgbClr>
-                  </a:outerShdw>
-                </a:effectLst>
-                <a:latin typeface="Consolas" pitchFamily="49" charset="0"/>
-                <a:cs typeface="Consolas" pitchFamily="49" charset="0"/>
-              </a:rPr>
-              <a:t>('Not </a:t>
-            </a:r>
-            <a:r>
-              <a:rPr lang="it-IT" sz="2800" b="1" noProof="1" smtClean="0">
-                <a:solidFill>
-                  <a:srgbClr val="FBEEDC"/>
-                </a:solidFill>
-                <a:effectLst>
-                  <a:outerShdw blurRad="38100" dist="38100" dir="2700000" algn="tl">
-                    <a:srgbClr val="000000">
-                      <a:alpha val="43137"/>
-                    </a:srgbClr>
-                  </a:outerShdw>
-                </a:effectLst>
-                <a:latin typeface="Consolas" pitchFamily="49" charset="0"/>
-                <a:cs typeface="Consolas" pitchFamily="49" charset="0"/>
-              </a:rPr>
-              <a:t>excellent</a:t>
-            </a:r>
-            <a:r>
-              <a:rPr lang="it-IT" sz="2800" b="1" noProof="1" smtClean="0">
-                <a:solidFill>
-                  <a:srgbClr val="FBEEDC"/>
-                </a:solidFill>
-                <a:effectLst>
-                  <a:outerShdw blurRad="38100" dist="38100" dir="2700000" algn="tl">
-                    <a:srgbClr val="000000">
-                      <a:alpha val="43137"/>
-                    </a:srgbClr>
-                  </a:outerShdw>
-                </a:effectLst>
-                <a:latin typeface="Consolas" pitchFamily="49" charset="0"/>
-                <a:cs typeface="Consolas" pitchFamily="49" charset="0"/>
-              </a:rPr>
-              <a:t>.')</a:t>
-            </a:r>
-            <a:endParaRPr lang="it-IT" sz="2800" b="1" noProof="1" smtClean="0">
-              <a:solidFill>
-                <a:srgbClr val="FBEEDC"/>
-              </a:solidFill>
-              <a:effectLst>
-                <a:outerShdw blurRad="38100" dist="38100" dir="2700000" algn="tl">
-                  <a:srgbClr val="000000">
-                    <a:alpha val="43137"/>
-                  </a:srgbClr>
-                </a:outerShdw>
-              </a:effectLst>
-              <a:latin typeface="Consolas" pitchFamily="49" charset="0"/>
-              <a:cs typeface="Consolas" pitchFamily="49" charset="0"/>
-            </a:endParaRPr>
+              <a:t>    print('Not excellent.')</a:t>
+            </a:r>
           </a:p>
         </p:txBody>
       </p:sp>
@@ -23538,24 +22919,7 @@
                 <a:latin typeface="Consolas" pitchFamily="49" charset="0"/>
                 <a:cs typeface="Consolas" pitchFamily="49" charset="0"/>
               </a:rPr>
-              <a:t>   print</a:t>
-            </a:r>
-            <a:r>
-              <a:rPr lang="it-IT" sz="2800" b="1" noProof="1" smtClean="0">
-                <a:solidFill>
-                  <a:srgbClr val="FBEEDC"/>
-                </a:solidFill>
-                <a:effectLst>
-                  <a:outerShdw blurRad="38100" dist="38100" dir="2700000" algn="tl">
-                    <a:srgbClr val="000000">
-                      <a:alpha val="43137"/>
-                    </a:srgbClr>
-                  </a:outerShdw>
-                </a:effectLst>
-                <a:latin typeface="Consolas" pitchFamily="49" charset="0"/>
-                <a:cs typeface="Consolas" pitchFamily="49" charset="0"/>
-              </a:rPr>
-              <a:t>('Excellent!')</a:t>
+              <a:t>   print('Excellent!')</a:t>
             </a:r>
             <a:endParaRPr lang="bg-BG" sz="2800" b="1" noProof="1" smtClean="0">
               <a:solidFill>
@@ -23671,73 +23035,8 @@
                 <a:latin typeface="Consolas" pitchFamily="49" charset="0"/>
                 <a:cs typeface="Consolas" pitchFamily="49" charset="0"/>
               </a:rPr>
-              <a:t>    print</a:t>
-            </a:r>
-            <a:r>
-              <a:rPr lang="it-IT" sz="2800" b="1" noProof="1" smtClean="0">
-                <a:solidFill>
-                  <a:srgbClr val="FBEEDC"/>
-                </a:solidFill>
-                <a:effectLst>
-                  <a:outerShdw blurRad="38100" dist="38100" dir="2700000" algn="tl">
-                    <a:srgbClr val="000000">
-                      <a:alpha val="43137"/>
-                    </a:srgbClr>
-                  </a:outerShdw>
-                </a:effectLst>
-                <a:latin typeface="Consolas" pitchFamily="49" charset="0"/>
-                <a:cs typeface="Consolas" pitchFamily="49" charset="0"/>
-              </a:rPr>
-              <a:t>('Very </a:t>
-            </a:r>
-            <a:r>
-              <a:rPr lang="it-IT" sz="2800" b="1" noProof="1" smtClean="0">
-                <a:solidFill>
-                  <a:srgbClr val="FBEEDC"/>
-                </a:solidFill>
-                <a:effectLst>
-                  <a:outerShdw blurRad="38100" dist="38100" dir="2700000" algn="tl">
-                    <a:srgbClr val="000000">
-                      <a:alpha val="43137"/>
-                    </a:srgbClr>
-                  </a:outerShdw>
-                </a:effectLst>
-                <a:latin typeface="Consolas" pitchFamily="49" charset="0"/>
-                <a:cs typeface="Consolas" pitchFamily="49" charset="0"/>
-              </a:rPr>
-              <a:t>bad</a:t>
-            </a:r>
-            <a:r>
-              <a:rPr lang="it-IT" sz="2800" b="1" noProof="1" smtClean="0">
-                <a:solidFill>
-                  <a:srgbClr val="FBEEDC"/>
-                </a:solidFill>
-                <a:effectLst>
-                  <a:outerShdw blurRad="38100" dist="38100" dir="2700000" algn="tl">
-                    <a:srgbClr val="000000">
-                      <a:alpha val="43137"/>
-                    </a:srgbClr>
-                  </a:outerShdw>
-                </a:effectLst>
-                <a:latin typeface="Consolas" pitchFamily="49" charset="0"/>
-                <a:cs typeface="Consolas" pitchFamily="49" charset="0"/>
-              </a:rPr>
-              <a:t>!')</a:t>
-            </a:r>
-            <a:endParaRPr lang="it-IT" sz="2800" b="1" noProof="1" smtClean="0">
-              <a:solidFill>
-                <a:srgbClr val="FBEEDC"/>
-              </a:solidFill>
-              <a:effectLst>
-                <a:outerShdw blurRad="38100" dist="38100" dir="2700000" algn="tl">
-                  <a:srgbClr val="000000">
-                    <a:alpha val="43137"/>
-                  </a:srgbClr>
-                </a:outerShdw>
-              </a:effectLst>
-              <a:latin typeface="Consolas" pitchFamily="49" charset="0"/>
-              <a:cs typeface="Consolas" pitchFamily="49" charset="0"/>
-            </a:endParaRPr>
+              <a:t>    print('Very bad!')</a:t>
+            </a:r>
           </a:p>
           <a:p>
             <a:pPr eaLnBrk="0" hangingPunct="0">
@@ -24370,26 +23669,7 @@
                 <a:latin typeface="Consolas" pitchFamily="49" charset="0"/>
                 <a:cs typeface="Consolas" pitchFamily="49" charset="0"/>
               </a:rPr>
-              <a:t> </a:t>
-            </a:r>
-            <a:r>
-              <a:rPr lang="it-IT" b="1" noProof="1" smtClean="0">
-                <a:solidFill>
-                  <a:schemeClr val="tx2">
-                    <a:lumMod val="75000"/>
-                  </a:schemeClr>
-                </a:solidFill>
-                <a:effectLst>
-                  <a:outerShdw blurRad="38100" dist="38100" dir="2700000" algn="tl">
-                    <a:srgbClr val="000000">
-                      <a:alpha val="43137"/>
-                    </a:srgbClr>
-                  </a:outerShdw>
-                </a:effectLst>
-                <a:latin typeface="Consolas" pitchFamily="49" charset="0"/>
-                <a:cs typeface="Consolas" pitchFamily="49" charset="0"/>
-              </a:rPr>
-              <a:t>'red'</a:t>
+              <a:t> 'red'</a:t>
             </a:r>
             <a:r>
               <a:rPr lang="bg-BG" b="1" noProof="1" smtClean="0">
@@ -24489,7 +23769,24 @@
                 <a:latin typeface="Consolas" pitchFamily="49" charset="0"/>
                 <a:cs typeface="Consolas" pitchFamily="49" charset="0"/>
               </a:rPr>
-              <a:t>print</a:t>
+              <a:t>print('</a:t>
+            </a:r>
+            <a:r>
+              <a:rPr lang="en-US" b="1" noProof="1" smtClean="0">
+                <a:solidFill>
+                  <a:srgbClr val="FBEEDC"/>
+                </a:solidFill>
+                <a:effectLst>
+                  <a:outerShdw blurRad="38100" dist="38100" dir="2700000" algn="tl">
+                    <a:srgbClr val="000000">
+                      <a:alpha val="43137"/>
+                    </a:srgbClr>
+                  </a:outerShdw>
+                </a:effectLst>
+                <a:latin typeface="Consolas" pitchFamily="49" charset="0"/>
+                <a:cs typeface="Consolas" pitchFamily="49" charset="0"/>
+              </a:rPr>
+              <a:t>tomato</a:t>
             </a:r>
             <a:r>
               <a:rPr lang="it-IT" b="1" noProof="1" smtClean="0">
@@ -24506,56 +23803,8 @@
                 <a:latin typeface="Consolas" pitchFamily="49" charset="0"/>
                 <a:cs typeface="Consolas" pitchFamily="49" charset="0"/>
               </a:rPr>
-              <a:t>('</a:t>
-            </a:r>
-            <a:r>
-              <a:rPr lang="en-US" b="1" noProof="1" smtClean="0">
-                <a:solidFill>
-                  <a:srgbClr val="FBEEDC"/>
-                </a:solidFill>
-                <a:effectLst>
-                  <a:outerShdw blurRad="38100" dist="38100" dir="2700000" algn="tl">
-                    <a:srgbClr val="000000">
-                      <a:alpha val="43137"/>
-                    </a:srgbClr>
-                  </a:outerShdw>
-                </a:effectLst>
-                <a:latin typeface="Consolas" pitchFamily="49" charset="0"/>
-                <a:cs typeface="Consolas" pitchFamily="49" charset="0"/>
-              </a:rPr>
-              <a:t>tomato</a:t>
-            </a:r>
-            <a:r>
-              <a:rPr lang="it-IT" b="1" noProof="1" smtClean="0">
-                <a:solidFill>
-                  <a:srgbClr val="FBEEDC"/>
-                </a:solidFill>
-                <a:effectLst>
-                  <a:outerShdw blurRad="38100" dist="38100" dir="2700000" algn="tl">
-                    <a:srgbClr val="000000">
-                      <a:alpha val="43137"/>
-                    </a:srgbClr>
-                  </a:outerShdw>
-                </a:effectLst>
-                <a:latin typeface="Consolas" pitchFamily="49" charset="0"/>
-                <a:cs typeface="Consolas" pitchFamily="49" charset="0"/>
-              </a:rPr>
               <a:t>')</a:t>
             </a:r>
-            <a:endParaRPr lang="it-IT" b="1" noProof="1" smtClean="0">
-              <a:solidFill>
-                <a:srgbClr val="FBEEDC"/>
-              </a:solidFill>
-              <a:effectLst>
-                <a:outerShdw blurRad="38100" dist="38100" dir="2700000" algn="tl">
-                  <a:srgbClr val="000000">
-                    <a:alpha val="43137"/>
-                  </a:srgbClr>
-                </a:outerShdw>
-              </a:effectLst>
-              <a:latin typeface="Consolas" pitchFamily="49" charset="0"/>
-              <a:cs typeface="Consolas" pitchFamily="49" charset="0"/>
-            </a:endParaRPr>
           </a:p>
           <a:p>
             <a:pPr eaLnBrk="0" hangingPunct="0">
@@ -24801,39 +24050,8 @@
                 <a:latin typeface="Consolas" pitchFamily="49" charset="0"/>
                 <a:cs typeface="Consolas" pitchFamily="49" charset="0"/>
               </a:rPr>
-              <a:t>print</a:t>
-            </a:r>
-            <a:r>
-              <a:rPr lang="it-IT" b="1" noProof="1" smtClean="0">
-                <a:solidFill>
-                  <a:srgbClr val="FBEEDC"/>
-                </a:solidFill>
-                <a:effectLst>
-                  <a:outerShdw blurRad="38100" dist="38100" dir="2700000" algn="tl">
-                    <a:srgbClr val="000000">
-                      <a:alpha val="43137"/>
-                    </a:srgbClr>
-                  </a:outerShdw>
-                </a:effectLst>
-                <a:latin typeface="Consolas" pitchFamily="49" charset="0"/>
-                <a:cs typeface="Consolas" pitchFamily="49" charset="0"/>
-              </a:rPr>
-              <a:t>('banana')</a:t>
-            </a:r>
-            <a:endParaRPr lang="it-IT" b="1" noProof="1" smtClean="0">
-              <a:solidFill>
-                <a:srgbClr val="FBEEDC"/>
-              </a:solidFill>
-              <a:effectLst>
-                <a:outerShdw blurRad="38100" dist="38100" dir="2700000" algn="tl">
-                  <a:srgbClr val="000000">
-                    <a:alpha val="43137"/>
-                  </a:srgbClr>
-                </a:outerShdw>
-              </a:effectLst>
-              <a:latin typeface="Consolas" pitchFamily="49" charset="0"/>
-              <a:cs typeface="Consolas" pitchFamily="49" charset="0"/>
-            </a:endParaRPr>
+              <a:t>print('banana')</a:t>
+            </a:r>
           </a:p>
           <a:p>
             <a:pPr eaLnBrk="0" hangingPunct="0">
@@ -24863,24 +24081,7 @@
                 <a:latin typeface="Consolas" pitchFamily="49" charset="0"/>
                 <a:cs typeface="Consolas" pitchFamily="49" charset="0"/>
               </a:rPr>
-              <a:t>print</a:t>
-            </a:r>
-            <a:r>
-              <a:rPr lang="en-US" b="1" noProof="1" smtClean="0">
-                <a:solidFill>
-                  <a:srgbClr val="FBEEDC"/>
-                </a:solidFill>
-                <a:effectLst>
-                  <a:outerShdw blurRad="38100" dist="38100" dir="2700000" algn="tl">
-                    <a:srgbClr val="000000">
-                      <a:alpha val="43137"/>
-                    </a:srgbClr>
-                  </a:outerShdw>
-                </a:effectLst>
-                <a:latin typeface="Consolas" pitchFamily="49" charset="0"/>
-                <a:cs typeface="Consolas" pitchFamily="49" charset="0"/>
-              </a:rPr>
-              <a:t>('bye')</a:t>
+              <a:t>print('bye')</a:t>
             </a:r>
             <a:endParaRPr lang="it-IT" b="1" noProof="1" smtClean="0">
               <a:solidFill>
@@ -25155,22 +24356,6 @@
               </a:rPr>
               <a:t>'red':</a:t>
             </a:r>
-            <a:endParaRPr lang="it-IT" b="1" noProof="1" smtClean="0">
-              <a:solidFill>
-                <a:schemeClr val="tx2">
-                  <a:lumMod val="75000"/>
-                </a:schemeClr>
-              </a:solidFill>
-              <a:effectLst>
-                <a:outerShdw blurRad="38100" dist="38100" dir="2700000" algn="tl">
-                  <a:srgbClr val="000000">
-                    <a:alpha val="43137"/>
-                  </a:srgbClr>
-                </a:outerShdw>
-              </a:effectLst>
-              <a:latin typeface="Consolas" pitchFamily="49" charset="0"/>
-              <a:cs typeface="Consolas" pitchFamily="49" charset="0"/>
-            </a:endParaRPr>
           </a:p>
           <a:p>
             <a:pPr eaLnBrk="0" hangingPunct="0">
@@ -25219,20 +24404,6 @@
               </a:rPr>
               <a:t>('tomato')</a:t>
             </a:r>
-            <a:endParaRPr lang="it-IT" b="1" noProof="1" smtClean="0">
-              <a:solidFill>
-                <a:srgbClr val="FBEEDC"/>
-              </a:solidFill>
-              <a:effectLst>
-                <a:outerShdw blurRad="38100" dist="38100" dir="2700000" algn="tl">
-                  <a:srgbClr val="000000">
-                    <a:alpha val="43137"/>
-                  </a:srgbClr>
-                </a:outerShdw>
-              </a:effectLst>
-              <a:latin typeface="Consolas" pitchFamily="49" charset="0"/>
-              <a:cs typeface="Consolas" pitchFamily="49" charset="0"/>
-            </a:endParaRPr>
           </a:p>
           <a:p>
             <a:pPr eaLnBrk="0" hangingPunct="0">
@@ -25302,43 +24473,8 @@
                 <a:latin typeface="Consolas" pitchFamily="49" charset="0"/>
                 <a:cs typeface="Consolas" pitchFamily="49" charset="0"/>
               </a:rPr>
-              <a:t>== </a:t>
-            </a:r>
-            <a:r>
-              <a:rPr lang="it-IT" b="1" noProof="1" smtClean="0">
-                <a:solidFill>
-                  <a:schemeClr val="tx2">
-                    <a:lumMod val="75000"/>
-                  </a:schemeClr>
-                </a:solidFill>
-                <a:effectLst>
-                  <a:outerShdw blurRad="38100" dist="38100" dir="2700000" algn="tl">
-                    <a:srgbClr val="000000">
-                      <a:alpha val="43137"/>
-                    </a:srgbClr>
-                  </a:outerShdw>
-                </a:effectLst>
-                <a:latin typeface="Consolas" pitchFamily="49" charset="0"/>
-                <a:cs typeface="Consolas" pitchFamily="49" charset="0"/>
-              </a:rPr>
-              <a:t>'yellow':</a:t>
-            </a:r>
-            <a:endParaRPr lang="it-IT" b="1" noProof="1" smtClean="0">
-              <a:solidFill>
-                <a:schemeClr val="tx2">
-                  <a:lumMod val="75000"/>
-                </a:schemeClr>
-              </a:solidFill>
-              <a:effectLst>
-                <a:outerShdw blurRad="38100" dist="38100" dir="2700000" algn="tl">
-                  <a:srgbClr val="000000">
-                    <a:alpha val="43137"/>
-                  </a:srgbClr>
-                </a:outerShdw>
-              </a:effectLst>
-              <a:latin typeface="Consolas" pitchFamily="49" charset="0"/>
-              <a:cs typeface="Consolas" pitchFamily="49" charset="0"/>
-            </a:endParaRPr>
+              <a:t>== 'yellow':</a:t>
+            </a:r>
           </a:p>
           <a:p>
             <a:pPr eaLnBrk="0" hangingPunct="0">
@@ -25385,39 +24521,8 @@
                 <a:latin typeface="Consolas" pitchFamily="49" charset="0"/>
                 <a:cs typeface="Consolas" pitchFamily="49" charset="0"/>
               </a:rPr>
-              <a:t>print</a:t>
-            </a:r>
-            <a:r>
-              <a:rPr lang="it-IT" b="1" noProof="1" smtClean="0">
-                <a:solidFill>
-                  <a:srgbClr val="FBEEDC"/>
-                </a:solidFill>
-                <a:effectLst>
-                  <a:outerShdw blurRad="38100" dist="38100" dir="2700000" algn="tl">
-                    <a:srgbClr val="000000">
-                      <a:alpha val="43137"/>
-                    </a:srgbClr>
-                  </a:outerShdw>
-                </a:effectLst>
-                <a:latin typeface="Consolas" pitchFamily="49" charset="0"/>
-                <a:cs typeface="Consolas" pitchFamily="49" charset="0"/>
-              </a:rPr>
-              <a:t>('banana')</a:t>
-            </a:r>
-            <a:endParaRPr lang="it-IT" b="1" noProof="1" smtClean="0">
-              <a:solidFill>
-                <a:srgbClr val="FBEEDC"/>
-              </a:solidFill>
-              <a:effectLst>
-                <a:outerShdw blurRad="38100" dist="38100" dir="2700000" algn="tl">
-                  <a:srgbClr val="000000">
-                    <a:alpha val="43137"/>
-                  </a:srgbClr>
-                </a:outerShdw>
-              </a:effectLst>
-              <a:latin typeface="Consolas" pitchFamily="49" charset="0"/>
-              <a:cs typeface="Consolas" pitchFamily="49" charset="0"/>
-            </a:endParaRPr>
+              <a:t>print('banana')</a:t>
+            </a:r>
           </a:p>
           <a:p>
             <a:pPr eaLnBrk="0" hangingPunct="0">
@@ -25464,24 +24569,7 @@
                 <a:latin typeface="Consolas" pitchFamily="49" charset="0"/>
                 <a:cs typeface="Consolas" pitchFamily="49" charset="0"/>
               </a:rPr>
-              <a:t>print</a:t>
-            </a:r>
-            <a:r>
-              <a:rPr lang="it-IT" b="1" noProof="1" smtClean="0">
-                <a:solidFill>
-                  <a:srgbClr val="FBEEDC"/>
-                </a:solidFill>
-                <a:effectLst>
-                  <a:outerShdw blurRad="38100" dist="38100" dir="2700000" algn="tl">
-                    <a:srgbClr val="000000">
-                      <a:alpha val="43137"/>
-                    </a:srgbClr>
-                  </a:outerShdw>
-                </a:effectLst>
-                <a:latin typeface="Consolas" pitchFamily="49" charset="0"/>
-                <a:cs typeface="Consolas" pitchFamily="49" charset="0"/>
-              </a:rPr>
-              <a:t>('bye')</a:t>
+              <a:t>print('bye')</a:t>
             </a:r>
             <a:endParaRPr lang="it-IT" b="1" noProof="1">
               <a:solidFill>
@@ -26176,24 +25264,7 @@
                 <a:latin typeface="Consolas" pitchFamily="49" charset="0"/>
                 <a:cs typeface="Consolas" pitchFamily="49" charset="0"/>
               </a:rPr>
-              <a:t>   print</a:t>
-            </a:r>
-            <a:r>
-              <a:rPr lang="it-IT" sz="2800" b="1" noProof="1" smtClean="0">
-                <a:solidFill>
-                  <a:srgbClr val="FBEEDC"/>
-                </a:solidFill>
-                <a:effectLst>
-                  <a:outerShdw blurRad="38100" dist="38100" dir="2700000" algn="tl">
-                    <a:srgbClr val="000000">
-                      <a:alpha val="43137"/>
-                    </a:srgbClr>
-                  </a:outerShdw>
-                </a:effectLst>
-                <a:latin typeface="Consolas" pitchFamily="49" charset="0"/>
-                <a:cs typeface="Consolas" pitchFamily="49" charset="0"/>
-              </a:rPr>
-              <a:t>('even')</a:t>
+              <a:t>   print('even')</a:t>
             </a:r>
             <a:endParaRPr lang="bg-BG" sz="2800" b="1" noProof="1" smtClean="0">
               <a:solidFill>
@@ -26298,39 +25369,8 @@
                 <a:latin typeface="Consolas" pitchFamily="49" charset="0"/>
                 <a:cs typeface="Consolas" pitchFamily="49" charset="0"/>
               </a:rPr>
-              <a:t>   print</a:t>
-            </a:r>
-            <a:r>
-              <a:rPr lang="it-IT" sz="2800" b="1" noProof="1" smtClean="0">
-                <a:solidFill>
-                  <a:srgbClr val="FBEEDC"/>
-                </a:solidFill>
-                <a:effectLst>
-                  <a:outerShdw blurRad="38100" dist="38100" dir="2700000" algn="tl">
-                    <a:srgbClr val="000000">
-                      <a:alpha val="43137"/>
-                    </a:srgbClr>
-                  </a:outerShdw>
-                </a:effectLst>
-                <a:latin typeface="Consolas" pitchFamily="49" charset="0"/>
-                <a:cs typeface="Consolas" pitchFamily="49" charset="0"/>
-              </a:rPr>
-              <a:t>('odd')</a:t>
-            </a:r>
-            <a:endParaRPr lang="it-IT" sz="2800" b="1" noProof="1" smtClean="0">
-              <a:solidFill>
-                <a:srgbClr val="FBEEDC"/>
-              </a:solidFill>
-              <a:effectLst>
-                <a:outerShdw blurRad="38100" dist="38100" dir="2700000" algn="tl">
-                  <a:srgbClr val="000000">
-                    <a:alpha val="43137"/>
-                  </a:srgbClr>
-                </a:outerShdw>
-              </a:effectLst>
-              <a:latin typeface="Consolas" pitchFamily="49" charset="0"/>
-              <a:cs typeface="Consolas" pitchFamily="49" charset="0"/>
-            </a:endParaRPr>
+              <a:t>   print('odd')</a:t>
+            </a:r>
           </a:p>
         </p:txBody>
       </p:sp>

--- a/3. Simple-Conditions/3. Simple-Conditions.pptx
+++ b/3. Simple-Conditions/3. Simple-Conditions.pptx
@@ -249,7 +249,7 @@
             <a:fld id="{FE5B4EDC-59C0-49C7-8ADA-5A781B329E02}" type="datetimeFigureOut">
               <a:rPr lang="en-US"/>
               <a:pPr/>
-              <a:t>2/14/2017</a:t>
+              <a:t>2/18/2017</a:t>
             </a:fld>
             <a:endParaRPr dirty="0"/>
           </a:p>
@@ -448,7 +448,7 @@
             <a:fld id="{F2D8D46A-B586-417D-BFBD-8C8FE0AAF762}" type="datetimeFigureOut">
               <a:rPr lang="en-US" smtClean="0"/>
               <a:pPr/>
-              <a:t>2/14/2017</a:t>
+              <a:t>2/18/2017</a:t>
             </a:fld>
             <a:endParaRPr lang="en-US"/>
           </a:p>
@@ -2198,7 +2198,7 @@
             <a:fld id="{055373AC-9AA7-423B-BA00-BA1C74164DBD}" type="datetime1">
               <a:rPr lang="en-US" smtClean="0"/>
               <a:pPr/>
-              <a:t>2/14/2017</a:t>
+              <a:t>2/18/2017</a:t>
             </a:fld>
             <a:endParaRPr lang="en-US" dirty="0"/>
           </a:p>
@@ -3365,7 +3365,7 @@
                 </a:solidFill>
               </a:rPr>
               <a:pPr/>
-              <a:t>2/14/2017</a:t>
+              <a:t>2/18/2017</a:t>
             </a:fld>
             <a:endParaRPr lang="en-US" dirty="0">
               <a:solidFill>
@@ -4647,7 +4647,7 @@
             <a:fld id="{055373AC-9AA7-423B-BA00-BA1C74164DBD}" type="datetime1">
               <a:rPr lang="en-US" smtClean="0"/>
               <a:pPr/>
-              <a:t>2/14/2017</a:t>
+              <a:t>2/18/2017</a:t>
             </a:fld>
             <a:endParaRPr lang="en-US" dirty="0"/>
           </a:p>
@@ -5280,7 +5280,7 @@
                 </a:solidFill>
               </a:rPr>
               <a:pPr/>
-              <a:t>2/14/2017</a:t>
+              <a:t>2/18/2017</a:t>
             </a:fld>
             <a:endParaRPr lang="en-US" dirty="0">
               <a:solidFill>
@@ -8763,20 +8763,6 @@
               </a:rPr>
               <a:t>('Enter score: '))</a:t>
             </a:r>
-            <a:endParaRPr lang="it-IT" sz="2600" b="1" noProof="1">
-              <a:solidFill>
-                <a:srgbClr val="FBEEDC"/>
-              </a:solidFill>
-              <a:effectLst>
-                <a:outerShdw blurRad="38100" dist="38100" dir="2700000" algn="tl">
-                  <a:srgbClr val="000000">
-                    <a:alpha val="43137"/>
-                  </a:srgbClr>
-                </a:outerShdw>
-              </a:effectLst>
-              <a:latin typeface="Consolas" pitchFamily="49" charset="0"/>
-              <a:cs typeface="Consolas" pitchFamily="49" charset="0"/>
-            </a:endParaRPr>
           </a:p>
           <a:p>
             <a:pPr eaLnBrk="0" hangingPunct="0">
@@ -15325,119 +15311,32 @@
       </p:sp>
       <p:pic>
         <p:nvPicPr>
-          <p:cNvPr id="6" name="Picture 5"/>
+          <p:cNvPr id="4" name="Картина 3"/>
           <p:cNvPicPr>
             <a:picLocks noChangeAspect="1"/>
           </p:cNvPicPr>
           <p:nvPr/>
         </p:nvPicPr>
         <p:blipFill>
-          <a:blip r:embed="rId2"/>
+          <a:blip r:embed="rId2">
+            <a:extLst>
+              <a:ext uri="{28A0092B-C50C-407E-A947-70E740481C1C}">
+                <a14:useLocalDpi xmlns:a14="http://schemas.microsoft.com/office/drawing/2010/main" val="0"/>
+              </a:ext>
+            </a:extLst>
+          </a:blip>
           <a:stretch>
             <a:fillRect/>
           </a:stretch>
         </p:blipFill>
         <p:spPr>
           <a:xfrm>
-            <a:off x="736684" y="734704"/>
-            <a:ext cx="5975288" cy="2286000"/>
+            <a:off x="3198812" y="1066800"/>
+            <a:ext cx="5562600" cy="3611814"/>
           </a:xfrm>
           <a:prstGeom prst="rect">
             <a:avLst/>
           </a:prstGeom>
-          <a:ln>
-            <a:solidFill>
-              <a:schemeClr val="bg1">
-                <a:lumMod val="50000"/>
-                <a:lumOff val="50000"/>
-              </a:schemeClr>
-            </a:solidFill>
-          </a:ln>
-          <a:effectLst>
-            <a:outerShdw blurRad="63500" sx="102000" sy="102000" algn="ctr" rotWithShape="0">
-              <a:prstClr val="black">
-                <a:alpha val="40000"/>
-              </a:prstClr>
-            </a:outerShdw>
-          </a:effectLst>
-        </p:spPr>
-      </p:pic>
-      <p:pic>
-        <p:nvPicPr>
-          <p:cNvPr id="8" name="Picture 7"/>
-          <p:cNvPicPr>
-            <a:picLocks noChangeAspect="1"/>
-          </p:cNvPicPr>
-          <p:nvPr/>
-        </p:nvPicPr>
-        <p:blipFill>
-          <a:blip r:embed="rId3"/>
-          <a:stretch>
-            <a:fillRect/>
-          </a:stretch>
-        </p:blipFill>
-        <p:spPr>
-          <a:xfrm>
-            <a:off x="2291690" y="2079008"/>
-            <a:ext cx="6403030" cy="2514600"/>
-          </a:xfrm>
-          <a:prstGeom prst="rect">
-            <a:avLst/>
-          </a:prstGeom>
-          <a:ln>
-            <a:solidFill>
-              <a:schemeClr val="bg1">
-                <a:lumMod val="50000"/>
-                <a:lumOff val="50000"/>
-              </a:schemeClr>
-            </a:solidFill>
-          </a:ln>
-          <a:effectLst>
-            <a:outerShdw blurRad="63500" sx="102000" sy="102000" algn="ctr" rotWithShape="0">
-              <a:prstClr val="black">
-                <a:alpha val="40000"/>
-              </a:prstClr>
-            </a:outerShdw>
-          </a:effectLst>
-        </p:spPr>
-      </p:pic>
-      <p:pic>
-        <p:nvPicPr>
-          <p:cNvPr id="7" name="Picture 6"/>
-          <p:cNvPicPr>
-            <a:picLocks noChangeAspect="1"/>
-          </p:cNvPicPr>
-          <p:nvPr/>
-        </p:nvPicPr>
-        <p:blipFill>
-          <a:blip r:embed="rId4"/>
-          <a:stretch>
-            <a:fillRect/>
-          </a:stretch>
-        </p:blipFill>
-        <p:spPr>
-          <a:xfrm>
-            <a:off x="4418012" y="1447801"/>
-            <a:ext cx="7010400" cy="2318508"/>
-          </a:xfrm>
-          <a:prstGeom prst="rect">
-            <a:avLst/>
-          </a:prstGeom>
-          <a:ln>
-            <a:solidFill>
-              <a:schemeClr val="bg1">
-                <a:lumMod val="50000"/>
-                <a:lumOff val="50000"/>
-              </a:schemeClr>
-            </a:solidFill>
-          </a:ln>
-          <a:effectLst>
-            <a:outerShdw blurRad="63500" sx="102000" sy="102000" algn="ctr" rotWithShape="0">
-              <a:prstClr val="black">
-                <a:alpha val="40000"/>
-              </a:prstClr>
-            </a:outerShdw>
-          </a:effectLst>
         </p:spPr>
       </p:pic>
     </p:spTree>

--- a/3. Simple-Conditions/3. Simple-Conditions.pptx
+++ b/3. Simple-Conditions/3. Simple-Conditions.pptx
@@ -249,7 +249,7 @@
             <a:fld id="{FE5B4EDC-59C0-49C7-8ADA-5A781B329E02}" type="datetimeFigureOut">
               <a:rPr lang="en-US"/>
               <a:pPr/>
-              <a:t>2/18/2017</a:t>
+              <a:t>2/19/2017</a:t>
             </a:fld>
             <a:endParaRPr dirty="0"/>
           </a:p>
@@ -448,7 +448,7 @@
             <a:fld id="{F2D8D46A-B586-417D-BFBD-8C8FE0AAF762}" type="datetimeFigureOut">
               <a:rPr lang="en-US" smtClean="0"/>
               <a:pPr/>
-              <a:t>2/18/2017</a:t>
+              <a:t>2/19/2017</a:t>
             </a:fld>
             <a:endParaRPr lang="en-US"/>
           </a:p>
@@ -2198,7 +2198,7 @@
             <a:fld id="{055373AC-9AA7-423B-BA00-BA1C74164DBD}" type="datetime1">
               <a:rPr lang="en-US" smtClean="0"/>
               <a:pPr/>
-              <a:t>2/18/2017</a:t>
+              <a:t>2/19/2017</a:t>
             </a:fld>
             <a:endParaRPr lang="en-US" dirty="0"/>
           </a:p>
@@ -3365,7 +3365,7 @@
                 </a:solidFill>
               </a:rPr>
               <a:pPr/>
-              <a:t>2/18/2017</a:t>
+              <a:t>2/19/2017</a:t>
             </a:fld>
             <a:endParaRPr lang="en-US" dirty="0">
               <a:solidFill>
@@ -4647,7 +4647,7 @@
             <a:fld id="{055373AC-9AA7-423B-BA00-BA1C74164DBD}" type="datetime1">
               <a:rPr lang="en-US" smtClean="0"/>
               <a:pPr/>
-              <a:t>2/18/2017</a:t>
+              <a:t>2/19/2017</a:t>
             </a:fld>
             <a:endParaRPr lang="en-US" dirty="0"/>
           </a:p>
@@ -5280,7 +5280,7 @@
                 </a:solidFill>
               </a:rPr>
               <a:pPr/>
-              <a:t>2/18/2017</a:t>
+              <a:t>2/19/2017</a:t>
             </a:fld>
             <a:endParaRPr lang="en-US" dirty="0">
               <a:solidFill>
@@ -8086,8 +8086,24 @@
                 <a:latin typeface="Consolas" pitchFamily="49" charset="0"/>
                 <a:cs typeface="Consolas" pitchFamily="49" charset="0"/>
               </a:rPr>
-              <a:t>else</a:t>
-            </a:r>
+              <a:t>else:</a:t>
+            </a:r>
+            <a:endParaRPr lang="en-US" sz="2600" b="1" noProof="1" smtClean="0">
+              <a:solidFill>
+                <a:srgbClr val="FBEEC9">
+                  <a:lumMod val="75000"/>
+                </a:srgbClr>
+              </a:solidFill>
+              <a:effectLst>
+                <a:outerShdw blurRad="38100" dist="38100" dir="2700000" algn="tl">
+                  <a:srgbClr val="000000">
+                    <a:alpha val="43137"/>
+                  </a:srgbClr>
+                </a:outerShdw>
+              </a:effectLst>
+              <a:latin typeface="Consolas" pitchFamily="49" charset="0"/>
+              <a:cs typeface="Consolas" pitchFamily="49" charset="0"/>
+            </a:endParaRPr>
           </a:p>
           <a:p>
             <a:pPr eaLnBrk="0" hangingPunct="0">
@@ -15863,7 +15879,7 @@
               <a:t>и </a:t>
             </a:r>
             <a:r>
-              <a:rPr lang="en-US" sz="3200" b="1" dirty="0" smtClean="0">
+              <a:rPr lang="en-US" sz="3200" b="1" dirty="0" err="1" smtClean="0">
                 <a:solidFill>
                   <a:schemeClr val="tx2">
                     <a:lumMod val="75000"/>
@@ -15871,22 +15887,7 @@
                 </a:solidFill>
                 <a:latin typeface="Consolas" panose="020B0609020204030204" pitchFamily="49" charset="0"/>
               </a:rPr>
-              <a:t>if</a:t>
-            </a:r>
-            <a:r>
-              <a:rPr lang="en-US" sz="3200" dirty="0" smtClean="0"/>
-              <a:t>-</a:t>
-            </a:r>
-            <a:r>
-              <a:rPr lang="en-US" sz="3200" b="1" dirty="0" smtClean="0">
-                <a:solidFill>
-                  <a:schemeClr val="tx2">
-                    <a:lumMod val="75000"/>
-                  </a:schemeClr>
-                </a:solidFill>
-                <a:latin typeface="Consolas" panose="020B0609020204030204" pitchFamily="49" charset="0"/>
-              </a:rPr>
-              <a:t>else</a:t>
+              <a:t>elif</a:t>
             </a:r>
             <a:r>
               <a:rPr lang="bg-BG" sz="3200" dirty="0" smtClean="0"/>
@@ -18998,7 +18999,41 @@
                 <a:latin typeface="Consolas" pitchFamily="49" charset="0"/>
                 <a:cs typeface="Consolas" pitchFamily="49" charset="0"/>
               </a:rPr>
-              <a:t> резултатът от провектата ще е </a:t>
+              <a:t> резултатът от </a:t>
+            </a:r>
+            <a:r>
+              <a:rPr lang="bg-BG" sz="2500" b="1" noProof="1" smtClean="0">
+                <a:solidFill>
+                  <a:srgbClr val="FBEEDC"/>
+                </a:solidFill>
+                <a:effectLst>
+                  <a:outerShdw blurRad="38100" dist="38100" dir="2700000" algn="tl">
+                    <a:srgbClr val="000000">
+                      <a:alpha val="43137"/>
+                    </a:srgbClr>
+                  </a:outerShdw>
+                </a:effectLst>
+                <a:latin typeface="Consolas" pitchFamily="49" charset="0"/>
+                <a:cs typeface="Consolas" pitchFamily="49" charset="0"/>
+              </a:rPr>
+              <a:t>проверката </a:t>
+            </a:r>
+            <a:r>
+              <a:rPr lang="bg-BG" sz="2500" b="1" noProof="1" smtClean="0">
+                <a:solidFill>
+                  <a:srgbClr val="FBEEDC"/>
+                </a:solidFill>
+                <a:effectLst>
+                  <a:outerShdw blurRad="38100" dist="38100" dir="2700000" algn="tl">
+                    <a:srgbClr val="000000">
+                      <a:alpha val="43137"/>
+                    </a:srgbClr>
+                  </a:outerShdw>
+                </a:effectLst>
+                <a:latin typeface="Consolas" pitchFamily="49" charset="0"/>
+                <a:cs typeface="Consolas" pitchFamily="49" charset="0"/>
+              </a:rPr>
+              <a:t>ще е </a:t>
             </a:r>
             <a:r>
               <a:rPr lang="sv-SE" sz="2500" b="1" noProof="1" smtClean="0">
@@ -19148,7 +19183,41 @@
                 <a:latin typeface="Consolas" pitchFamily="49" charset="0"/>
                 <a:cs typeface="Consolas" pitchFamily="49" charset="0"/>
               </a:rPr>
-              <a:t>резултатът от провектата ще е </a:t>
+              <a:t>резултатът от </a:t>
+            </a:r>
+            <a:r>
+              <a:rPr lang="bg-BG" sz="2500" b="1" noProof="1" smtClean="0">
+                <a:solidFill>
+                  <a:srgbClr val="FBEEDC"/>
+                </a:solidFill>
+                <a:effectLst>
+                  <a:outerShdw blurRad="38100" dist="38100" dir="2700000" algn="tl">
+                    <a:srgbClr val="000000">
+                      <a:alpha val="43137"/>
+                    </a:srgbClr>
+                  </a:outerShdw>
+                </a:effectLst>
+                <a:latin typeface="Consolas" pitchFamily="49" charset="0"/>
+                <a:cs typeface="Consolas" pitchFamily="49" charset="0"/>
+              </a:rPr>
+              <a:t>проверката </a:t>
+            </a:r>
+            <a:r>
+              <a:rPr lang="bg-BG" sz="2500" b="1" noProof="1">
+                <a:solidFill>
+                  <a:srgbClr val="FBEEDC"/>
+                </a:solidFill>
+                <a:effectLst>
+                  <a:outerShdw blurRad="38100" dist="38100" dir="2700000" algn="tl">
+                    <a:srgbClr val="000000">
+                      <a:alpha val="43137"/>
+                    </a:srgbClr>
+                  </a:outerShdw>
+                </a:effectLst>
+                <a:latin typeface="Consolas" pitchFamily="49" charset="0"/>
+                <a:cs typeface="Consolas" pitchFamily="49" charset="0"/>
+              </a:rPr>
+              <a:t>ще е </a:t>
             </a:r>
             <a:r>
               <a:rPr lang="sv-SE" sz="2500" b="1" noProof="1" smtClean="0">
@@ -23198,32 +23267,36 @@
               <a:t>/</a:t>
             </a:r>
             <a:r>
+              <a:rPr lang="en-US" sz="3000" dirty="0" err="1" smtClean="0"/>
+              <a:t>elif</a:t>
+            </a:r>
+            <a:r>
+              <a:rPr lang="en-US" sz="3000" dirty="0" smtClean="0"/>
+              <a:t>-</a:t>
+            </a:r>
+            <a:r>
+              <a:rPr lang="bg-BG" sz="3000" dirty="0" smtClean="0"/>
+              <a:t>а</a:t>
+            </a:r>
+            <a:r>
+              <a:rPr lang="en-US" sz="3000" dirty="0" smtClean="0"/>
+              <a:t>/</a:t>
+            </a:r>
+            <a:r>
               <a:rPr lang="sv-SE" sz="3000" dirty="0" smtClean="0"/>
               <a:t>else</a:t>
             </a:r>
             <a:r>
-              <a:rPr lang="en-US" sz="3000" dirty="0" smtClean="0"/>
+              <a:rPr lang="en-US" sz="3000" dirty="0"/>
               <a:t>-</a:t>
             </a:r>
             <a:r>
+              <a:rPr lang="bg-BG" sz="3000" dirty="0"/>
+              <a:t>то </a:t>
+            </a:r>
+            <a:r>
               <a:rPr lang="bg-BG" sz="3000" dirty="0" smtClean="0"/>
-              <a:t>то</a:t>
-            </a:r>
-            <a:r>
-              <a:rPr lang="en-US" sz="3000" dirty="0" smtClean="0"/>
-              <a:t>/</a:t>
-            </a:r>
-            <a:r>
-              <a:rPr lang="en-US" sz="3000" dirty="0" err="1" smtClean="0"/>
-              <a:t>elif</a:t>
-            </a:r>
-            <a:r>
-              <a:rPr lang="en-US" sz="3000" dirty="0" smtClean="0"/>
-              <a:t>-</a:t>
-            </a:r>
-            <a:r>
-              <a:rPr lang="bg-BG" sz="3000" dirty="0" smtClean="0"/>
-              <a:t>а се изпълнява кода по-навътре</a:t>
+              <a:t>се изпълнява кода по-навътре</a:t>
             </a:r>
             <a:endParaRPr lang="en-US" sz="2600" b="1" dirty="0">
               <a:solidFill>
@@ -23363,7 +23436,7 @@
               <a:t>co</a:t>
             </a:r>
             <a:r>
-              <a:rPr lang="bg-BG" b="1" noProof="1" smtClean="0">
+              <a:rPr lang="de-DE" b="1" noProof="1" smtClean="0">
                 <a:solidFill>
                   <a:srgbClr val="FBEEDC"/>
                 </a:solidFill>
@@ -23377,7 +23450,7 @@
                 <a:latin typeface="Consolas" pitchFamily="49" charset="0"/>
                 <a:cs typeface="Consolas" pitchFamily="49" charset="0"/>
               </a:rPr>
-              <a:t>л</a:t>
+              <a:t>l</a:t>
             </a:r>
             <a:r>
               <a:rPr lang="en-US" b="1" noProof="1" smtClean="0">
@@ -24704,111 +24777,9 @@
   <p:timing>
     <p:tnLst>
       <p:par>
-        <p:cTn id="1" dur="indefinite" restart="never" nodeType="tmRoot">
-          <p:childTnLst>
-            <p:seq concurrent="1" nextAc="seek">
-              <p:cTn id="2" dur="indefinite" nodeType="mainSeq">
-                <p:childTnLst>
-                  <p:par>
-                    <p:cTn id="3" fill="hold">
-                      <p:stCondLst>
-                        <p:cond delay="indefinite"/>
-                        <p:cond evt="onBegin" delay="0">
-                          <p:tn val="2"/>
-                        </p:cond>
-                      </p:stCondLst>
-                      <p:childTnLst>
-                        <p:par>
-                          <p:cTn id="4" fill="hold">
-                            <p:stCondLst>
-                              <p:cond delay="0"/>
-                            </p:stCondLst>
-                            <p:childTnLst>
-                              <p:par>
-                                <p:cTn id="5" presetID="1" presetClass="entr" presetSubtype="0" fill="hold" grpId="0" nodeType="withEffect">
-                                  <p:stCondLst>
-                                    <p:cond delay="0"/>
-                                  </p:stCondLst>
-                                  <p:childTnLst>
-                                    <p:set>
-                                      <p:cBhvr>
-                                        <p:cTn id="6" dur="1" fill="hold">
-                                          <p:stCondLst>
-                                            <p:cond delay="0"/>
-                                          </p:stCondLst>
-                                        </p:cTn>
-                                        <p:tgtEl>
-                                          <p:spTgt spid="8"/>
-                                        </p:tgtEl>
-                                        <p:attrNameLst>
-                                          <p:attrName>style.visibility</p:attrName>
-                                        </p:attrNameLst>
-                                      </p:cBhvr>
-                                      <p:to>
-                                        <p:strVal val="visible"/>
-                                      </p:to>
-                                    </p:set>
-                                  </p:childTnLst>
-                                </p:cTn>
-                              </p:par>
-                              <p:par>
-                                <p:cTn id="7" presetID="1" presetClass="entr" presetSubtype="0" fill="hold" grpId="0" nodeType="withEffect">
-                                  <p:stCondLst>
-                                    <p:cond delay="0"/>
-                                  </p:stCondLst>
-                                  <p:childTnLst>
-                                    <p:set>
-                                      <p:cBhvr>
-                                        <p:cTn id="8" dur="1" fill="hold">
-                                          <p:stCondLst>
-                                            <p:cond delay="0"/>
-                                          </p:stCondLst>
-                                        </p:cTn>
-                                        <p:tgtEl>
-                                          <p:spTgt spid="9"/>
-                                        </p:tgtEl>
-                                        <p:attrNameLst>
-                                          <p:attrName>style.visibility</p:attrName>
-                                        </p:attrNameLst>
-                                      </p:cBhvr>
-                                      <p:to>
-                                        <p:strVal val="visible"/>
-                                      </p:to>
-                                    </p:set>
-                                  </p:childTnLst>
-                                </p:cTn>
-                              </p:par>
-                            </p:childTnLst>
-                          </p:cTn>
-                        </p:par>
-                      </p:childTnLst>
-                    </p:cTn>
-                  </p:par>
-                </p:childTnLst>
-              </p:cTn>
-              <p:prevCondLst>
-                <p:cond evt="onPrev" delay="0">
-                  <p:tgtEl>
-                    <p:sldTgt/>
-                  </p:tgtEl>
-                </p:cond>
-              </p:prevCondLst>
-              <p:nextCondLst>
-                <p:cond evt="onNext" delay="0">
-                  <p:tgtEl>
-                    <p:sldTgt/>
-                  </p:tgtEl>
-                </p:cond>
-              </p:nextCondLst>
-            </p:seq>
-          </p:childTnLst>
-        </p:cTn>
+        <p:cTn id="1" dur="indefinite" restart="never" nodeType="tmRoot"/>
       </p:par>
     </p:tnLst>
-    <p:bldLst>
-      <p:bldP spid="8" grpId="0" animBg="1"/>
-      <p:bldP spid="9" grpId="0" animBg="1"/>
-    </p:bldLst>
   </p:timing>
 </p:sld>
 </file>

--- a/3. Simple-Conditions/3. Simple-Conditions.pptx
+++ b/3. Simple-Conditions/3. Simple-Conditions.pptx
@@ -249,7 +249,7 @@
             <a:fld id="{FE5B4EDC-59C0-49C7-8ADA-5A781B329E02}" type="datetimeFigureOut">
               <a:rPr lang="en-US"/>
               <a:pPr/>
-              <a:t>2/19/2017</a:t>
+              <a:t>2/20/2017</a:t>
             </a:fld>
             <a:endParaRPr dirty="0"/>
           </a:p>
@@ -448,7 +448,7 @@
             <a:fld id="{F2D8D46A-B586-417D-BFBD-8C8FE0AAF762}" type="datetimeFigureOut">
               <a:rPr lang="en-US" smtClean="0"/>
               <a:pPr/>
-              <a:t>2/19/2017</a:t>
+              <a:t>2/20/2017</a:t>
             </a:fld>
             <a:endParaRPr lang="en-US"/>
           </a:p>
@@ -2198,7 +2198,7 @@
             <a:fld id="{055373AC-9AA7-423B-BA00-BA1C74164DBD}" type="datetime1">
               <a:rPr lang="en-US" smtClean="0"/>
               <a:pPr/>
-              <a:t>2/19/2017</a:t>
+              <a:t>2/20/2017</a:t>
             </a:fld>
             <a:endParaRPr lang="en-US" dirty="0"/>
           </a:p>
@@ -3365,7 +3365,7 @@
                 </a:solidFill>
               </a:rPr>
               <a:pPr/>
-              <a:t>2/19/2017</a:t>
+              <a:t>2/20/2017</a:t>
             </a:fld>
             <a:endParaRPr lang="en-US" dirty="0">
               <a:solidFill>
@@ -4647,7 +4647,7 @@
             <a:fld id="{055373AC-9AA7-423B-BA00-BA1C74164DBD}" type="datetime1">
               <a:rPr lang="en-US" smtClean="0"/>
               <a:pPr/>
-              <a:t>2/19/2017</a:t>
+              <a:t>2/20/2017</a:t>
             </a:fld>
             <a:endParaRPr lang="en-US" dirty="0"/>
           </a:p>
@@ -5280,7 +5280,7 @@
                 </a:solidFill>
               </a:rPr>
               <a:pPr/>
-              <a:t>2/19/2017</a:t>
+              <a:t>2/20/2017</a:t>
             </a:fld>
             <a:endParaRPr lang="en-US" dirty="0">
               <a:solidFill>
@@ -8088,22 +8088,6 @@
               </a:rPr>
               <a:t>else:</a:t>
             </a:r>
-            <a:endParaRPr lang="en-US" sz="2600" b="1" noProof="1" smtClean="0">
-              <a:solidFill>
-                <a:srgbClr val="FBEEC9">
-                  <a:lumMod val="75000"/>
-                </a:srgbClr>
-              </a:solidFill>
-              <a:effectLst>
-                <a:outerShdw blurRad="38100" dist="38100" dir="2700000" algn="tl">
-                  <a:srgbClr val="000000">
-                    <a:alpha val="43137"/>
-                  </a:srgbClr>
-                </a:outerShdw>
-              </a:effectLst>
-              <a:latin typeface="Consolas" pitchFamily="49" charset="0"/>
-              <a:cs typeface="Consolas" pitchFamily="49" charset="0"/>
-            </a:endParaRPr>
           </a:p>
           <a:p>
             <a:pPr eaLnBrk="0" hangingPunct="0">
@@ -18999,41 +18983,7 @@
                 <a:latin typeface="Consolas" pitchFamily="49" charset="0"/>
                 <a:cs typeface="Consolas" pitchFamily="49" charset="0"/>
               </a:rPr>
-              <a:t> резултатът от </a:t>
-            </a:r>
-            <a:r>
-              <a:rPr lang="bg-BG" sz="2500" b="1" noProof="1" smtClean="0">
-                <a:solidFill>
-                  <a:srgbClr val="FBEEDC"/>
-                </a:solidFill>
-                <a:effectLst>
-                  <a:outerShdw blurRad="38100" dist="38100" dir="2700000" algn="tl">
-                    <a:srgbClr val="000000">
-                      <a:alpha val="43137"/>
-                    </a:srgbClr>
-                  </a:outerShdw>
-                </a:effectLst>
-                <a:latin typeface="Consolas" pitchFamily="49" charset="0"/>
-                <a:cs typeface="Consolas" pitchFamily="49" charset="0"/>
-              </a:rPr>
-              <a:t>проверката </a:t>
-            </a:r>
-            <a:r>
-              <a:rPr lang="bg-BG" sz="2500" b="1" noProof="1" smtClean="0">
-                <a:solidFill>
-                  <a:srgbClr val="FBEEDC"/>
-                </a:solidFill>
-                <a:effectLst>
-                  <a:outerShdw blurRad="38100" dist="38100" dir="2700000" algn="tl">
-                    <a:srgbClr val="000000">
-                      <a:alpha val="43137"/>
-                    </a:srgbClr>
-                  </a:outerShdw>
-                </a:effectLst>
-                <a:latin typeface="Consolas" pitchFamily="49" charset="0"/>
-                <a:cs typeface="Consolas" pitchFamily="49" charset="0"/>
-              </a:rPr>
-              <a:t>ще е </a:t>
+              <a:t> резултатът от проверката ще е </a:t>
             </a:r>
             <a:r>
               <a:rPr lang="sv-SE" sz="2500" b="1" noProof="1" smtClean="0">
@@ -21531,7 +21481,15 @@
             </a:r>
             <a:r>
               <a:rPr lang="bg-BG" sz="3200" dirty="0" smtClean="0"/>
-              <a:t>и да извършване различни действия според резултата от проверката</a:t>
+              <a:t>и </a:t>
+            </a:r>
+            <a:r>
+              <a:rPr lang="bg-BG" sz="3200" dirty="0" smtClean="0"/>
+              <a:t>извършваме </a:t>
+            </a:r>
+            <a:r>
+              <a:rPr lang="bg-BG" sz="3200" dirty="0" smtClean="0"/>
+              <a:t>различни действия според резултата от проверката</a:t>
             </a:r>
             <a:endParaRPr lang="en-US" sz="3200" dirty="0" smtClean="0"/>
           </a:p>
@@ -21539,11 +21497,19 @@
             <a:pPr lvl="1"/>
             <a:r>
               <a:rPr lang="bg-BG" sz="3000" dirty="0" smtClean="0"/>
-              <a:t>Пример: въвеждаме оценка и проверяваме дали е отлична (</a:t>
+              <a:t>Пример: въвеждаме оценка и проверяваме дали е отлична </a:t>
+            </a:r>
+            <a:r>
+              <a:rPr lang="bg-BG" sz="3000" dirty="0" smtClean="0"/>
+              <a:t>(</a:t>
+            </a:r>
+            <a:r>
+              <a:rPr lang="en-US" sz="3000" smtClean="0"/>
+              <a:t>≥ </a:t>
             </a:r>
             <a:r>
               <a:rPr lang="en-US" sz="3000" dirty="0" smtClean="0"/>
-              <a:t>≤ 5.50)</a:t>
+              <a:t>5.50)</a:t>
             </a:r>
             <a:endParaRPr lang="bg-BG" sz="3000" dirty="0" smtClean="0"/>
           </a:p>

--- a/3. Simple-Conditions/3. Simple-Conditions.pptx
+++ b/3. Simple-Conditions/3. Simple-Conditions.pptx
@@ -249,7 +249,7 @@
             <a:fld id="{FE5B4EDC-59C0-49C7-8ADA-5A781B329E02}" type="datetimeFigureOut">
               <a:rPr lang="en-US"/>
               <a:pPr/>
-              <a:t>2/20/2017</a:t>
+              <a:t>4/8/2017</a:t>
             </a:fld>
             <a:endParaRPr dirty="0"/>
           </a:p>
@@ -448,7 +448,7 @@
             <a:fld id="{F2D8D46A-B586-417D-BFBD-8C8FE0AAF762}" type="datetimeFigureOut">
               <a:rPr lang="en-US" smtClean="0"/>
               <a:pPr/>
-              <a:t>2/20/2017</a:t>
+              <a:t>4/8/2017</a:t>
             </a:fld>
             <a:endParaRPr lang="en-US"/>
           </a:p>
@@ -2198,7 +2198,7 @@
             <a:fld id="{055373AC-9AA7-423B-BA00-BA1C74164DBD}" type="datetime1">
               <a:rPr lang="en-US" smtClean="0"/>
               <a:pPr/>
-              <a:t>2/20/2017</a:t>
+              <a:t>4/8/2017</a:t>
             </a:fld>
             <a:endParaRPr lang="en-US" dirty="0"/>
           </a:p>
@@ -3365,7 +3365,7 @@
                 </a:solidFill>
               </a:rPr>
               <a:pPr/>
-              <a:t>2/20/2017</a:t>
+              <a:t>4/8/2017</a:t>
             </a:fld>
             <a:endParaRPr lang="en-US" dirty="0">
               <a:solidFill>
@@ -4647,7 +4647,7 @@
             <a:fld id="{055373AC-9AA7-423B-BA00-BA1C74164DBD}" type="datetime1">
               <a:rPr lang="en-US" smtClean="0"/>
               <a:pPr/>
-              <a:t>2/20/2017</a:t>
+              <a:t>4/8/2017</a:t>
             </a:fld>
             <a:endParaRPr lang="en-US" dirty="0"/>
           </a:p>
@@ -5280,7 +5280,7 @@
                 </a:solidFill>
               </a:rPr>
               <a:pPr/>
-              <a:t>2/20/2017</a:t>
+              <a:t>4/8/2017</a:t>
             </a:fld>
             <a:endParaRPr lang="en-US" dirty="0">
               <a:solidFill>
@@ -7103,7 +7103,7 @@
       </p:sp>
       <p:pic>
         <p:nvPicPr>
-          <p:cNvPr id="6" name="Картина 5"/>
+          <p:cNvPr id="7" name="Картина 6"/>
           <p:cNvPicPr>
             <a:picLocks noChangeAspect="1"/>
           </p:cNvPicPr>
@@ -7123,8 +7123,8 @@
         </p:blipFill>
         <p:spPr>
           <a:xfrm>
-            <a:off x="5042556" y="1600200"/>
-            <a:ext cx="6005016" cy="1676400"/>
+            <a:off x="912813" y="2725960"/>
+            <a:ext cx="5588246" cy="1528409"/>
           </a:xfrm>
           <a:prstGeom prst="rect">
             <a:avLst/>
@@ -7133,7 +7133,7 @@
       </p:pic>
       <p:pic>
         <p:nvPicPr>
-          <p:cNvPr id="7" name="Картина 6"/>
+          <p:cNvPr id="6" name="Картина 5"/>
           <p:cNvPicPr>
             <a:picLocks noChangeAspect="1"/>
           </p:cNvPicPr>
@@ -7153,8 +7153,8 @@
         </p:blipFill>
         <p:spPr>
           <a:xfrm>
-            <a:off x="912813" y="2667000"/>
-            <a:ext cx="5588246" cy="1646329"/>
+            <a:off x="5042556" y="1652029"/>
+            <a:ext cx="6005016" cy="1572742"/>
           </a:xfrm>
           <a:prstGeom prst="rect">
             <a:avLst/>
@@ -21481,15 +21481,7 @@
             </a:r>
             <a:r>
               <a:rPr lang="bg-BG" sz="3200" dirty="0" smtClean="0"/>
-              <a:t>и </a:t>
-            </a:r>
-            <a:r>
-              <a:rPr lang="bg-BG" sz="3200" dirty="0" smtClean="0"/>
-              <a:t>извършваме </a:t>
-            </a:r>
-            <a:r>
-              <a:rPr lang="bg-BG" sz="3200" dirty="0" smtClean="0"/>
-              <a:t>различни действия според резултата от проверката</a:t>
+              <a:t>и извършваме различни действия според резултата от проверката</a:t>
             </a:r>
             <a:endParaRPr lang="en-US" sz="3200" dirty="0" smtClean="0"/>
           </a:p>
@@ -21497,11 +21489,7 @@
             <a:pPr lvl="1"/>
             <a:r>
               <a:rPr lang="bg-BG" sz="3000" dirty="0" smtClean="0"/>
-              <a:t>Пример: въвеждаме оценка и проверяваме дали е отлична </a:t>
-            </a:r>
-            <a:r>
-              <a:rPr lang="bg-BG" sz="3000" dirty="0" smtClean="0"/>
-              <a:t>(</a:t>
+              <a:t>Пример: въвеждаме оценка и проверяваме дали е отлична (</a:t>
             </a:r>
             <a:r>
               <a:rPr lang="en-US" sz="3000" smtClean="0"/>

--- a/3. Simple-Conditions/3. Simple-Conditions.pptx
+++ b/3. Simple-Conditions/3. Simple-Conditions.pptx
@@ -249,7 +249,7 @@
             <a:fld id="{FE5B4EDC-59C0-49C7-8ADA-5A781B329E02}" type="datetimeFigureOut">
               <a:rPr lang="en-US"/>
               <a:pPr/>
-              <a:t>4/8/2017</a:t>
+              <a:t>4/18/2017</a:t>
             </a:fld>
             <a:endParaRPr dirty="0"/>
           </a:p>
@@ -448,7 +448,7 @@
             <a:fld id="{F2D8D46A-B586-417D-BFBD-8C8FE0AAF762}" type="datetimeFigureOut">
               <a:rPr lang="en-US" smtClean="0"/>
               <a:pPr/>
-              <a:t>4/8/2017</a:t>
+              <a:t>4/18/2017</a:t>
             </a:fld>
             <a:endParaRPr lang="en-US"/>
           </a:p>
@@ -2198,7 +2198,7 @@
             <a:fld id="{055373AC-9AA7-423B-BA00-BA1C74164DBD}" type="datetime1">
               <a:rPr lang="en-US" smtClean="0"/>
               <a:pPr/>
-              <a:t>4/8/2017</a:t>
+              <a:t>4/18/2017</a:t>
             </a:fld>
             <a:endParaRPr lang="en-US" dirty="0"/>
           </a:p>
@@ -3365,7 +3365,7 @@
                 </a:solidFill>
               </a:rPr>
               <a:pPr/>
-              <a:t>4/8/2017</a:t>
+              <a:t>4/18/2017</a:t>
             </a:fld>
             <a:endParaRPr lang="en-US" dirty="0">
               <a:solidFill>
@@ -4647,7 +4647,7 @@
             <a:fld id="{055373AC-9AA7-423B-BA00-BA1C74164DBD}" type="datetime1">
               <a:rPr lang="en-US" smtClean="0"/>
               <a:pPr/>
-              <a:t>4/8/2017</a:t>
+              <a:t>4/18/2017</a:t>
             </a:fld>
             <a:endParaRPr lang="en-US" dirty="0"/>
           </a:p>
@@ -5280,7 +5280,7 @@
                 </a:solidFill>
               </a:rPr>
               <a:pPr/>
-              <a:t>4/8/2017</a:t>
+              <a:t>4/18/2017</a:t>
             </a:fld>
             <a:endParaRPr lang="en-US" dirty="0">
               <a:solidFill>
@@ -6804,7 +6804,75 @@
                 <a:latin typeface="Consolas" pitchFamily="49" charset="0"/>
                 <a:cs typeface="Consolas" pitchFamily="49" charset="0"/>
               </a:rPr>
-              <a:t>   print('Greater number: ' + num1)</a:t>
+              <a:t>   print('Greater number</a:t>
+            </a:r>
+            <a:r>
+              <a:rPr lang="it-IT" sz="2800" b="1" noProof="1" smtClean="0">
+                <a:solidFill>
+                  <a:srgbClr val="FBEEDC"/>
+                </a:solidFill>
+                <a:effectLst>
+                  <a:outerShdw blurRad="38100" dist="38100" dir="2700000" algn="tl">
+                    <a:srgbClr val="000000">
+                      <a:alpha val="43137"/>
+                    </a:srgbClr>
+                  </a:outerShdw>
+                </a:effectLst>
+                <a:latin typeface="Consolas" pitchFamily="49" charset="0"/>
+                <a:cs typeface="Consolas" pitchFamily="49" charset="0"/>
+              </a:rPr>
+              <a:t>:'</a:t>
+            </a:r>
+            <a:r>
+              <a:rPr lang="bg-BG" sz="2800" b="1" noProof="1" smtClean="0">
+                <a:solidFill>
+                  <a:srgbClr val="FBEEDC"/>
+                </a:solidFill>
+                <a:effectLst>
+                  <a:outerShdw blurRad="38100" dist="38100" dir="2700000" algn="tl">
+                    <a:srgbClr val="000000">
+                      <a:alpha val="43137"/>
+                    </a:srgbClr>
+                  </a:outerShdw>
+                </a:effectLst>
+                <a:latin typeface="Consolas" pitchFamily="49" charset="0"/>
+                <a:cs typeface="Consolas" pitchFamily="49" charset="0"/>
+              </a:rPr>
+              <a:t>, </a:t>
+            </a:r>
+            <a:r>
+              <a:rPr lang="it-IT" sz="2800" b="1" noProof="1" smtClean="0">
+                <a:solidFill>
+                  <a:srgbClr val="FBEEDC"/>
+                </a:solidFill>
+                <a:effectLst>
+                  <a:outerShdw blurRad="38100" dist="38100" dir="2700000" algn="tl">
+                    <a:srgbClr val="000000">
+                      <a:alpha val="43137"/>
+                    </a:srgbClr>
+                  </a:outerShdw>
+                </a:effectLst>
+                <a:latin typeface="Consolas" pitchFamily="49" charset="0"/>
+                <a:cs typeface="Consolas" pitchFamily="49" charset="0"/>
+              </a:rPr>
+              <a:t>num1</a:t>
+            </a:r>
+            <a:r>
+              <a:rPr lang="it-IT" sz="2800" b="1" noProof="1" smtClean="0">
+                <a:solidFill>
+                  <a:srgbClr val="FBEEDC"/>
+                </a:solidFill>
+                <a:effectLst>
+                  <a:outerShdw blurRad="38100" dist="38100" dir="2700000" algn="tl">
+                    <a:srgbClr val="000000">
+                      <a:alpha val="43137"/>
+                    </a:srgbClr>
+                  </a:outerShdw>
+                </a:effectLst>
+                <a:latin typeface="Consolas" pitchFamily="49" charset="0"/>
+                <a:cs typeface="Consolas" pitchFamily="49" charset="0"/>
+              </a:rPr>
+              <a:t>)</a:t>
             </a:r>
           </a:p>
           <a:p>
@@ -6883,7 +6951,7 @@
                 <a:latin typeface="Consolas" pitchFamily="49" charset="0"/>
                 <a:cs typeface="Consolas" pitchFamily="49" charset="0"/>
               </a:rPr>
-              <a:t>number: </a:t>
+              <a:t>number</a:t>
             </a:r>
             <a:r>
               <a:rPr lang="it-IT" sz="2800" b="1" noProof="1" smtClean="0">
@@ -6900,24 +6968,24 @@
                 <a:latin typeface="Consolas" pitchFamily="49" charset="0"/>
                 <a:cs typeface="Consolas" pitchFamily="49" charset="0"/>
               </a:rPr>
-              <a:t>' </a:t>
-            </a:r>
-            <a:r>
-              <a:rPr lang="it-IT" sz="2800" b="1" noProof="1">
-                <a:solidFill>
-                  <a:srgbClr val="FBEEDC"/>
-                </a:solidFill>
-                <a:effectLst>
-                  <a:outerShdw blurRad="38100" dist="38100" dir="2700000" algn="tl">
-                    <a:srgbClr val="000000">
-                      <a:alpha val="43137"/>
-                    </a:srgbClr>
-                  </a:outerShdw>
-                </a:effectLst>
-                <a:latin typeface="Consolas" pitchFamily="49" charset="0"/>
-                <a:cs typeface="Consolas" pitchFamily="49" charset="0"/>
-              </a:rPr>
-              <a:t>+ </a:t>
+              <a:t>:'</a:t>
+            </a:r>
+            <a:r>
+              <a:rPr lang="bg-BG" sz="2800" b="1" noProof="1" smtClean="0">
+                <a:solidFill>
+                  <a:srgbClr val="FBEEDC"/>
+                </a:solidFill>
+                <a:effectLst>
+                  <a:outerShdw blurRad="38100" dist="38100" dir="2700000" algn="tl">
+                    <a:srgbClr val="000000">
+                      <a:alpha val="43137"/>
+                    </a:srgbClr>
+                  </a:outerShdw>
+                </a:effectLst>
+                <a:latin typeface="Consolas" pitchFamily="49" charset="0"/>
+                <a:cs typeface="Consolas" pitchFamily="49" charset="0"/>
+              </a:rPr>
+              <a:t>,</a:t>
             </a:r>
             <a:r>
               <a:rPr lang="it-IT" sz="2800" b="1" noProof="1" smtClean="0">
@@ -6934,7 +7002,24 @@
                 <a:latin typeface="Consolas" pitchFamily="49" charset="0"/>
                 <a:cs typeface="Consolas" pitchFamily="49" charset="0"/>
               </a:rPr>
-              <a:t>num2)</a:t>
+              <a:t> num2</a:t>
+            </a:r>
+            <a:r>
+              <a:rPr lang="it-IT" sz="2800" b="1" noProof="1" smtClean="0">
+                <a:solidFill>
+                  <a:srgbClr val="FBEEDC"/>
+                </a:solidFill>
+                <a:effectLst>
+                  <a:outerShdw blurRad="38100" dist="38100" dir="2700000" algn="tl">
+                    <a:srgbClr val="000000">
+                      <a:alpha val="43137"/>
+                    </a:srgbClr>
+                  </a:outerShdw>
+                </a:effectLst>
+                <a:latin typeface="Consolas" pitchFamily="49" charset="0"/>
+                <a:cs typeface="Consolas" pitchFamily="49" charset="0"/>
+              </a:rPr>
+              <a:t>)</a:t>
             </a:r>
           </a:p>
         </p:txBody>
@@ -6978,7 +7063,11 @@
               <a:rPr lang="en-US" dirty="0" smtClean="0">
                 <a:hlinkClick r:id="rId2"/>
               </a:rPr>
-              <a:t>judge.softuni.bg/Contests/Practice/Index/152#3</a:t>
+              <a:t>judge.softuni.bg/Contests/Practice/Index/488#4</a:t>
+            </a:r>
+            <a:r>
+              <a:rPr lang="bg-BG" dirty="0" smtClean="0"/>
+              <a:t> </a:t>
             </a:r>
             <a:endParaRPr lang="en-US" dirty="0"/>
           </a:p>
@@ -8189,7 +8278,15 @@
                 </a:solidFill>
                 <a:hlinkClick r:id="rId2"/>
               </a:rPr>
-              <a:t>judge.softuni.bg/Contests/Practice/Index/152#4</a:t>
+              <a:t>judge.softuni.bg/Contests/Practice/Index/488#5</a:t>
+            </a:r>
+            <a:r>
+              <a:rPr lang="en-US" dirty="0" smtClean="0">
+                <a:solidFill>
+                  <a:prstClr val="white"/>
+                </a:solidFill>
+              </a:rPr>
+              <a:t> </a:t>
             </a:r>
             <a:endParaRPr lang="en-US" dirty="0">
               <a:solidFill>
@@ -9380,7 +9477,7 @@
                 <a:latin typeface="Consolas" pitchFamily="49" charset="0"/>
                 <a:cs typeface="Consolas" pitchFamily="49" charset="0"/>
               </a:rPr>
-              <a:t>else: </a:t>
+              <a:t>elif: </a:t>
             </a:r>
             <a:r>
               <a:rPr lang="en-US" sz="2600" b="1" noProof="1" smtClean="0">
@@ -9523,7 +9620,7 @@
                 <a:latin typeface="Consolas" pitchFamily="49" charset="0"/>
                 <a:cs typeface="Consolas" pitchFamily="49" charset="0"/>
               </a:rPr>
-              <a:t>score: </a:t>
+              <a:t>score</a:t>
             </a:r>
             <a:r>
               <a:rPr lang="it-IT" sz="2600" b="1" noProof="1" smtClean="0">
@@ -9540,7 +9637,7 @@
                 <a:latin typeface="Consolas" pitchFamily="49" charset="0"/>
                 <a:cs typeface="Consolas" pitchFamily="49" charset="0"/>
               </a:rPr>
-              <a:t>', </a:t>
+              <a:t>:', </a:t>
             </a:r>
             <a:r>
               <a:rPr lang="it-IT" sz="2600" b="1" noProof="1">
@@ -9633,7 +9730,7 @@
                 <a:latin typeface="Consolas" pitchFamily="49" charset="0"/>
                 <a:cs typeface="Consolas" pitchFamily="49" charset="0"/>
               </a:rPr>
-              <a:t>score: </a:t>
+              <a:t>score</a:t>
             </a:r>
             <a:r>
               <a:rPr lang="it-IT" sz="2600" b="1" noProof="1" smtClean="0">
@@ -9650,7 +9747,7 @@
                 <a:latin typeface="Consolas" pitchFamily="49" charset="0"/>
                 <a:cs typeface="Consolas" pitchFamily="49" charset="0"/>
               </a:rPr>
-              <a:t>', </a:t>
+              <a:t>:', </a:t>
             </a:r>
             <a:r>
               <a:rPr lang="it-IT" sz="2600" b="1" noProof="1">
@@ -9733,16 +9830,26 @@
               <a:t> </a:t>
             </a:r>
             <a:r>
-              <a:rPr lang="en-US" dirty="0">
+              <a:rPr lang="en-US">
                 <a:hlinkClick r:id="rId2"/>
               </a:rPr>
-              <a:t>https://</a:t>
-            </a:r>
-            <a:r>
-              <a:rPr lang="en-US" dirty="0" smtClean="0">
+              <a:t>https</a:t>
+            </a:r>
+            <a:r>
+              <a:rPr lang="en-US">
                 <a:hlinkClick r:id="rId2"/>
               </a:rPr>
-              <a:t>judge.softuni.bg/Contests/Practice/Index/152#5</a:t>
+              <a:t>://</a:t>
+            </a:r>
+            <a:r>
+              <a:rPr lang="en-US" smtClean="0">
+                <a:hlinkClick r:id="rId2"/>
+              </a:rPr>
+              <a:t>judge.softuni.bg/Contests/Practice/Index/488#6</a:t>
+            </a:r>
+            <a:r>
+              <a:rPr lang="en-US" dirty="0" smtClean="0"/>
+              <a:t> </a:t>
             </a:r>
             <a:endParaRPr lang="en-US" dirty="0"/>
           </a:p>
@@ -12307,7 +12414,7 @@
                 <a:latin typeface="Consolas" pitchFamily="49" charset="0"/>
                 <a:cs typeface="Consolas" pitchFamily="49" charset="0"/>
               </a:rPr>
-              <a:t>sec </a:t>
+              <a:t>secs </a:t>
             </a:r>
             <a:r>
               <a:rPr lang="en-US" sz="2600" b="1" noProof="1">
@@ -12477,8 +12584,39 @@
                 <a:latin typeface="Consolas" pitchFamily="49" charset="0"/>
                 <a:cs typeface="Consolas" pitchFamily="49" charset="0"/>
               </a:rPr>
-              <a:t>   mins++</a:t>
-            </a:r>
+              <a:t>   </a:t>
+            </a:r>
+            <a:r>
+              <a:rPr lang="en-US" sz="2600" b="1" noProof="1" smtClean="0">
+                <a:solidFill>
+                  <a:srgbClr val="FBEEDC"/>
+                </a:solidFill>
+                <a:effectLst>
+                  <a:outerShdw blurRad="38100" dist="38100" dir="2700000" algn="tl">
+                    <a:srgbClr val="000000">
+                      <a:alpha val="43137"/>
+                    </a:srgbClr>
+                  </a:outerShdw>
+                </a:effectLst>
+                <a:latin typeface="Consolas" pitchFamily="49" charset="0"/>
+                <a:cs typeface="Consolas" pitchFamily="49" charset="0"/>
+              </a:rPr>
+              <a:t>mins += 1</a:t>
+            </a:r>
+            <a:endParaRPr lang="en-US" sz="2600" b="1" noProof="1" smtClean="0">
+              <a:solidFill>
+                <a:srgbClr val="FBEEDC"/>
+              </a:solidFill>
+              <a:effectLst>
+                <a:outerShdw blurRad="38100" dist="38100" dir="2700000" algn="tl">
+                  <a:srgbClr val="000000">
+                    <a:alpha val="43137"/>
+                  </a:srgbClr>
+                </a:outerShdw>
+              </a:effectLst>
+              <a:latin typeface="Consolas" pitchFamily="49" charset="0"/>
+              <a:cs typeface="Consolas" pitchFamily="49" charset="0"/>
+            </a:endParaRPr>
           </a:p>
           <a:p>
             <a:pPr eaLnBrk="0" hangingPunct="0">
@@ -12525,7 +12663,41 @@
                 <a:latin typeface="Consolas" pitchFamily="49" charset="0"/>
                 <a:cs typeface="Consolas" pitchFamily="49" charset="0"/>
               </a:rPr>
-              <a:t>= sec - </a:t>
+              <a:t>= </a:t>
+            </a:r>
+            <a:r>
+              <a:rPr lang="en-US" sz="2600" b="1" noProof="1" smtClean="0">
+                <a:solidFill>
+                  <a:srgbClr val="FBEEDC"/>
+                </a:solidFill>
+                <a:effectLst>
+                  <a:outerShdw blurRad="38100" dist="38100" dir="2700000" algn="tl">
+                    <a:srgbClr val="000000">
+                      <a:alpha val="43137"/>
+                    </a:srgbClr>
+                  </a:outerShdw>
+                </a:effectLst>
+                <a:latin typeface="Consolas" pitchFamily="49" charset="0"/>
+                <a:cs typeface="Consolas" pitchFamily="49" charset="0"/>
+              </a:rPr>
+              <a:t>secs </a:t>
+            </a:r>
+            <a:r>
+              <a:rPr lang="en-US" sz="2600" b="1" noProof="1">
+                <a:solidFill>
+                  <a:srgbClr val="FBEEDC"/>
+                </a:solidFill>
+                <a:effectLst>
+                  <a:outerShdw blurRad="38100" dist="38100" dir="2700000" algn="tl">
+                    <a:srgbClr val="000000">
+                      <a:alpha val="43137"/>
+                    </a:srgbClr>
+                  </a:outerShdw>
+                </a:effectLst>
+                <a:latin typeface="Consolas" pitchFamily="49" charset="0"/>
+                <a:cs typeface="Consolas" pitchFamily="49" charset="0"/>
+              </a:rPr>
+              <a:t>- </a:t>
             </a:r>
             <a:r>
               <a:rPr lang="en-US" sz="2600" b="1" noProof="1" smtClean="0">
@@ -12720,7 +12892,7 @@
                 <a:latin typeface="Consolas" pitchFamily="49" charset="0"/>
                 <a:cs typeface="Consolas" pitchFamily="49" charset="0"/>
               </a:rPr>
-              <a:t>print(mins </a:t>
+              <a:t>print(str(mins) </a:t>
             </a:r>
             <a:r>
               <a:rPr lang="it-IT" sz="2600" b="1" noProof="1">
@@ -12805,7 +12977,7 @@
                 <a:latin typeface="Consolas" pitchFamily="49" charset="0"/>
                 <a:cs typeface="Consolas" pitchFamily="49" charset="0"/>
               </a:rPr>
-              <a:t>+ secs</a:t>
+              <a:t>+ </a:t>
             </a:r>
             <a:r>
               <a:rPr lang="it-IT" sz="2600" b="1" noProof="1" smtClean="0">
@@ -12822,7 +12994,7 @@
                 <a:latin typeface="Consolas" pitchFamily="49" charset="0"/>
                 <a:cs typeface="Consolas" pitchFamily="49" charset="0"/>
               </a:rPr>
-              <a:t>)</a:t>
+              <a:t>str(secs))</a:t>
             </a:r>
             <a:endParaRPr lang="it-IT" sz="2600" b="1" noProof="1">
               <a:solidFill>
@@ -12963,7 +13135,7 @@
                 <a:latin typeface="Consolas" pitchFamily="49" charset="0"/>
                 <a:cs typeface="Consolas" pitchFamily="49" charset="0"/>
               </a:rPr>
-              <a:t>print(mins </a:t>
+              <a:t>print(str(mins) </a:t>
             </a:r>
             <a:r>
               <a:rPr lang="it-IT" sz="2600" b="1" noProof="1">
@@ -13014,7 +13186,7 @@
                 <a:latin typeface="Consolas" pitchFamily="49" charset="0"/>
                 <a:cs typeface="Consolas" pitchFamily="49" charset="0"/>
               </a:rPr>
-              <a:t>+ secs</a:t>
+              <a:t>+ </a:t>
             </a:r>
             <a:r>
               <a:rPr lang="it-IT" sz="2600" b="1" noProof="1" smtClean="0">
@@ -13031,7 +13203,7 @@
                 <a:latin typeface="Consolas" pitchFamily="49" charset="0"/>
                 <a:cs typeface="Consolas" pitchFamily="49" charset="0"/>
               </a:rPr>
-              <a:t>)</a:t>
+              <a:t>str(secs))</a:t>
             </a:r>
             <a:endParaRPr lang="en-US" sz="2600" b="1" noProof="1">
               <a:solidFill>
@@ -13103,7 +13275,15 @@
                 </a:solidFill>
                 <a:hlinkClick r:id="rId2"/>
               </a:rPr>
-              <a:t>judge.softuni.bg/Contests/Practice/Index/152#6</a:t>
+              <a:t>judge.softuni.bg/Contests/Practice/Index/488#7</a:t>
+            </a:r>
+            <a:r>
+              <a:rPr lang="en-US" dirty="0" smtClean="0">
+                <a:solidFill>
+                  <a:prstClr val="white"/>
+                </a:solidFill>
+              </a:rPr>
+              <a:t> </a:t>
             </a:r>
             <a:endParaRPr lang="en-US" dirty="0">
               <a:solidFill>
@@ -14399,7 +14579,24 @@
                 <a:latin typeface="Consolas" pitchFamily="49" charset="0"/>
                 <a:cs typeface="Consolas" pitchFamily="49" charset="0"/>
               </a:rPr>
-              <a:t>double(input())</a:t>
+              <a:t>float(input</a:t>
+            </a:r>
+            <a:r>
+              <a:rPr lang="it-IT" sz="2800" b="1" noProof="1" smtClean="0">
+                <a:solidFill>
+                  <a:srgbClr val="FBEEDC"/>
+                </a:solidFill>
+                <a:effectLst>
+                  <a:outerShdw blurRad="38100" dist="38100" dir="2700000" algn="tl">
+                    <a:srgbClr val="000000">
+                      <a:alpha val="43137"/>
+                    </a:srgbClr>
+                  </a:outerShdw>
+                </a:effectLst>
+                <a:latin typeface="Consolas" pitchFamily="49" charset="0"/>
+                <a:cs typeface="Consolas" pitchFamily="49" charset="0"/>
+              </a:rPr>
+              <a:t>())</a:t>
             </a:r>
             <a:endParaRPr lang="it-IT" sz="2800" b="1" noProof="1">
               <a:solidFill>
@@ -15194,7 +15391,11 @@
               <a:rPr lang="en-US" dirty="0" smtClean="0">
                 <a:hlinkClick r:id="rId2"/>
               </a:rPr>
-              <a:t>judge.softuni.bg/Contests/Practice/Index/152#7</a:t>
+              <a:t>judge.softuni.bg/Contests/Practice/Index/488#8</a:t>
+            </a:r>
+            <a:r>
+              <a:rPr lang="en-US" dirty="0" smtClean="0"/>
+              <a:t> </a:t>
             </a:r>
             <a:endParaRPr lang="en-US" dirty="0"/>
           </a:p>
@@ -21886,7 +22087,11 @@
               <a:rPr lang="en-US" dirty="0" smtClean="0">
                 <a:hlinkClick r:id="rId2"/>
               </a:rPr>
-              <a:t>judge.softuni.bg/Contests/Practice/Index/152#0</a:t>
+              <a:t>judge.softuni.bg/Contests/Practice/Index/488#0</a:t>
+            </a:r>
+            <a:r>
+              <a:rPr lang="en-US" dirty="0" smtClean="0"/>
+              <a:t> </a:t>
             </a:r>
             <a:endParaRPr lang="en-US" dirty="0"/>
           </a:p>
@@ -22425,7 +22630,11 @@
               <a:rPr lang="en-US" dirty="0" smtClean="0">
                 <a:hlinkClick r:id="rId2"/>
               </a:rPr>
-              <a:t>judge.softuni.bg/Contests/Practice/Index/152#1</a:t>
+              <a:t>judge.softuni.bg/Contests/Practice/Index/488#1</a:t>
+            </a:r>
+            <a:r>
+              <a:rPr lang="en-US" dirty="0" smtClean="0"/>
+              <a:t> </a:t>
             </a:r>
             <a:endParaRPr lang="en-US" dirty="0"/>
           </a:p>
@@ -22520,12 +22729,12 @@
               <a:t>Въвеждаме оценка и </a:t>
             </a:r>
             <a:r>
-              <a:rPr lang="bg-BG" dirty="0" err="1" smtClean="0"/>
-              <a:t>провеяваме</a:t>
-            </a:r>
-            <a:r>
               <a:rPr lang="bg-BG" dirty="0" smtClean="0"/>
-              <a:t> дали е отлична, лоша или друга</a:t>
+              <a:t>проверяваме </a:t>
+            </a:r>
+            <a:r>
+              <a:rPr lang="bg-BG" dirty="0" smtClean="0"/>
+              <a:t>дали е отлична, лоша или друга</a:t>
             </a:r>
             <a:endParaRPr lang="en-US" dirty="0"/>
           </a:p>
@@ -23107,6 +23316,55 @@
               <a:latin typeface="Consolas" pitchFamily="49" charset="0"/>
               <a:cs typeface="Consolas" pitchFamily="49" charset="0"/>
             </a:endParaRPr>
+          </a:p>
+        </p:txBody>
+      </p:sp>
+      <p:sp>
+        <p:nvSpPr>
+          <p:cNvPr id="6" name="Rectangle 2"/>
+          <p:cNvSpPr/>
+          <p:nvPr/>
+        </p:nvSpPr>
+        <p:spPr>
+          <a:xfrm>
+            <a:off x="758824" y="6161575"/>
+            <a:ext cx="10668000" cy="461665"/>
+          </a:xfrm>
+          <a:prstGeom prst="rect">
+            <a:avLst/>
+          </a:prstGeom>
+        </p:spPr>
+        <p:txBody>
+          <a:bodyPr wrap="square">
+            <a:spAutoFit/>
+          </a:bodyPr>
+          <a:lstStyle/>
+          <a:p>
+            <a:r>
+              <a:rPr lang="bg-BG" dirty="0" smtClean="0"/>
+              <a:t>Тестване на решението:</a:t>
+            </a:r>
+            <a:r>
+              <a:rPr lang="en-US" dirty="0"/>
+              <a:t> </a:t>
+            </a:r>
+            <a:r>
+              <a:rPr lang="en-US" dirty="0">
+                <a:hlinkClick r:id="rId2"/>
+              </a:rPr>
+              <a:t>https://</a:t>
+            </a:r>
+            <a:r>
+              <a:rPr lang="en-US" dirty="0" smtClean="0">
+                <a:hlinkClick r:id="rId2"/>
+              </a:rPr>
+              <a:t>judge.softuni.bg/Contests/Practice/Index/488#2</a:t>
+            </a:r>
+            <a:r>
+              <a:rPr lang="bg-BG" dirty="0" smtClean="0"/>
+              <a:t> </a:t>
+            </a:r>
+            <a:endParaRPr lang="en-US" dirty="0"/>
           </a:p>
         </p:txBody>
       </p:sp>
@@ -25237,13 +25495,11 @@
               <a:rPr lang="en-US" dirty="0" smtClean="0">
                 <a:hlinkClick r:id="rId2"/>
               </a:rPr>
-              <a:t>judge.softuni.bg/Contests/Practice/Index/152#</a:t>
-            </a:r>
-            <a:r>
-              <a:rPr lang="bg-BG" dirty="0" smtClean="0">
-                <a:hlinkClick r:id="rId2"/>
-              </a:rPr>
-              <a:t>2</a:t>
+              <a:t>judge.softuni.bg/Contests/Practice/Index/488#3</a:t>
+            </a:r>
+            <a:r>
+              <a:rPr lang="bg-BG" dirty="0" smtClean="0"/>
+              <a:t> </a:t>
             </a:r>
             <a:endParaRPr lang="en-US" dirty="0"/>
           </a:p>
